--- a/docs/TP-monseratt.pptx
+++ b/docs/TP-monseratt.pptx
@@ -301,7 +301,7 @@
             <a:pPr rtl="0"/>
             <a:fld id="{B4E3835E-24B0-496B-96EE-067346D27389}" type="datetime1">
               <a:rPr lang="ru-RU" smtClean="0"/>
-              <a:t>05.06.2023</a:t>
+              <a:t>06.06.2023</a:t>
             </a:fld>
             <a:endParaRPr lang="ru-RU" dirty="0"/>
           </a:p>
@@ -471,7 +471,7 @@
             <a:fld id="{FF2ED697-B44C-4067-9866-37A6A4B979E8}" type="datetime1">
               <a:rPr lang="ru-RU" smtClean="0"/>
               <a:pPr/>
-              <a:t>05.06.2023</a:t>
+              <a:t>06.06.2023</a:t>
             </a:fld>
             <a:endParaRPr lang="ru-RU" dirty="0"/>
           </a:p>
@@ -2252,7 +2252,7 @@
             <a:pPr rtl="0"/>
             <a:fld id="{F3ED926C-3983-4EBD-9E2A-A8FC299BBE10}" type="datetime1">
               <a:rPr lang="ru-RU" noProof="0" smtClean="0"/>
-              <a:t>05.06.2023</a:t>
+              <a:t>06.06.2023</a:t>
             </a:fld>
             <a:endParaRPr lang="ru-RU" noProof="0" dirty="0"/>
           </a:p>
@@ -2514,7 +2514,7 @@
             <a:pPr rtl="0"/>
             <a:fld id="{BF8A22AC-47C1-4F47-A76D-35CEC9F519B5}" type="datetime1">
               <a:rPr lang="ru-RU" noProof="0" smtClean="0"/>
-              <a:t>05.06.2023</a:t>
+              <a:t>06.06.2023</a:t>
             </a:fld>
             <a:endParaRPr lang="ru-RU" noProof="0" dirty="0"/>
           </a:p>
@@ -2688,7 +2688,7 @@
             <a:pPr rtl="0"/>
             <a:fld id="{9E6A2E8C-46FA-428B-B468-12C757CC4BC2}" type="datetime1">
               <a:rPr lang="ru-RU" noProof="0" smtClean="0"/>
-              <a:t>05.06.2023</a:t>
+              <a:t>06.06.2023</a:t>
             </a:fld>
             <a:endParaRPr lang="ru-RU" noProof="0" dirty="0"/>
           </a:p>
@@ -2872,7 +2872,7 @@
             <a:pPr rtl="0"/>
             <a:fld id="{7178081D-AB76-4C60-897F-0ABDDC97887D}" type="datetime1">
               <a:rPr lang="ru-RU" noProof="0" smtClean="0"/>
-              <a:t>05.06.2023</a:t>
+              <a:t>06.06.2023</a:t>
             </a:fld>
             <a:endParaRPr lang="ru-RU" noProof="0" dirty="0"/>
           </a:p>
@@ -3046,7 +3046,7 @@
             <a:pPr rtl="0"/>
             <a:fld id="{85FE5434-280B-4785-86F9-86B76E5982C1}" type="datetime1">
               <a:rPr lang="ru-RU" noProof="0" smtClean="0"/>
-              <a:t>05.06.2023</a:t>
+              <a:t>06.06.2023</a:t>
             </a:fld>
             <a:endParaRPr lang="ru-RU" noProof="0" dirty="0"/>
           </a:p>
@@ -3296,7 +3296,7 @@
             <a:pPr rtl="0"/>
             <a:fld id="{4B88D45C-BCD0-43BA-83C2-F6F0B37895D4}" type="datetime1">
               <a:rPr lang="ru-RU" noProof="0" smtClean="0"/>
-              <a:t>05.06.2023</a:t>
+              <a:t>06.06.2023</a:t>
             </a:fld>
             <a:endParaRPr lang="ru-RU" noProof="0" dirty="0"/>
           </a:p>
@@ -3532,7 +3532,7 @@
             <a:pPr rtl="0"/>
             <a:fld id="{F33C1669-8B1C-4123-9784-A18D8F22C4F8}" type="datetime1">
               <a:rPr lang="ru-RU" noProof="0" smtClean="0"/>
-              <a:t>05.06.2023</a:t>
+              <a:t>06.06.2023</a:t>
             </a:fld>
             <a:endParaRPr lang="ru-RU" noProof="0" dirty="0"/>
           </a:p>
@@ -3903,7 +3903,7 @@
             <a:pPr rtl="0"/>
             <a:fld id="{0121868B-CDD2-44FA-B5CE-067C1F7F78A1}" type="datetime1">
               <a:rPr lang="ru-RU" noProof="0" smtClean="0"/>
-              <a:t>05.06.2023</a:t>
+              <a:t>06.06.2023</a:t>
             </a:fld>
             <a:endParaRPr lang="ru-RU" noProof="0" dirty="0"/>
           </a:p>
@@ -4025,7 +4025,7 @@
             <a:pPr rtl="0"/>
             <a:fld id="{7A2175D3-4479-4D47-AB09-1DBF425FA495}" type="datetime1">
               <a:rPr lang="ru-RU" noProof="0" smtClean="0"/>
-              <a:t>05.06.2023</a:t>
+              <a:t>06.06.2023</a:t>
             </a:fld>
             <a:endParaRPr lang="ru-RU" noProof="0" dirty="0"/>
           </a:p>
@@ -4123,7 +4123,7 @@
             <a:pPr rtl="0"/>
             <a:fld id="{6AD94B3A-2B16-4BF1-B78B-9A711C7495E6}" type="datetime1">
               <a:rPr lang="ru-RU" noProof="0" smtClean="0"/>
-              <a:t>05.06.2023</a:t>
+              <a:t>06.06.2023</a:t>
             </a:fld>
             <a:endParaRPr lang="ru-RU" noProof="0" dirty="0"/>
           </a:p>
@@ -4430,7 +4430,7 @@
             <a:pPr rtl="0"/>
             <a:fld id="{17CD2F7B-8103-43CB-9E63-BC1602139BC6}" type="datetime1">
               <a:rPr lang="ru-RU" noProof="0" smtClean="0"/>
-              <a:t>05.06.2023</a:t>
+              <a:t>06.06.2023</a:t>
             </a:fld>
             <a:endParaRPr lang="ru-RU" noProof="0" dirty="0"/>
           </a:p>
@@ -5129,7 +5129,7 @@
             <a:pPr rtl="0"/>
             <a:fld id="{7283BC01-A590-45B6-A644-D820576B2725}" type="datetime1">
               <a:rPr lang="ru-RU" noProof="0" smtClean="0"/>
-              <a:t>05.06.2023</a:t>
+              <a:t>06.06.2023</a:t>
             </a:fld>
             <a:endParaRPr lang="ru-RU" noProof="0" dirty="0"/>
           </a:p>
@@ -5344,7 +5344,7 @@
             <a:pPr rtl="0"/>
             <a:fld id="{6E7D9D7F-03B9-42BC-8A2D-FF7FF951CD6B}" type="datetime1">
               <a:rPr lang="ru-RU" noProof="0" smtClean="0"/>
-              <a:t>05.06.2023</a:t>
+              <a:t>06.06.2023</a:t>
             </a:fld>
             <a:endParaRPr lang="ru-RU" noProof="0" dirty="0"/>
           </a:p>
@@ -6059,153 +6059,6 @@
       </p:grpSpPr>
       <p:sp>
         <p:nvSpPr>
-          <p:cNvPr id="43" name="Полилиния 42">
-            <a:extLst>
-              <a:ext uri="{C183D7F6-B498-43B3-948B-1728B52AA6E4}">
-                <adec:decorative xmlns:adec="http://schemas.microsoft.com/office/drawing/2017/decorative" val="1"/>
-              </a:ext>
-            </a:extLst>
-          </p:cNvPr>
-          <p:cNvSpPr/>
-          <p:nvPr/>
-        </p:nvSpPr>
-        <p:spPr>
-          <a:xfrm rot="2700000">
-            <a:off x="11788943" y="6333474"/>
-            <a:ext cx="527486" cy="603188"/>
-          </a:xfrm>
-          <a:custGeom>
-            <a:avLst/>
-            <a:gdLst>
-              <a:gd name="connsiteX0" fmla="*/ 110516 w 889463"/>
-              <a:gd name="connsiteY0" fmla="*/ 95275 h 1017114"/>
-              <a:gd name="connsiteX1" fmla="*/ 230452 w 889463"/>
-              <a:gd name="connsiteY1" fmla="*/ 14411 h 1017114"/>
-              <a:gd name="connsiteX2" fmla="*/ 276877 w 889463"/>
-              <a:gd name="connsiteY2" fmla="*/ 0 h 1017114"/>
-              <a:gd name="connsiteX3" fmla="*/ 889463 w 889463"/>
-              <a:gd name="connsiteY3" fmla="*/ 612585 h 1017114"/>
-              <a:gd name="connsiteX4" fmla="*/ 484934 w 889463"/>
-              <a:gd name="connsiteY4" fmla="*/ 1017114 h 1017114"/>
-              <a:gd name="connsiteX5" fmla="*/ 377324 w 889463"/>
-              <a:gd name="connsiteY5" fmla="*/ 1017114 h 1017114"/>
-              <a:gd name="connsiteX6" fmla="*/ 0 w 889463"/>
-              <a:gd name="connsiteY6" fmla="*/ 639790 h 1017114"/>
-              <a:gd name="connsiteX7" fmla="*/ 0 w 889463"/>
-              <a:gd name="connsiteY7" fmla="*/ 362083 h 1017114"/>
-              <a:gd name="connsiteX8" fmla="*/ 110516 w 889463"/>
-              <a:gd name="connsiteY8" fmla="*/ 95275 h 1017114"/>
-            </a:gdLst>
-            <a:ahLst/>
-            <a:cxnLst>
-              <a:cxn ang="0">
-                <a:pos x="connsiteX0" y="connsiteY0"/>
-              </a:cxn>
-              <a:cxn ang="0">
-                <a:pos x="connsiteX1" y="connsiteY1"/>
-              </a:cxn>
-              <a:cxn ang="0">
-                <a:pos x="connsiteX2" y="connsiteY2"/>
-              </a:cxn>
-              <a:cxn ang="0">
-                <a:pos x="connsiteX3" y="connsiteY3"/>
-              </a:cxn>
-              <a:cxn ang="0">
-                <a:pos x="connsiteX4" y="connsiteY4"/>
-              </a:cxn>
-              <a:cxn ang="0">
-                <a:pos x="connsiteX5" y="connsiteY5"/>
-              </a:cxn>
-              <a:cxn ang="0">
-                <a:pos x="connsiteX6" y="connsiteY6"/>
-              </a:cxn>
-              <a:cxn ang="0">
-                <a:pos x="connsiteX7" y="connsiteY7"/>
-              </a:cxn>
-              <a:cxn ang="0">
-                <a:pos x="connsiteX8" y="connsiteY8"/>
-              </a:cxn>
-            </a:cxnLst>
-            <a:rect l="l" t="t" r="r" b="b"/>
-            <a:pathLst>
-              <a:path w="889463" h="1017114">
-                <a:moveTo>
-                  <a:pt x="110516" y="95275"/>
-                </a:moveTo>
-                <a:cubicBezTo>
-                  <a:pt x="144657" y="61133"/>
-                  <a:pt x="185310" y="33504"/>
-                  <a:pt x="230452" y="14411"/>
-                </a:cubicBezTo>
-                <a:lnTo>
-                  <a:pt x="276877" y="0"/>
-                </a:lnTo>
-                <a:lnTo>
-                  <a:pt x="889463" y="612585"/>
-                </a:lnTo>
-                <a:lnTo>
-                  <a:pt x="484934" y="1017114"/>
-                </a:lnTo>
-                <a:lnTo>
-                  <a:pt x="377324" y="1017114"/>
-                </a:lnTo>
-                <a:cubicBezTo>
-                  <a:pt x="168934" y="1017114"/>
-                  <a:pt x="0" y="848180"/>
-                  <a:pt x="0" y="639790"/>
-                </a:cubicBezTo>
-                <a:lnTo>
-                  <a:pt x="0" y="362083"/>
-                </a:lnTo>
-                <a:cubicBezTo>
-                  <a:pt x="0" y="257888"/>
-                  <a:pt x="42234" y="163556"/>
-                  <a:pt x="110516" y="95275"/>
-                </a:cubicBezTo>
-                <a:close/>
-              </a:path>
-            </a:pathLst>
-          </a:custGeom>
-          <a:solidFill>
-            <a:srgbClr val="00B050"/>
-          </a:solidFill>
-          <a:ln>
-            <a:noFill/>
-          </a:ln>
-        </p:spPr>
-        <p:style>
-          <a:lnRef idx="2">
-            <a:schemeClr val="accent1">
-              <a:shade val="50000"/>
-            </a:schemeClr>
-          </a:lnRef>
-          <a:fillRef idx="1">
-            <a:schemeClr val="accent1"/>
-          </a:fillRef>
-          <a:effectRef idx="0">
-            <a:schemeClr val="accent1"/>
-          </a:effectRef>
-          <a:fontRef idx="minor">
-            <a:schemeClr val="lt1"/>
-          </a:fontRef>
-        </p:style>
-        <p:txBody>
-          <a:bodyPr wrap="square" rtlCol="0" anchor="ctr">
-            <a:noAutofit/>
-          </a:bodyPr>
-          <a:lstStyle/>
-          <a:p>
-            <a:pPr algn="ctr" rtl="0"/>
-            <a:endParaRPr lang="ru-RU" dirty="0">
-              <a:solidFill>
-                <a:srgbClr val="98A3AD"/>
-              </a:solidFill>
-            </a:endParaRPr>
-          </a:p>
-        </p:txBody>
-      </p:sp>
-      <p:sp>
-        <p:nvSpPr>
           <p:cNvPr id="44" name="Надпись 43"/>
           <p:cNvSpPr txBox="1"/>
           <p:nvPr/>
@@ -6454,48 +6307,13 @@
           </a:prstGeom>
         </p:spPr>
       </p:pic>
-    </p:spTree>
-    <p:extLst>
-      <p:ext uri="{BB962C8B-B14F-4D97-AF65-F5344CB8AC3E}">
-        <p14:creationId xmlns:p14="http://schemas.microsoft.com/office/powerpoint/2010/main" val="2985298574"/>
-      </p:ext>
-    </p:extLst>
-  </p:cSld>
-  <p:clrMapOvr>
-    <a:masterClrMapping/>
-  </p:clrMapOvr>
-</p:sld>
-</file>
-
-<file path=ppt/slides/slide11.xml><?xml version="1.0" encoding="utf-8"?>
-<p:sld xmlns:a="http://schemas.openxmlformats.org/drawingml/2006/main" xmlns:r="http://schemas.openxmlformats.org/officeDocument/2006/relationships" xmlns:p="http://schemas.openxmlformats.org/presentationml/2006/main">
-  <p:cSld>
-    <p:bg>
-      <p:bgPr>
-        <a:solidFill>
-          <a:schemeClr val="tx1"/>
-        </a:solidFill>
-        <a:effectLst/>
-      </p:bgPr>
-    </p:bg>
-    <p:spTree>
-      <p:nvGrpSpPr>
-        <p:cNvPr id="1" name=""/>
-        <p:cNvGrpSpPr/>
-        <p:nvPr/>
-      </p:nvGrpSpPr>
-      <p:grpSpPr>
-        <a:xfrm>
-          <a:off x="0" y="0"/>
-          <a:ext cx="0" cy="0"/>
-          <a:chOff x="0" y="0"/>
-          <a:chExt cx="0" cy="0"/>
-        </a:xfrm>
-      </p:grpSpPr>
-      <p:sp>
-        <p:nvSpPr>
-          <p:cNvPr id="43" name="Полилиния 42">
+      <p:sp>
+        <p:nvSpPr>
+          <p:cNvPr id="4" name="Полилиния 19">
             <a:extLst>
+              <a:ext uri="{FF2B5EF4-FFF2-40B4-BE49-F238E27FC236}">
+                <a16:creationId xmlns:a16="http://schemas.microsoft.com/office/drawing/2014/main" id="{D7B04B9E-5015-F314-9ADF-16AC5FC2B0B2}"/>
+              </a:ext>
               <a:ext uri="{C183D7F6-B498-43B3-948B-1728B52AA6E4}">
                 <adec:decorative xmlns:adec="http://schemas.microsoft.com/office/drawing/2017/decorative" val="1"/>
               </a:ext>
@@ -6602,7 +6420,7 @@
             </a:pathLst>
           </a:custGeom>
           <a:solidFill>
-            <a:srgbClr val="00B050"/>
+            <a:schemeClr val="bg1"/>
           </a:solidFill>
           <a:ln>
             <a:noFill/>
@@ -6639,6 +6457,85 @@
           </a:p>
         </p:txBody>
       </p:sp>
+      <p:sp>
+        <p:nvSpPr>
+          <p:cNvPr id="5" name="Надпись 20">
+            <a:extLst>
+              <a:ext uri="{FF2B5EF4-FFF2-40B4-BE49-F238E27FC236}">
+                <a16:creationId xmlns:a16="http://schemas.microsoft.com/office/drawing/2014/main" id="{D909B97D-657A-8301-5C83-E6F054D041A8}"/>
+              </a:ext>
+            </a:extLst>
+          </p:cNvPr>
+          <p:cNvSpPr txBox="1"/>
+          <p:nvPr/>
+        </p:nvSpPr>
+        <p:spPr>
+          <a:xfrm>
+            <a:off x="11843334" y="6450402"/>
+            <a:ext cx="418704" cy="369332"/>
+          </a:xfrm>
+          <a:prstGeom prst="rect">
+            <a:avLst/>
+          </a:prstGeom>
+          <a:noFill/>
+        </p:spPr>
+        <p:txBody>
+          <a:bodyPr wrap="none" rtlCol="0">
+            <a:spAutoFit/>
+          </a:bodyPr>
+          <a:lstStyle/>
+          <a:p>
+            <a:pPr rtl="0"/>
+            <a:r>
+              <a:rPr lang="en-US" b="1" dirty="0">
+                <a:latin typeface="Monseratt"/>
+              </a:rPr>
+              <a:t>10</a:t>
+            </a:r>
+            <a:endParaRPr lang="en-US" sz="2400" b="1" dirty="0">
+              <a:latin typeface="Monseratt"/>
+            </a:endParaRPr>
+          </a:p>
+        </p:txBody>
+      </p:sp>
+    </p:spTree>
+    <p:extLst>
+      <p:ext uri="{BB962C8B-B14F-4D97-AF65-F5344CB8AC3E}">
+        <p14:creationId xmlns:p14="http://schemas.microsoft.com/office/powerpoint/2010/main" val="2985298574"/>
+      </p:ext>
+    </p:extLst>
+  </p:cSld>
+  <p:clrMapOvr>
+    <a:masterClrMapping/>
+  </p:clrMapOvr>
+</p:sld>
+</file>
+
+<file path=ppt/slides/slide11.xml><?xml version="1.0" encoding="utf-8"?>
+<p:sld xmlns:a="http://schemas.openxmlformats.org/drawingml/2006/main" xmlns:r="http://schemas.openxmlformats.org/officeDocument/2006/relationships" xmlns:p="http://schemas.openxmlformats.org/presentationml/2006/main">
+  <p:cSld>
+    <p:bg>
+      <p:bgPr>
+        <a:solidFill>
+          <a:schemeClr val="tx1"/>
+        </a:solidFill>
+        <a:effectLst/>
+      </p:bgPr>
+    </p:bg>
+    <p:spTree>
+      <p:nvGrpSpPr>
+        <p:cNvPr id="1" name=""/>
+        <p:cNvGrpSpPr/>
+        <p:nvPr/>
+      </p:nvGrpSpPr>
+      <p:grpSpPr>
+        <a:xfrm>
+          <a:off x="0" y="0"/>
+          <a:ext cx="0" cy="0"/>
+          <a:chOff x="0" y="0"/>
+          <a:chExt cx="0" cy="0"/>
+        </a:xfrm>
+      </p:grpSpPr>
       <p:sp>
         <p:nvSpPr>
           <p:cNvPr id="44" name="Надпись 43"/>
@@ -6889,48 +6786,13 @@
           </a:prstGeom>
         </p:spPr>
       </p:pic>
-    </p:spTree>
-    <p:extLst>
-      <p:ext uri="{BB962C8B-B14F-4D97-AF65-F5344CB8AC3E}">
-        <p14:creationId xmlns:p14="http://schemas.microsoft.com/office/powerpoint/2010/main" val="2694770197"/>
-      </p:ext>
-    </p:extLst>
-  </p:cSld>
-  <p:clrMapOvr>
-    <a:masterClrMapping/>
-  </p:clrMapOvr>
-</p:sld>
-</file>
-
-<file path=ppt/slides/slide12.xml><?xml version="1.0" encoding="utf-8"?>
-<p:sld xmlns:a="http://schemas.openxmlformats.org/drawingml/2006/main" xmlns:r="http://schemas.openxmlformats.org/officeDocument/2006/relationships" xmlns:p="http://schemas.openxmlformats.org/presentationml/2006/main">
-  <p:cSld>
-    <p:bg>
-      <p:bgPr>
-        <a:solidFill>
-          <a:schemeClr val="tx1"/>
-        </a:solidFill>
-        <a:effectLst/>
-      </p:bgPr>
-    </p:bg>
-    <p:spTree>
-      <p:nvGrpSpPr>
-        <p:cNvPr id="1" name=""/>
-        <p:cNvGrpSpPr/>
-        <p:nvPr/>
-      </p:nvGrpSpPr>
-      <p:grpSpPr>
-        <a:xfrm>
-          <a:off x="0" y="0"/>
-          <a:ext cx="0" cy="0"/>
-          <a:chOff x="0" y="0"/>
-          <a:chExt cx="0" cy="0"/>
-        </a:xfrm>
-      </p:grpSpPr>
-      <p:sp>
-        <p:nvSpPr>
-          <p:cNvPr id="43" name="Полилиния 42">
+      <p:sp>
+        <p:nvSpPr>
+          <p:cNvPr id="3" name="Полилиния 19">
             <a:extLst>
+              <a:ext uri="{FF2B5EF4-FFF2-40B4-BE49-F238E27FC236}">
+                <a16:creationId xmlns:a16="http://schemas.microsoft.com/office/drawing/2014/main" id="{4EF6355C-5A3E-C203-0222-8BD236ED78E8}"/>
+              </a:ext>
               <a:ext uri="{C183D7F6-B498-43B3-948B-1728B52AA6E4}">
                 <adec:decorative xmlns:adec="http://schemas.microsoft.com/office/drawing/2017/decorative" val="1"/>
               </a:ext>
@@ -7037,7 +6899,7 @@
             </a:pathLst>
           </a:custGeom>
           <a:solidFill>
-            <a:srgbClr val="00B050"/>
+            <a:schemeClr val="bg1"/>
           </a:solidFill>
           <a:ln>
             <a:noFill/>
@@ -7074,6 +6936,85 @@
           </a:p>
         </p:txBody>
       </p:sp>
+      <p:sp>
+        <p:nvSpPr>
+          <p:cNvPr id="5" name="Надпись 20">
+            <a:extLst>
+              <a:ext uri="{FF2B5EF4-FFF2-40B4-BE49-F238E27FC236}">
+                <a16:creationId xmlns:a16="http://schemas.microsoft.com/office/drawing/2014/main" id="{20326F27-E55E-E2D7-4B64-6A7706293105}"/>
+              </a:ext>
+            </a:extLst>
+          </p:cNvPr>
+          <p:cNvSpPr txBox="1"/>
+          <p:nvPr/>
+        </p:nvSpPr>
+        <p:spPr>
+          <a:xfrm>
+            <a:off x="11843334" y="6450402"/>
+            <a:ext cx="418704" cy="369332"/>
+          </a:xfrm>
+          <a:prstGeom prst="rect">
+            <a:avLst/>
+          </a:prstGeom>
+          <a:noFill/>
+        </p:spPr>
+        <p:txBody>
+          <a:bodyPr wrap="none" rtlCol="0">
+            <a:spAutoFit/>
+          </a:bodyPr>
+          <a:lstStyle/>
+          <a:p>
+            <a:pPr rtl="0"/>
+            <a:r>
+              <a:rPr lang="en-US" b="1" dirty="0">
+                <a:latin typeface="Monseratt"/>
+              </a:rPr>
+              <a:t>11</a:t>
+            </a:r>
+            <a:endParaRPr lang="en-US" sz="2400" b="1" dirty="0">
+              <a:latin typeface="Monseratt"/>
+            </a:endParaRPr>
+          </a:p>
+        </p:txBody>
+      </p:sp>
+    </p:spTree>
+    <p:extLst>
+      <p:ext uri="{BB962C8B-B14F-4D97-AF65-F5344CB8AC3E}">
+        <p14:creationId xmlns:p14="http://schemas.microsoft.com/office/powerpoint/2010/main" val="2694770197"/>
+      </p:ext>
+    </p:extLst>
+  </p:cSld>
+  <p:clrMapOvr>
+    <a:masterClrMapping/>
+  </p:clrMapOvr>
+</p:sld>
+</file>
+
+<file path=ppt/slides/slide12.xml><?xml version="1.0" encoding="utf-8"?>
+<p:sld xmlns:a="http://schemas.openxmlformats.org/drawingml/2006/main" xmlns:r="http://schemas.openxmlformats.org/officeDocument/2006/relationships" xmlns:p="http://schemas.openxmlformats.org/presentationml/2006/main">
+  <p:cSld>
+    <p:bg>
+      <p:bgPr>
+        <a:solidFill>
+          <a:schemeClr val="tx1"/>
+        </a:solidFill>
+        <a:effectLst/>
+      </p:bgPr>
+    </p:bg>
+    <p:spTree>
+      <p:nvGrpSpPr>
+        <p:cNvPr id="1" name=""/>
+        <p:cNvGrpSpPr/>
+        <p:nvPr/>
+      </p:nvGrpSpPr>
+      <p:grpSpPr>
+        <a:xfrm>
+          <a:off x="0" y="0"/>
+          <a:ext cx="0" cy="0"/>
+          <a:chOff x="0" y="0"/>
+          <a:chExt cx="0" cy="0"/>
+        </a:xfrm>
+      </p:grpSpPr>
       <p:sp>
         <p:nvSpPr>
           <p:cNvPr id="44" name="Надпись 43"/>
@@ -7258,48 +7199,13 @@
           </a:prstGeom>
         </p:spPr>
       </p:pic>
-    </p:spTree>
-    <p:extLst>
-      <p:ext uri="{BB962C8B-B14F-4D97-AF65-F5344CB8AC3E}">
-        <p14:creationId xmlns:p14="http://schemas.microsoft.com/office/powerpoint/2010/main" val="4141670645"/>
-      </p:ext>
-    </p:extLst>
-  </p:cSld>
-  <p:clrMapOvr>
-    <a:masterClrMapping/>
-  </p:clrMapOvr>
-</p:sld>
-</file>
-
-<file path=ppt/slides/slide13.xml><?xml version="1.0" encoding="utf-8"?>
-<p:sld xmlns:a="http://schemas.openxmlformats.org/drawingml/2006/main" xmlns:r="http://schemas.openxmlformats.org/officeDocument/2006/relationships" xmlns:p="http://schemas.openxmlformats.org/presentationml/2006/main">
-  <p:cSld>
-    <p:bg>
-      <p:bgPr>
-        <a:solidFill>
-          <a:schemeClr val="tx1"/>
-        </a:solidFill>
-        <a:effectLst/>
-      </p:bgPr>
-    </p:bg>
-    <p:spTree>
-      <p:nvGrpSpPr>
-        <p:cNvPr id="1" name=""/>
-        <p:cNvGrpSpPr/>
-        <p:nvPr/>
-      </p:nvGrpSpPr>
-      <p:grpSpPr>
-        <a:xfrm>
-          <a:off x="0" y="0"/>
-          <a:ext cx="0" cy="0"/>
-          <a:chOff x="0" y="0"/>
-          <a:chExt cx="0" cy="0"/>
-        </a:xfrm>
-      </p:grpSpPr>
-      <p:sp>
-        <p:nvSpPr>
-          <p:cNvPr id="43" name="Полилиния 42">
+      <p:sp>
+        <p:nvSpPr>
+          <p:cNvPr id="3" name="Полилиния 19">
             <a:extLst>
+              <a:ext uri="{FF2B5EF4-FFF2-40B4-BE49-F238E27FC236}">
+                <a16:creationId xmlns:a16="http://schemas.microsoft.com/office/drawing/2014/main" id="{C7164C2B-82BD-AAA1-2BB3-9698AB68A7DE}"/>
+              </a:ext>
               <a:ext uri="{C183D7F6-B498-43B3-948B-1728B52AA6E4}">
                 <adec:decorative xmlns:adec="http://schemas.microsoft.com/office/drawing/2017/decorative" val="1"/>
               </a:ext>
@@ -7406,7 +7312,7 @@
             </a:pathLst>
           </a:custGeom>
           <a:solidFill>
-            <a:srgbClr val="00B050"/>
+            <a:schemeClr val="bg1"/>
           </a:solidFill>
           <a:ln>
             <a:noFill/>
@@ -7443,6 +7349,85 @@
           </a:p>
         </p:txBody>
       </p:sp>
+      <p:sp>
+        <p:nvSpPr>
+          <p:cNvPr id="4" name="Надпись 20">
+            <a:extLst>
+              <a:ext uri="{FF2B5EF4-FFF2-40B4-BE49-F238E27FC236}">
+                <a16:creationId xmlns:a16="http://schemas.microsoft.com/office/drawing/2014/main" id="{0C7AFF1D-2C52-459C-D0A2-33CADB012FF5}"/>
+              </a:ext>
+            </a:extLst>
+          </p:cNvPr>
+          <p:cNvSpPr txBox="1"/>
+          <p:nvPr/>
+        </p:nvSpPr>
+        <p:spPr>
+          <a:xfrm>
+            <a:off x="11843334" y="6450402"/>
+            <a:ext cx="418704" cy="369332"/>
+          </a:xfrm>
+          <a:prstGeom prst="rect">
+            <a:avLst/>
+          </a:prstGeom>
+          <a:noFill/>
+        </p:spPr>
+        <p:txBody>
+          <a:bodyPr wrap="none" rtlCol="0">
+            <a:spAutoFit/>
+          </a:bodyPr>
+          <a:lstStyle/>
+          <a:p>
+            <a:pPr rtl="0"/>
+            <a:r>
+              <a:rPr lang="en-US" b="1" dirty="0">
+                <a:latin typeface="Monseratt"/>
+              </a:rPr>
+              <a:t>12</a:t>
+            </a:r>
+            <a:endParaRPr lang="en-US" sz="2400" b="1" dirty="0">
+              <a:latin typeface="Monseratt"/>
+            </a:endParaRPr>
+          </a:p>
+        </p:txBody>
+      </p:sp>
+    </p:spTree>
+    <p:extLst>
+      <p:ext uri="{BB962C8B-B14F-4D97-AF65-F5344CB8AC3E}">
+        <p14:creationId xmlns:p14="http://schemas.microsoft.com/office/powerpoint/2010/main" val="4141670645"/>
+      </p:ext>
+    </p:extLst>
+  </p:cSld>
+  <p:clrMapOvr>
+    <a:masterClrMapping/>
+  </p:clrMapOvr>
+</p:sld>
+</file>
+
+<file path=ppt/slides/slide13.xml><?xml version="1.0" encoding="utf-8"?>
+<p:sld xmlns:a="http://schemas.openxmlformats.org/drawingml/2006/main" xmlns:r="http://schemas.openxmlformats.org/officeDocument/2006/relationships" xmlns:p="http://schemas.openxmlformats.org/presentationml/2006/main">
+  <p:cSld>
+    <p:bg>
+      <p:bgPr>
+        <a:solidFill>
+          <a:schemeClr val="tx1"/>
+        </a:solidFill>
+        <a:effectLst/>
+      </p:bgPr>
+    </p:bg>
+    <p:spTree>
+      <p:nvGrpSpPr>
+        <p:cNvPr id="1" name=""/>
+        <p:cNvGrpSpPr/>
+        <p:nvPr/>
+      </p:nvGrpSpPr>
+      <p:grpSpPr>
+        <a:xfrm>
+          <a:off x="0" y="0"/>
+          <a:ext cx="0" cy="0"/>
+          <a:chOff x="0" y="0"/>
+          <a:chExt cx="0" cy="0"/>
+        </a:xfrm>
+      </p:grpSpPr>
       <p:sp>
         <p:nvSpPr>
           <p:cNvPr id="44" name="Надпись 43"/>
@@ -7744,48 +7729,13 @@
           </a:prstGeom>
         </p:spPr>
       </p:pic>
-    </p:spTree>
-    <p:extLst>
-      <p:ext uri="{BB962C8B-B14F-4D97-AF65-F5344CB8AC3E}">
-        <p14:creationId xmlns:p14="http://schemas.microsoft.com/office/powerpoint/2010/main" val="3250339515"/>
-      </p:ext>
-    </p:extLst>
-  </p:cSld>
-  <p:clrMapOvr>
-    <a:masterClrMapping/>
-  </p:clrMapOvr>
-</p:sld>
-</file>
-
-<file path=ppt/slides/slide14.xml><?xml version="1.0" encoding="utf-8"?>
-<p:sld xmlns:a="http://schemas.openxmlformats.org/drawingml/2006/main" xmlns:r="http://schemas.openxmlformats.org/officeDocument/2006/relationships" xmlns:p="http://schemas.openxmlformats.org/presentationml/2006/main">
-  <p:cSld>
-    <p:bg>
-      <p:bgPr>
-        <a:solidFill>
-          <a:schemeClr val="tx1"/>
-        </a:solidFill>
-        <a:effectLst/>
-      </p:bgPr>
-    </p:bg>
-    <p:spTree>
-      <p:nvGrpSpPr>
-        <p:cNvPr id="1" name=""/>
-        <p:cNvGrpSpPr/>
-        <p:nvPr/>
-      </p:nvGrpSpPr>
-      <p:grpSpPr>
-        <a:xfrm>
-          <a:off x="0" y="0"/>
-          <a:ext cx="0" cy="0"/>
-          <a:chOff x="0" y="0"/>
-          <a:chExt cx="0" cy="0"/>
-        </a:xfrm>
-      </p:grpSpPr>
-      <p:sp>
-        <p:nvSpPr>
-          <p:cNvPr id="43" name="Полилиния 42">
+      <p:sp>
+        <p:nvSpPr>
+          <p:cNvPr id="3" name="Полилиния 19">
             <a:extLst>
+              <a:ext uri="{FF2B5EF4-FFF2-40B4-BE49-F238E27FC236}">
+                <a16:creationId xmlns:a16="http://schemas.microsoft.com/office/drawing/2014/main" id="{81FDD3E3-778E-2315-2530-AC7444252252}"/>
+              </a:ext>
               <a:ext uri="{C183D7F6-B498-43B3-948B-1728B52AA6E4}">
                 <adec:decorative xmlns:adec="http://schemas.microsoft.com/office/drawing/2017/decorative" val="1"/>
               </a:ext>
@@ -7892,7 +7842,7 @@
             </a:pathLst>
           </a:custGeom>
           <a:solidFill>
-            <a:srgbClr val="00B050"/>
+            <a:schemeClr val="bg1"/>
           </a:solidFill>
           <a:ln>
             <a:noFill/>
@@ -7929,6 +7879,85 @@
           </a:p>
         </p:txBody>
       </p:sp>
+      <p:sp>
+        <p:nvSpPr>
+          <p:cNvPr id="4" name="Надпись 20">
+            <a:extLst>
+              <a:ext uri="{FF2B5EF4-FFF2-40B4-BE49-F238E27FC236}">
+                <a16:creationId xmlns:a16="http://schemas.microsoft.com/office/drawing/2014/main" id="{CD48C12F-AF9D-DEFC-5B0E-3C595501010E}"/>
+              </a:ext>
+            </a:extLst>
+          </p:cNvPr>
+          <p:cNvSpPr txBox="1"/>
+          <p:nvPr/>
+        </p:nvSpPr>
+        <p:spPr>
+          <a:xfrm>
+            <a:off x="11843334" y="6450402"/>
+            <a:ext cx="418704" cy="369332"/>
+          </a:xfrm>
+          <a:prstGeom prst="rect">
+            <a:avLst/>
+          </a:prstGeom>
+          <a:noFill/>
+        </p:spPr>
+        <p:txBody>
+          <a:bodyPr wrap="none" rtlCol="0">
+            <a:spAutoFit/>
+          </a:bodyPr>
+          <a:lstStyle/>
+          <a:p>
+            <a:pPr rtl="0"/>
+            <a:r>
+              <a:rPr lang="en-US" b="1" dirty="0">
+                <a:latin typeface="Monseratt"/>
+              </a:rPr>
+              <a:t>13</a:t>
+            </a:r>
+            <a:endParaRPr lang="en-US" sz="2400" b="1" dirty="0">
+              <a:latin typeface="Monseratt"/>
+            </a:endParaRPr>
+          </a:p>
+        </p:txBody>
+      </p:sp>
+    </p:spTree>
+    <p:extLst>
+      <p:ext uri="{BB962C8B-B14F-4D97-AF65-F5344CB8AC3E}">
+        <p14:creationId xmlns:p14="http://schemas.microsoft.com/office/powerpoint/2010/main" val="3250339515"/>
+      </p:ext>
+    </p:extLst>
+  </p:cSld>
+  <p:clrMapOvr>
+    <a:masterClrMapping/>
+  </p:clrMapOvr>
+</p:sld>
+</file>
+
+<file path=ppt/slides/slide14.xml><?xml version="1.0" encoding="utf-8"?>
+<p:sld xmlns:a="http://schemas.openxmlformats.org/drawingml/2006/main" xmlns:r="http://schemas.openxmlformats.org/officeDocument/2006/relationships" xmlns:p="http://schemas.openxmlformats.org/presentationml/2006/main">
+  <p:cSld>
+    <p:bg>
+      <p:bgPr>
+        <a:solidFill>
+          <a:schemeClr val="tx1"/>
+        </a:solidFill>
+        <a:effectLst/>
+      </p:bgPr>
+    </p:bg>
+    <p:spTree>
+      <p:nvGrpSpPr>
+        <p:cNvPr id="1" name=""/>
+        <p:cNvGrpSpPr/>
+        <p:nvPr/>
+      </p:nvGrpSpPr>
+      <p:grpSpPr>
+        <a:xfrm>
+          <a:off x="0" y="0"/>
+          <a:ext cx="0" cy="0"/>
+          <a:chOff x="0" y="0"/>
+          <a:chExt cx="0" cy="0"/>
+        </a:xfrm>
+      </p:grpSpPr>
       <p:sp>
         <p:nvSpPr>
           <p:cNvPr id="44" name="Надпись 43"/>
@@ -8244,48 +8273,13 @@
           </a:prstGeom>
         </p:spPr>
       </p:pic>
-    </p:spTree>
-    <p:extLst>
-      <p:ext uri="{BB962C8B-B14F-4D97-AF65-F5344CB8AC3E}">
-        <p14:creationId xmlns:p14="http://schemas.microsoft.com/office/powerpoint/2010/main" val="792335514"/>
-      </p:ext>
-    </p:extLst>
-  </p:cSld>
-  <p:clrMapOvr>
-    <a:masterClrMapping/>
-  </p:clrMapOvr>
-</p:sld>
-</file>
-
-<file path=ppt/slides/slide15.xml><?xml version="1.0" encoding="utf-8"?>
-<p:sld xmlns:a="http://schemas.openxmlformats.org/drawingml/2006/main" xmlns:r="http://schemas.openxmlformats.org/officeDocument/2006/relationships" xmlns:p="http://schemas.openxmlformats.org/presentationml/2006/main">
-  <p:cSld>
-    <p:bg>
-      <p:bgPr>
-        <a:solidFill>
-          <a:schemeClr val="tx1"/>
-        </a:solidFill>
-        <a:effectLst/>
-      </p:bgPr>
-    </p:bg>
-    <p:spTree>
-      <p:nvGrpSpPr>
-        <p:cNvPr id="1" name=""/>
-        <p:cNvGrpSpPr/>
-        <p:nvPr/>
-      </p:nvGrpSpPr>
-      <p:grpSpPr>
-        <a:xfrm>
-          <a:off x="0" y="0"/>
-          <a:ext cx="0" cy="0"/>
-          <a:chOff x="0" y="0"/>
-          <a:chExt cx="0" cy="0"/>
-        </a:xfrm>
-      </p:grpSpPr>
-      <p:sp>
-        <p:nvSpPr>
-          <p:cNvPr id="38" name="Полилиния 37">
+      <p:sp>
+        <p:nvSpPr>
+          <p:cNvPr id="3" name="Полилиния 19">
             <a:extLst>
+              <a:ext uri="{FF2B5EF4-FFF2-40B4-BE49-F238E27FC236}">
+                <a16:creationId xmlns:a16="http://schemas.microsoft.com/office/drawing/2014/main" id="{FEE0E17F-7234-F5FA-C932-4AF4B28E535A}"/>
+              </a:ext>
               <a:ext uri="{C183D7F6-B498-43B3-948B-1728B52AA6E4}">
                 <adec:decorative xmlns:adec="http://schemas.microsoft.com/office/drawing/2017/decorative" val="1"/>
               </a:ext>
@@ -8392,7 +8386,7 @@
             </a:pathLst>
           </a:custGeom>
           <a:solidFill>
-            <a:srgbClr val="00B050"/>
+            <a:schemeClr val="bg1"/>
           </a:solidFill>
           <a:ln>
             <a:noFill/>
@@ -8431,6 +8425,85 @@
       </p:sp>
       <p:sp>
         <p:nvSpPr>
+          <p:cNvPr id="5" name="Надпись 20">
+            <a:extLst>
+              <a:ext uri="{FF2B5EF4-FFF2-40B4-BE49-F238E27FC236}">
+                <a16:creationId xmlns:a16="http://schemas.microsoft.com/office/drawing/2014/main" id="{CF1A6ABA-020C-9A77-FE53-3ACE8C9D4362}"/>
+              </a:ext>
+            </a:extLst>
+          </p:cNvPr>
+          <p:cNvSpPr txBox="1"/>
+          <p:nvPr/>
+        </p:nvSpPr>
+        <p:spPr>
+          <a:xfrm>
+            <a:off x="11843334" y="6450402"/>
+            <a:ext cx="418704" cy="369332"/>
+          </a:xfrm>
+          <a:prstGeom prst="rect">
+            <a:avLst/>
+          </a:prstGeom>
+          <a:noFill/>
+        </p:spPr>
+        <p:txBody>
+          <a:bodyPr wrap="none" rtlCol="0">
+            <a:spAutoFit/>
+          </a:bodyPr>
+          <a:lstStyle/>
+          <a:p>
+            <a:pPr rtl="0"/>
+            <a:r>
+              <a:rPr lang="en-US" b="1" dirty="0">
+                <a:latin typeface="Monseratt"/>
+              </a:rPr>
+              <a:t>14</a:t>
+            </a:r>
+            <a:endParaRPr lang="en-US" sz="2400" b="1" dirty="0">
+              <a:latin typeface="Monseratt"/>
+            </a:endParaRPr>
+          </a:p>
+        </p:txBody>
+      </p:sp>
+    </p:spTree>
+    <p:extLst>
+      <p:ext uri="{BB962C8B-B14F-4D97-AF65-F5344CB8AC3E}">
+        <p14:creationId xmlns:p14="http://schemas.microsoft.com/office/powerpoint/2010/main" val="792335514"/>
+      </p:ext>
+    </p:extLst>
+  </p:cSld>
+  <p:clrMapOvr>
+    <a:masterClrMapping/>
+  </p:clrMapOvr>
+</p:sld>
+</file>
+
+<file path=ppt/slides/slide15.xml><?xml version="1.0" encoding="utf-8"?>
+<p:sld xmlns:a="http://schemas.openxmlformats.org/drawingml/2006/main" xmlns:r="http://schemas.openxmlformats.org/officeDocument/2006/relationships" xmlns:p="http://schemas.openxmlformats.org/presentationml/2006/main">
+  <p:cSld>
+    <p:bg>
+      <p:bgPr>
+        <a:solidFill>
+          <a:schemeClr val="tx1"/>
+        </a:solidFill>
+        <a:effectLst/>
+      </p:bgPr>
+    </p:bg>
+    <p:spTree>
+      <p:nvGrpSpPr>
+        <p:cNvPr id="1" name=""/>
+        <p:cNvGrpSpPr/>
+        <p:nvPr/>
+      </p:nvGrpSpPr>
+      <p:grpSpPr>
+        <a:xfrm>
+          <a:off x="0" y="0"/>
+          <a:ext cx="0" cy="0"/>
+          <a:chOff x="0" y="0"/>
+          <a:chExt cx="0" cy="0"/>
+        </a:xfrm>
+      </p:grpSpPr>
+      <p:sp>
+        <p:nvSpPr>
           <p:cNvPr id="42" name="Надпись 41"/>
           <p:cNvSpPr txBox="1"/>
           <p:nvPr/>
@@ -8572,7 +8645,7 @@
                 </a:solidFill>
                 <a:latin typeface="Monseratt"/>
               </a:rPr>
-              <a:t>Реализовали ведение учета доходов и расходов</a:t>
+              <a:t>Реализовано ведение учета доходов и расходов</a:t>
             </a:r>
           </a:p>
           <a:p>
@@ -8587,7 +8660,7 @@
                 </a:solidFill>
                 <a:latin typeface="Monseratt"/>
               </a:rPr>
-              <a:t>Добавили поддержку создания шаблонов финансовых операций</a:t>
+              <a:t>Добавлена поддержка создания шаблонов финансовых операций</a:t>
             </a:r>
           </a:p>
           <a:p>
@@ -8602,7 +8675,7 @@
                 </a:solidFill>
                 <a:latin typeface="Monseratt"/>
               </a:rPr>
-              <a:t>Внедрили расчет ежемесячного кредитного платежа</a:t>
+              <a:t>Внедрен расчет ежемесячного кредитного платежа</a:t>
             </a:r>
           </a:p>
           <a:p>
@@ -8617,7 +8690,7 @@
                 </a:solidFill>
                 <a:latin typeface="Monseratt"/>
               </a:rPr>
-              <a:t>Реализовали управление категориями финансовых операций</a:t>
+              <a:t>Реализовано управление категориями финансовых операций</a:t>
             </a:r>
           </a:p>
           <a:p>
@@ -8632,7 +8705,7 @@
                 </a:solidFill>
                 <a:latin typeface="Monseratt"/>
               </a:rPr>
-              <a:t>Осуществили создание и сохранение отчета в </a:t>
+              <a:t>Осуществлено создание и сохранение отчета в </a:t>
             </a:r>
             <a:r>
               <a:rPr lang="en-US" sz="3200" dirty="0">
@@ -8665,7 +8738,7 @@
                 </a:solidFill>
                 <a:latin typeface="Monseratt"/>
               </a:rPr>
-              <a:t>Внедрили формирование групп пользователей для совместного отслеживания финансовых операций</a:t>
+              <a:t>Внедрено формирование групп пользователей для совместного отслеживания финансовых операций</a:t>
             </a:r>
           </a:p>
           <a:p>
@@ -8674,6 +8747,197 @@
               <a:buChar char="•"/>
             </a:pPr>
             <a:endParaRPr lang="ru-RU" dirty="0"/>
+          </a:p>
+        </p:txBody>
+      </p:sp>
+      <p:sp>
+        <p:nvSpPr>
+          <p:cNvPr id="4" name="Полилиния 19">
+            <a:extLst>
+              <a:ext uri="{FF2B5EF4-FFF2-40B4-BE49-F238E27FC236}">
+                <a16:creationId xmlns:a16="http://schemas.microsoft.com/office/drawing/2014/main" id="{EBDD154F-86FB-86E7-0ACB-9354712FFF11}"/>
+              </a:ext>
+              <a:ext uri="{C183D7F6-B498-43B3-948B-1728B52AA6E4}">
+                <adec:decorative xmlns:adec="http://schemas.microsoft.com/office/drawing/2017/decorative" val="1"/>
+              </a:ext>
+            </a:extLst>
+          </p:cNvPr>
+          <p:cNvSpPr/>
+          <p:nvPr/>
+        </p:nvSpPr>
+        <p:spPr>
+          <a:xfrm rot="2700000">
+            <a:off x="11788943" y="6333474"/>
+            <a:ext cx="527486" cy="603188"/>
+          </a:xfrm>
+          <a:custGeom>
+            <a:avLst/>
+            <a:gdLst>
+              <a:gd name="connsiteX0" fmla="*/ 110516 w 889463"/>
+              <a:gd name="connsiteY0" fmla="*/ 95275 h 1017114"/>
+              <a:gd name="connsiteX1" fmla="*/ 230452 w 889463"/>
+              <a:gd name="connsiteY1" fmla="*/ 14411 h 1017114"/>
+              <a:gd name="connsiteX2" fmla="*/ 276877 w 889463"/>
+              <a:gd name="connsiteY2" fmla="*/ 0 h 1017114"/>
+              <a:gd name="connsiteX3" fmla="*/ 889463 w 889463"/>
+              <a:gd name="connsiteY3" fmla="*/ 612585 h 1017114"/>
+              <a:gd name="connsiteX4" fmla="*/ 484934 w 889463"/>
+              <a:gd name="connsiteY4" fmla="*/ 1017114 h 1017114"/>
+              <a:gd name="connsiteX5" fmla="*/ 377324 w 889463"/>
+              <a:gd name="connsiteY5" fmla="*/ 1017114 h 1017114"/>
+              <a:gd name="connsiteX6" fmla="*/ 0 w 889463"/>
+              <a:gd name="connsiteY6" fmla="*/ 639790 h 1017114"/>
+              <a:gd name="connsiteX7" fmla="*/ 0 w 889463"/>
+              <a:gd name="connsiteY7" fmla="*/ 362083 h 1017114"/>
+              <a:gd name="connsiteX8" fmla="*/ 110516 w 889463"/>
+              <a:gd name="connsiteY8" fmla="*/ 95275 h 1017114"/>
+            </a:gdLst>
+            <a:ahLst/>
+            <a:cxnLst>
+              <a:cxn ang="0">
+                <a:pos x="connsiteX0" y="connsiteY0"/>
+              </a:cxn>
+              <a:cxn ang="0">
+                <a:pos x="connsiteX1" y="connsiteY1"/>
+              </a:cxn>
+              <a:cxn ang="0">
+                <a:pos x="connsiteX2" y="connsiteY2"/>
+              </a:cxn>
+              <a:cxn ang="0">
+                <a:pos x="connsiteX3" y="connsiteY3"/>
+              </a:cxn>
+              <a:cxn ang="0">
+                <a:pos x="connsiteX4" y="connsiteY4"/>
+              </a:cxn>
+              <a:cxn ang="0">
+                <a:pos x="connsiteX5" y="connsiteY5"/>
+              </a:cxn>
+              <a:cxn ang="0">
+                <a:pos x="connsiteX6" y="connsiteY6"/>
+              </a:cxn>
+              <a:cxn ang="0">
+                <a:pos x="connsiteX7" y="connsiteY7"/>
+              </a:cxn>
+              <a:cxn ang="0">
+                <a:pos x="connsiteX8" y="connsiteY8"/>
+              </a:cxn>
+            </a:cxnLst>
+            <a:rect l="l" t="t" r="r" b="b"/>
+            <a:pathLst>
+              <a:path w="889463" h="1017114">
+                <a:moveTo>
+                  <a:pt x="110516" y="95275"/>
+                </a:moveTo>
+                <a:cubicBezTo>
+                  <a:pt x="144657" y="61133"/>
+                  <a:pt x="185310" y="33504"/>
+                  <a:pt x="230452" y="14411"/>
+                </a:cubicBezTo>
+                <a:lnTo>
+                  <a:pt x="276877" y="0"/>
+                </a:lnTo>
+                <a:lnTo>
+                  <a:pt x="889463" y="612585"/>
+                </a:lnTo>
+                <a:lnTo>
+                  <a:pt x="484934" y="1017114"/>
+                </a:lnTo>
+                <a:lnTo>
+                  <a:pt x="377324" y="1017114"/>
+                </a:lnTo>
+                <a:cubicBezTo>
+                  <a:pt x="168934" y="1017114"/>
+                  <a:pt x="0" y="848180"/>
+                  <a:pt x="0" y="639790"/>
+                </a:cubicBezTo>
+                <a:lnTo>
+                  <a:pt x="0" y="362083"/>
+                </a:lnTo>
+                <a:cubicBezTo>
+                  <a:pt x="0" y="257888"/>
+                  <a:pt x="42234" y="163556"/>
+                  <a:pt x="110516" y="95275"/>
+                </a:cubicBezTo>
+                <a:close/>
+              </a:path>
+            </a:pathLst>
+          </a:custGeom>
+          <a:solidFill>
+            <a:schemeClr val="bg1"/>
+          </a:solidFill>
+          <a:ln>
+            <a:noFill/>
+          </a:ln>
+        </p:spPr>
+        <p:style>
+          <a:lnRef idx="2">
+            <a:schemeClr val="accent1">
+              <a:shade val="50000"/>
+            </a:schemeClr>
+          </a:lnRef>
+          <a:fillRef idx="1">
+            <a:schemeClr val="accent1"/>
+          </a:fillRef>
+          <a:effectRef idx="0">
+            <a:schemeClr val="accent1"/>
+          </a:effectRef>
+          <a:fontRef idx="minor">
+            <a:schemeClr val="lt1"/>
+          </a:fontRef>
+        </p:style>
+        <p:txBody>
+          <a:bodyPr wrap="square" rtlCol="0" anchor="ctr">
+            <a:noAutofit/>
+          </a:bodyPr>
+          <a:lstStyle/>
+          <a:p>
+            <a:pPr algn="ctr" rtl="0"/>
+            <a:endParaRPr lang="ru-RU" dirty="0">
+              <a:solidFill>
+                <a:srgbClr val="98A3AD"/>
+              </a:solidFill>
+            </a:endParaRPr>
+          </a:p>
+        </p:txBody>
+      </p:sp>
+      <p:sp>
+        <p:nvSpPr>
+          <p:cNvPr id="5" name="Надпись 20">
+            <a:extLst>
+              <a:ext uri="{FF2B5EF4-FFF2-40B4-BE49-F238E27FC236}">
+                <a16:creationId xmlns:a16="http://schemas.microsoft.com/office/drawing/2014/main" id="{11E68F4A-4C0F-9B5C-442D-681A132698D4}"/>
+              </a:ext>
+            </a:extLst>
+          </p:cNvPr>
+          <p:cNvSpPr txBox="1"/>
+          <p:nvPr/>
+        </p:nvSpPr>
+        <p:spPr>
+          <a:xfrm>
+            <a:off x="11843334" y="6450402"/>
+            <a:ext cx="418704" cy="369332"/>
+          </a:xfrm>
+          <a:prstGeom prst="rect">
+            <a:avLst/>
+          </a:prstGeom>
+          <a:noFill/>
+        </p:spPr>
+        <p:txBody>
+          <a:bodyPr wrap="none" rtlCol="0">
+            <a:spAutoFit/>
+          </a:bodyPr>
+          <a:lstStyle/>
+          <a:p>
+            <a:pPr rtl="0"/>
+            <a:r>
+              <a:rPr lang="en-US" b="1" dirty="0">
+                <a:latin typeface="Monseratt"/>
+              </a:rPr>
+              <a:t>15</a:t>
+            </a:r>
+            <a:endParaRPr lang="en-US" sz="2400" b="1" dirty="0">
+              <a:latin typeface="Monseratt"/>
+            </a:endParaRPr>
           </a:p>
         </p:txBody>
       </p:sp>
@@ -9011,10 +9275,46 @@
       </p:pic>
       <p:sp>
         <p:nvSpPr>
-          <p:cNvPr id="10" name="Полилиния 37">
+          <p:cNvPr id="12" name="Надпись 41">
             <a:extLst>
               <a:ext uri="{FF2B5EF4-FFF2-40B4-BE49-F238E27FC236}">
-                <a16:creationId xmlns:a16="http://schemas.microsoft.com/office/drawing/2014/main" id="{FDBD1E1D-69C1-4733-8431-818DDFF32EC1}"/>
+                <a16:creationId xmlns:a16="http://schemas.microsoft.com/office/drawing/2014/main" id="{A65E0210-5E35-4899-9838-72E350B2DD98}"/>
+              </a:ext>
+            </a:extLst>
+          </p:cNvPr>
+          <p:cNvSpPr txBox="1"/>
+          <p:nvPr/>
+        </p:nvSpPr>
+        <p:spPr>
+          <a:xfrm>
+            <a:off x="11907454" y="6481180"/>
+            <a:ext cx="341760" cy="307777"/>
+          </a:xfrm>
+          <a:prstGeom prst="rect">
+            <a:avLst/>
+          </a:prstGeom>
+          <a:noFill/>
+        </p:spPr>
+        <p:txBody>
+          <a:bodyPr wrap="none" rtlCol="0">
+            <a:spAutoFit/>
+          </a:bodyPr>
+          <a:lstStyle/>
+          <a:p>
+            <a:pPr rtl="0"/>
+            <a:r>
+              <a:rPr lang="ru-RU" sz="1400" b="1" dirty="0"/>
+              <a:t>16</a:t>
+            </a:r>
+          </a:p>
+        </p:txBody>
+      </p:sp>
+      <p:sp>
+        <p:nvSpPr>
+          <p:cNvPr id="8" name="Полилиния 19">
+            <a:extLst>
+              <a:ext uri="{FF2B5EF4-FFF2-40B4-BE49-F238E27FC236}">
+                <a16:creationId xmlns:a16="http://schemas.microsoft.com/office/drawing/2014/main" id="{D7B7D4DB-1D6F-A26F-4A9A-376531EB84AB}"/>
               </a:ext>
               <a:ext uri="{C183D7F6-B498-43B3-948B-1728B52AA6E4}">
                 <adec:decorative xmlns:adec="http://schemas.microsoft.com/office/drawing/2017/decorative" val="1"/>
@@ -9122,7 +9422,7 @@
             </a:pathLst>
           </a:custGeom>
           <a:solidFill>
-            <a:srgbClr val="00B050"/>
+            <a:schemeClr val="bg1"/>
           </a:solidFill>
           <a:ln>
             <a:noFill/>
@@ -9161,10 +9461,10 @@
       </p:sp>
       <p:sp>
         <p:nvSpPr>
-          <p:cNvPr id="12" name="Надпись 41">
+          <p:cNvPr id="9" name="Надпись 20">
             <a:extLst>
               <a:ext uri="{FF2B5EF4-FFF2-40B4-BE49-F238E27FC236}">
-                <a16:creationId xmlns:a16="http://schemas.microsoft.com/office/drawing/2014/main" id="{A65E0210-5E35-4899-9838-72E350B2DD98}"/>
+                <a16:creationId xmlns:a16="http://schemas.microsoft.com/office/drawing/2014/main" id="{03DD0063-61B6-2080-4596-493C3A019F3A}"/>
               </a:ext>
             </a:extLst>
           </p:cNvPr>
@@ -9173,8 +9473,8 @@
         </p:nvSpPr>
         <p:spPr>
           <a:xfrm>
-            <a:off x="11907454" y="6481180"/>
-            <a:ext cx="341760" cy="307777"/>
+            <a:off x="11843334" y="6450402"/>
+            <a:ext cx="418704" cy="369332"/>
           </a:xfrm>
           <a:prstGeom prst="rect">
             <a:avLst/>
@@ -9189,9 +9489,14 @@
           <a:p>
             <a:pPr rtl="0"/>
             <a:r>
-              <a:rPr lang="ru-RU" sz="1400" b="1" dirty="0"/>
+              <a:rPr lang="en-US" b="1" dirty="0">
+                <a:latin typeface="Monseratt"/>
+              </a:rPr>
               <a:t>16</a:t>
             </a:r>
+            <a:endParaRPr lang="en-US" sz="2400" b="1" dirty="0">
+              <a:latin typeface="Monseratt"/>
+            </a:endParaRPr>
           </a:p>
         </p:txBody>
       </p:sp>
@@ -9385,7 +9690,7 @@
             </a:pathLst>
           </a:custGeom>
           <a:solidFill>
-            <a:srgbClr val="00B050"/>
+            <a:schemeClr val="bg1"/>
           </a:solidFill>
           <a:ln>
             <a:noFill/>
@@ -9416,7 +9721,7 @@
             <a:pPr algn="ctr" rtl="0"/>
             <a:endParaRPr lang="ru-RU" dirty="0">
               <a:solidFill>
-                <a:srgbClr val="98A3AD"/>
+                <a:schemeClr val="bg1"/>
               </a:solidFill>
             </a:endParaRPr>
           </a:p>
@@ -9436,8 +9741,8 @@
         </p:nvSpPr>
         <p:spPr>
           <a:xfrm>
-            <a:off x="11907454" y="6481180"/>
-            <a:ext cx="277640" cy="307777"/>
+            <a:off x="11901843" y="6450402"/>
+            <a:ext cx="301686" cy="369332"/>
           </a:xfrm>
           <a:prstGeom prst="rect">
             <a:avLst/>
@@ -9452,7 +9757,9 @@
           <a:p>
             <a:pPr rtl="0"/>
             <a:r>
-              <a:rPr lang="ru-RU" sz="1400" b="1" dirty="0"/>
+              <a:rPr lang="ru-RU" b="1" dirty="0">
+                <a:latin typeface="Monseratt"/>
+              </a:rPr>
               <a:t>2</a:t>
             </a:r>
           </a:p>
@@ -9562,7 +9869,7 @@
                 </a:solidFill>
                 <a:latin typeface="Monseratt"/>
               </a:rPr>
-              <a:t>Сложности в совместном управлении бюджетом</a:t>
+              <a:t>Совместное управление бюджетом</a:t>
             </a:r>
             <a:endParaRPr lang="en-US" sz="3200" dirty="0">
               <a:solidFill>
@@ -9721,7 +10028,7 @@
             </a:pathLst>
           </a:custGeom>
           <a:solidFill>
-            <a:srgbClr val="00B050"/>
+            <a:schemeClr val="bg1"/>
           </a:solidFill>
           <a:ln>
             <a:noFill/>
@@ -9766,8 +10073,8 @@
         </p:nvSpPr>
         <p:spPr>
           <a:xfrm>
-            <a:off x="11907454" y="6481180"/>
-            <a:ext cx="277640" cy="307777"/>
+            <a:off x="11901843" y="6450402"/>
+            <a:ext cx="301686" cy="369332"/>
           </a:xfrm>
           <a:prstGeom prst="rect">
             <a:avLst/>
@@ -9782,9 +10089,14 @@
           <a:p>
             <a:pPr rtl="0"/>
             <a:r>
-              <a:rPr lang="ru-RU" sz="1400" b="1" dirty="0"/>
+              <a:rPr lang="en-US" b="1" dirty="0">
+                <a:latin typeface="Monseratt"/>
+              </a:rPr>
               <a:t>3</a:t>
             </a:r>
+            <a:endParaRPr lang="en-US" sz="2400" b="1" dirty="0">
+              <a:latin typeface="Monseratt"/>
+            </a:endParaRPr>
           </a:p>
         </p:txBody>
       </p:sp>
@@ -9960,8 +10272,277 @@
       </p:grpSpPr>
       <p:sp>
         <p:nvSpPr>
-          <p:cNvPr id="38" name="Полилиния 37">
+          <p:cNvPr id="42" name="Надпись 41"/>
+          <p:cNvSpPr txBox="1"/>
+          <p:nvPr/>
+        </p:nvSpPr>
+        <p:spPr>
+          <a:xfrm>
+            <a:off x="11907454" y="6481180"/>
+            <a:ext cx="290464" cy="307777"/>
+          </a:xfrm>
+          <a:prstGeom prst="rect">
+            <a:avLst/>
+          </a:prstGeom>
+          <a:noFill/>
+        </p:spPr>
+        <p:txBody>
+          <a:bodyPr wrap="none" rtlCol="0">
+            <a:spAutoFit/>
+          </a:bodyPr>
+          <a:lstStyle/>
+          <a:p>
+            <a:pPr rtl="0"/>
+            <a:r>
+              <a:rPr lang="ru-RU" sz="1400" b="1" dirty="0"/>
+              <a:t>4</a:t>
+            </a:r>
+          </a:p>
+        </p:txBody>
+      </p:sp>
+      <p:sp>
+        <p:nvSpPr>
+          <p:cNvPr id="40" name="Надпись 39">
             <a:extLst>
+              <a:ext uri="{FF2B5EF4-FFF2-40B4-BE49-F238E27FC236}">
+                <a16:creationId xmlns:a16="http://schemas.microsoft.com/office/drawing/2014/main" id="{FFAEF1C8-817C-4EBC-A4FB-3ED2DB7FCBF8}"/>
+              </a:ext>
+            </a:extLst>
+          </p:cNvPr>
+          <p:cNvSpPr txBox="1"/>
+          <p:nvPr/>
+        </p:nvSpPr>
+        <p:spPr>
+          <a:xfrm>
+            <a:off x="5141411" y="165381"/>
+            <a:ext cx="1909177" cy="738664"/>
+          </a:xfrm>
+          <a:prstGeom prst="rect">
+            <a:avLst/>
+          </a:prstGeom>
+          <a:noFill/>
+        </p:spPr>
+        <p:txBody>
+          <a:bodyPr wrap="none" lIns="0" tIns="0" rIns="0" bIns="0" rtlCol="0">
+            <a:spAutoFit/>
+          </a:bodyPr>
+          <a:lstStyle/>
+          <a:p>
+            <a:pPr algn="ctr" rtl="0">
+              <a:tabLst>
+                <a:tab pos="347663" algn="l"/>
+              </a:tabLst>
+            </a:pPr>
+            <a:r>
+              <a:rPr lang="ru-RU" sz="4800" b="1" dirty="0">
+                <a:solidFill>
+                  <a:schemeClr val="bg1"/>
+                </a:solidFill>
+                <a:latin typeface="Monseratt"/>
+              </a:rPr>
+              <a:t>Задачи</a:t>
+            </a:r>
+          </a:p>
+        </p:txBody>
+      </p:sp>
+      <p:sp>
+        <p:nvSpPr>
+          <p:cNvPr id="2" name="Заголовок 1" hidden="1">
+            <a:extLst>
+              <a:ext uri="{FF2B5EF4-FFF2-40B4-BE49-F238E27FC236}">
+                <a16:creationId xmlns:a16="http://schemas.microsoft.com/office/drawing/2014/main" id="{8BD7D413-936A-4A2D-83E0-6714C8DB077C}"/>
+              </a:ext>
+            </a:extLst>
+          </p:cNvPr>
+          <p:cNvSpPr>
+            <a:spLocks noGrp="1"/>
+          </p:cNvSpPr>
+          <p:nvPr>
+            <p:ph type="title"/>
+          </p:nvPr>
+        </p:nvSpPr>
+        <p:spPr/>
+        <p:txBody>
+          <a:bodyPr rtlCol="0"/>
+          <a:lstStyle/>
+          <a:p>
+            <a:pPr rtl="0"/>
+            <a:r>
+              <a:rPr lang="ru" dirty="0"/>
+              <a:t>Слайд 4</a:t>
+            </a:r>
+          </a:p>
+        </p:txBody>
+      </p:sp>
+      <p:sp>
+        <p:nvSpPr>
+          <p:cNvPr id="3" name="TextBox 2">
+            <a:extLst>
+              <a:ext uri="{FF2B5EF4-FFF2-40B4-BE49-F238E27FC236}">
+                <a16:creationId xmlns:a16="http://schemas.microsoft.com/office/drawing/2014/main" id="{06C76E5E-7262-4397-AE66-56706C927FAE}"/>
+              </a:ext>
+            </a:extLst>
+          </p:cNvPr>
+          <p:cNvSpPr txBox="1"/>
+          <p:nvPr/>
+        </p:nvSpPr>
+        <p:spPr>
+          <a:xfrm>
+            <a:off x="642937" y="1482982"/>
+            <a:ext cx="10906125" cy="3877985"/>
+          </a:xfrm>
+          <a:prstGeom prst="rect">
+            <a:avLst/>
+          </a:prstGeom>
+          <a:noFill/>
+        </p:spPr>
+        <p:txBody>
+          <a:bodyPr wrap="square" rtlCol="0">
+            <a:spAutoFit/>
+          </a:bodyPr>
+          <a:lstStyle/>
+          <a:p>
+            <a:pPr marL="285750" indent="-285750">
+              <a:buFont typeface="Arial" panose="020B0604020202020204" pitchFamily="34" charset="0"/>
+              <a:buChar char="•"/>
+            </a:pPr>
+            <a:r>
+              <a:rPr lang="ru-RU" sz="3200" dirty="0">
+                <a:solidFill>
+                  <a:schemeClr val="bg1"/>
+                </a:solidFill>
+                <a:latin typeface="Monseratt"/>
+              </a:rPr>
+              <a:t>Ведение учета доходов и расходов</a:t>
+            </a:r>
+          </a:p>
+          <a:p>
+            <a:pPr marL="285750" indent="-285750">
+              <a:buFont typeface="Arial" panose="020B0604020202020204" pitchFamily="34" charset="0"/>
+              <a:buChar char="•"/>
+            </a:pPr>
+            <a:r>
+              <a:rPr lang="ru-RU" sz="3200" dirty="0">
+                <a:solidFill>
+                  <a:schemeClr val="bg1"/>
+                </a:solidFill>
+                <a:latin typeface="Monseratt"/>
+              </a:rPr>
+              <a:t>Управление шаблонами</a:t>
+            </a:r>
+            <a:r>
+              <a:rPr lang="en-US" sz="3200" dirty="0">
+                <a:solidFill>
+                  <a:schemeClr val="bg1"/>
+                </a:solidFill>
+                <a:latin typeface="Monseratt"/>
+              </a:rPr>
+              <a:t> </a:t>
+            </a:r>
+            <a:r>
+              <a:rPr lang="ru-RU" sz="3200" dirty="0">
+                <a:solidFill>
+                  <a:schemeClr val="bg1"/>
+                </a:solidFill>
+                <a:latin typeface="Monseratt"/>
+              </a:rPr>
+              <a:t>финансовых операций</a:t>
+            </a:r>
+          </a:p>
+          <a:p>
+            <a:pPr marL="285750" indent="-285750">
+              <a:buFont typeface="Arial" panose="020B0604020202020204" pitchFamily="34" charset="0"/>
+              <a:buChar char="•"/>
+            </a:pPr>
+            <a:r>
+              <a:rPr lang="ru-RU" sz="3200" dirty="0">
+                <a:solidFill>
+                  <a:schemeClr val="bg1"/>
+                </a:solidFill>
+                <a:latin typeface="Monseratt"/>
+              </a:rPr>
+              <a:t>Расчет ежемесячного кредитного платежа</a:t>
+            </a:r>
+          </a:p>
+          <a:p>
+            <a:pPr marL="285750" indent="-285750">
+              <a:buFont typeface="Arial" panose="020B0604020202020204" pitchFamily="34" charset="0"/>
+              <a:buChar char="•"/>
+            </a:pPr>
+            <a:r>
+              <a:rPr lang="ru-RU" sz="3200" dirty="0">
+                <a:solidFill>
+                  <a:schemeClr val="bg1"/>
+                </a:solidFill>
+                <a:latin typeface="Monseratt"/>
+              </a:rPr>
+              <a:t>Управление категориями финансовых операций</a:t>
+            </a:r>
+          </a:p>
+          <a:p>
+            <a:pPr marL="285750" indent="-285750">
+              <a:buFont typeface="Arial" panose="020B0604020202020204" pitchFamily="34" charset="0"/>
+              <a:buChar char="•"/>
+            </a:pPr>
+            <a:r>
+              <a:rPr lang="ru-RU" sz="3200" dirty="0">
+                <a:solidFill>
+                  <a:schemeClr val="bg1"/>
+                </a:solidFill>
+                <a:latin typeface="Monseratt"/>
+              </a:rPr>
+              <a:t>Создание и сохранение отчета в </a:t>
+            </a:r>
+            <a:r>
+              <a:rPr lang="en-US" sz="3200" dirty="0">
+                <a:solidFill>
+                  <a:schemeClr val="bg1"/>
+                </a:solidFill>
+                <a:latin typeface="Monseratt"/>
+              </a:rPr>
+              <a:t>CSV </a:t>
+            </a:r>
+            <a:r>
+              <a:rPr lang="ru-RU" sz="3200" dirty="0">
+                <a:solidFill>
+                  <a:schemeClr val="bg1"/>
+                </a:solidFill>
+                <a:latin typeface="Monseratt"/>
+              </a:rPr>
+              <a:t>формат</a:t>
+            </a:r>
+          </a:p>
+          <a:p>
+            <a:pPr marL="285750" indent="-285750">
+              <a:buFont typeface="Arial" panose="020B0604020202020204" pitchFamily="34" charset="0"/>
+              <a:buChar char="•"/>
+            </a:pPr>
+            <a:r>
+              <a:rPr lang="ru-RU" sz="3200" dirty="0">
+                <a:solidFill>
+                  <a:schemeClr val="bg1"/>
+                </a:solidFill>
+                <a:latin typeface="Monseratt"/>
+              </a:rPr>
+              <a:t>Формирование групп пользователей для совместного отслеживания доходов и расходов</a:t>
+            </a:r>
+          </a:p>
+          <a:p>
+            <a:pPr marL="285750" indent="-285750">
+              <a:buFont typeface="Arial" panose="020B0604020202020204" pitchFamily="34" charset="0"/>
+              <a:buChar char="•"/>
+            </a:pPr>
+            <a:endParaRPr lang="ru-RU" dirty="0"/>
+          </a:p>
+        </p:txBody>
+      </p:sp>
+      <p:sp>
+        <p:nvSpPr>
+          <p:cNvPr id="4" name="Полилиния 19">
+            <a:extLst>
+              <a:ext uri="{FF2B5EF4-FFF2-40B4-BE49-F238E27FC236}">
+                <a16:creationId xmlns:a16="http://schemas.microsoft.com/office/drawing/2014/main" id="{D40BFC40-0E11-64B3-2C81-6033BD59A897}"/>
+              </a:ext>
               <a:ext uri="{C183D7F6-B498-43B3-948B-1728B52AA6E4}">
                 <adec:decorative xmlns:adec="http://schemas.microsoft.com/office/drawing/2017/decorative" val="1"/>
               </a:ext>
@@ -10068,7 +10649,7 @@
             </a:pathLst>
           </a:custGeom>
           <a:solidFill>
-            <a:srgbClr val="00B050"/>
+            <a:schemeClr val="bg1"/>
           </a:solidFill>
           <a:ln>
             <a:noFill/>
@@ -10107,14 +10688,20 @@
       </p:sp>
       <p:sp>
         <p:nvSpPr>
-          <p:cNvPr id="42" name="Надпись 41"/>
+          <p:cNvPr id="7" name="Надпись 20">
+            <a:extLst>
+              <a:ext uri="{FF2B5EF4-FFF2-40B4-BE49-F238E27FC236}">
+                <a16:creationId xmlns:a16="http://schemas.microsoft.com/office/drawing/2014/main" id="{19D7EADD-D41F-7BB9-A964-DB3EFFCA7B3C}"/>
+              </a:ext>
+            </a:extLst>
+          </p:cNvPr>
           <p:cNvSpPr txBox="1"/>
           <p:nvPr/>
         </p:nvSpPr>
         <p:spPr>
           <a:xfrm>
-            <a:off x="11907454" y="6481180"/>
-            <a:ext cx="290464" cy="307777"/>
+            <a:off x="11901843" y="6450402"/>
+            <a:ext cx="301686" cy="369332"/>
           </a:xfrm>
           <a:prstGeom prst="rect">
             <a:avLst/>
@@ -10129,245 +10716,14 @@
           <a:p>
             <a:pPr rtl="0"/>
             <a:r>
-              <a:rPr lang="ru-RU" sz="1400" b="1" dirty="0"/>
-              <a:t>4</a:t>
-            </a:r>
-          </a:p>
-        </p:txBody>
-      </p:sp>
-      <p:sp>
-        <p:nvSpPr>
-          <p:cNvPr id="40" name="Надпись 39">
-            <a:extLst>
-              <a:ext uri="{FF2B5EF4-FFF2-40B4-BE49-F238E27FC236}">
-                <a16:creationId xmlns:a16="http://schemas.microsoft.com/office/drawing/2014/main" id="{FFAEF1C8-817C-4EBC-A4FB-3ED2DB7FCBF8}"/>
-              </a:ext>
-            </a:extLst>
-          </p:cNvPr>
-          <p:cNvSpPr txBox="1"/>
-          <p:nvPr/>
-        </p:nvSpPr>
-        <p:spPr>
-          <a:xfrm>
-            <a:off x="5141411" y="165381"/>
-            <a:ext cx="1909177" cy="738664"/>
-          </a:xfrm>
-          <a:prstGeom prst="rect">
-            <a:avLst/>
-          </a:prstGeom>
-          <a:noFill/>
-        </p:spPr>
-        <p:txBody>
-          <a:bodyPr wrap="none" lIns="0" tIns="0" rIns="0" bIns="0" rtlCol="0">
-            <a:spAutoFit/>
-          </a:bodyPr>
-          <a:lstStyle/>
-          <a:p>
-            <a:pPr algn="ctr" rtl="0">
-              <a:tabLst>
-                <a:tab pos="347663" algn="l"/>
-              </a:tabLst>
-            </a:pPr>
-            <a:r>
-              <a:rPr lang="ru-RU" sz="4800" b="1" dirty="0">
-                <a:solidFill>
-                  <a:schemeClr val="bg1"/>
-                </a:solidFill>
+              <a:rPr lang="en-US" b="1" dirty="0">
                 <a:latin typeface="Monseratt"/>
               </a:rPr>
-              <a:t>Задачи</a:t>
-            </a:r>
-          </a:p>
-        </p:txBody>
-      </p:sp>
-      <p:sp>
-        <p:nvSpPr>
-          <p:cNvPr id="2" name="Заголовок 1" hidden="1">
-            <a:extLst>
-              <a:ext uri="{FF2B5EF4-FFF2-40B4-BE49-F238E27FC236}">
-                <a16:creationId xmlns:a16="http://schemas.microsoft.com/office/drawing/2014/main" id="{8BD7D413-936A-4A2D-83E0-6714C8DB077C}"/>
-              </a:ext>
-            </a:extLst>
-          </p:cNvPr>
-          <p:cNvSpPr>
-            <a:spLocks noGrp="1"/>
-          </p:cNvSpPr>
-          <p:nvPr>
-            <p:ph type="title"/>
-          </p:nvPr>
-        </p:nvSpPr>
-        <p:spPr/>
-        <p:txBody>
-          <a:bodyPr rtlCol="0"/>
-          <a:lstStyle/>
-          <a:p>
-            <a:pPr rtl="0"/>
-            <a:r>
-              <a:rPr lang="ru" dirty="0"/>
-              <a:t>Слайд 4</a:t>
-            </a:r>
-          </a:p>
-        </p:txBody>
-      </p:sp>
-      <p:sp>
-        <p:nvSpPr>
-          <p:cNvPr id="3" name="TextBox 2">
-            <a:extLst>
-              <a:ext uri="{FF2B5EF4-FFF2-40B4-BE49-F238E27FC236}">
-                <a16:creationId xmlns:a16="http://schemas.microsoft.com/office/drawing/2014/main" id="{06C76E5E-7262-4397-AE66-56706C927FAE}"/>
-              </a:ext>
-            </a:extLst>
-          </p:cNvPr>
-          <p:cNvSpPr txBox="1"/>
-          <p:nvPr/>
-        </p:nvSpPr>
-        <p:spPr>
-          <a:xfrm>
-            <a:off x="642937" y="1482982"/>
-            <a:ext cx="10906125" cy="3877985"/>
-          </a:xfrm>
-          <a:prstGeom prst="rect">
-            <a:avLst/>
-          </a:prstGeom>
-          <a:noFill/>
-        </p:spPr>
-        <p:txBody>
-          <a:bodyPr wrap="square" rtlCol="0">
-            <a:spAutoFit/>
-          </a:bodyPr>
-          <a:lstStyle/>
-          <a:p>
-            <a:pPr marL="285750" indent="-285750">
-              <a:buFont typeface="Arial" panose="020B0604020202020204" pitchFamily="34" charset="0"/>
-              <a:buChar char="•"/>
-            </a:pPr>
-            <a:r>
-              <a:rPr lang="ru-RU" sz="3200" dirty="0">
-                <a:solidFill>
-                  <a:schemeClr val="bg1"/>
-                </a:solidFill>
-                <a:latin typeface="Monseratt"/>
-              </a:rPr>
-              <a:t>Ведение учета доходов и расходов</a:t>
-            </a:r>
-          </a:p>
-          <a:p>
-            <a:pPr marL="285750" indent="-285750">
-              <a:buFont typeface="Arial" panose="020B0604020202020204" pitchFamily="34" charset="0"/>
-              <a:buChar char="•"/>
-            </a:pPr>
-            <a:r>
-              <a:rPr lang="ru-RU" sz="3200" dirty="0">
-                <a:solidFill>
-                  <a:schemeClr val="bg1"/>
-                </a:solidFill>
-                <a:latin typeface="Monseratt"/>
-              </a:rPr>
-              <a:t>Управление шаблонами</a:t>
-            </a:r>
-            <a:r>
-              <a:rPr lang="en-US" sz="3200" dirty="0">
-                <a:solidFill>
-                  <a:schemeClr val="bg1"/>
-                </a:solidFill>
-                <a:latin typeface="Monseratt"/>
-              </a:rPr>
-              <a:t> </a:t>
-            </a:r>
-            <a:r>
-              <a:rPr lang="ru-RU" sz="3200" dirty="0">
-                <a:solidFill>
-                  <a:schemeClr val="bg1"/>
-                </a:solidFill>
-                <a:latin typeface="Monseratt"/>
-              </a:rPr>
-              <a:t>финансовых операций</a:t>
-            </a:r>
-          </a:p>
-          <a:p>
-            <a:pPr marL="285750" indent="-285750">
-              <a:buFont typeface="Arial" panose="020B0604020202020204" pitchFamily="34" charset="0"/>
-              <a:buChar char="•"/>
-            </a:pPr>
-            <a:r>
-              <a:rPr lang="ru-RU" sz="3200" dirty="0">
-                <a:solidFill>
-                  <a:schemeClr val="bg1"/>
-                </a:solidFill>
-                <a:latin typeface="Monseratt"/>
-              </a:rPr>
-              <a:t>Расчет ежемесячного кредитного платежа</a:t>
-            </a:r>
-          </a:p>
-          <a:p>
-            <a:pPr marL="285750" indent="-285750">
-              <a:buFont typeface="Arial" panose="020B0604020202020204" pitchFamily="34" charset="0"/>
-              <a:buChar char="•"/>
-            </a:pPr>
-            <a:r>
-              <a:rPr lang="ru-RU" sz="3200" dirty="0">
-                <a:solidFill>
-                  <a:schemeClr val="bg1"/>
-                </a:solidFill>
-                <a:latin typeface="Monseratt"/>
-              </a:rPr>
-              <a:t>Управление категориями финансовых операций</a:t>
-            </a:r>
-          </a:p>
-          <a:p>
-            <a:pPr marL="285750" indent="-285750">
-              <a:buFont typeface="Arial" panose="020B0604020202020204" pitchFamily="34" charset="0"/>
-              <a:buChar char="•"/>
-            </a:pPr>
-            <a:r>
-              <a:rPr lang="ru-RU" sz="3200" dirty="0">
-                <a:solidFill>
-                  <a:schemeClr val="bg1"/>
-                </a:solidFill>
-                <a:latin typeface="Monseratt"/>
-              </a:rPr>
-              <a:t>Создание и сохранение отчета в </a:t>
-            </a:r>
-            <a:r>
-              <a:rPr lang="en-US" sz="3200" dirty="0">
-                <a:solidFill>
-                  <a:schemeClr val="bg1"/>
-                </a:solidFill>
-                <a:latin typeface="Monseratt"/>
-              </a:rPr>
-              <a:t>CSV </a:t>
-            </a:r>
-            <a:r>
-              <a:rPr lang="ru-RU" sz="3200" dirty="0">
-                <a:solidFill>
-                  <a:schemeClr val="bg1"/>
-                </a:solidFill>
-                <a:latin typeface="Monseratt"/>
-              </a:rPr>
-              <a:t>формат</a:t>
-            </a:r>
-          </a:p>
-          <a:p>
-            <a:pPr marL="285750" indent="-285750">
-              <a:buFont typeface="Arial" panose="020B0604020202020204" pitchFamily="34" charset="0"/>
-              <a:buChar char="•"/>
-            </a:pPr>
-            <a:r>
-              <a:rPr lang="ru-RU" sz="3200" dirty="0">
-                <a:solidFill>
-                  <a:schemeClr val="bg1"/>
-                </a:solidFill>
-                <a:latin typeface="Monseratt"/>
-              </a:rPr>
-              <a:t>Формирование групп пользователей для совместного отслеживания доходов и расходов</a:t>
-            </a:r>
-          </a:p>
-          <a:p>
-            <a:pPr marL="285750" indent="-285750">
-              <a:buFont typeface="Arial" panose="020B0604020202020204" pitchFamily="34" charset="0"/>
-              <a:buChar char="•"/>
-            </a:pPr>
-            <a:endParaRPr lang="ru-RU" dirty="0"/>
+              <a:t>4</a:t>
+            </a:r>
+            <a:endParaRPr lang="en-US" sz="2400" b="1" dirty="0">
+              <a:latin typeface="Monseratt"/>
+            </a:endParaRPr>
           </a:p>
         </p:txBody>
       </p:sp>
@@ -10409,153 +10765,6 @@
           <a:chExt cx="0" cy="0"/>
         </a:xfrm>
       </p:grpSpPr>
-      <p:sp>
-        <p:nvSpPr>
-          <p:cNvPr id="15" name="Полилиния 14">
-            <a:extLst>
-              <a:ext uri="{C183D7F6-B498-43B3-948B-1728B52AA6E4}">
-                <adec:decorative xmlns:adec="http://schemas.microsoft.com/office/drawing/2017/decorative" val="1"/>
-              </a:ext>
-            </a:extLst>
-          </p:cNvPr>
-          <p:cNvSpPr/>
-          <p:nvPr/>
-        </p:nvSpPr>
-        <p:spPr>
-          <a:xfrm rot="2700000">
-            <a:off x="11788943" y="6333474"/>
-            <a:ext cx="527486" cy="603188"/>
-          </a:xfrm>
-          <a:custGeom>
-            <a:avLst/>
-            <a:gdLst>
-              <a:gd name="connsiteX0" fmla="*/ 110516 w 889463"/>
-              <a:gd name="connsiteY0" fmla="*/ 95275 h 1017114"/>
-              <a:gd name="connsiteX1" fmla="*/ 230452 w 889463"/>
-              <a:gd name="connsiteY1" fmla="*/ 14411 h 1017114"/>
-              <a:gd name="connsiteX2" fmla="*/ 276877 w 889463"/>
-              <a:gd name="connsiteY2" fmla="*/ 0 h 1017114"/>
-              <a:gd name="connsiteX3" fmla="*/ 889463 w 889463"/>
-              <a:gd name="connsiteY3" fmla="*/ 612585 h 1017114"/>
-              <a:gd name="connsiteX4" fmla="*/ 484934 w 889463"/>
-              <a:gd name="connsiteY4" fmla="*/ 1017114 h 1017114"/>
-              <a:gd name="connsiteX5" fmla="*/ 377324 w 889463"/>
-              <a:gd name="connsiteY5" fmla="*/ 1017114 h 1017114"/>
-              <a:gd name="connsiteX6" fmla="*/ 0 w 889463"/>
-              <a:gd name="connsiteY6" fmla="*/ 639790 h 1017114"/>
-              <a:gd name="connsiteX7" fmla="*/ 0 w 889463"/>
-              <a:gd name="connsiteY7" fmla="*/ 362083 h 1017114"/>
-              <a:gd name="connsiteX8" fmla="*/ 110516 w 889463"/>
-              <a:gd name="connsiteY8" fmla="*/ 95275 h 1017114"/>
-            </a:gdLst>
-            <a:ahLst/>
-            <a:cxnLst>
-              <a:cxn ang="0">
-                <a:pos x="connsiteX0" y="connsiteY0"/>
-              </a:cxn>
-              <a:cxn ang="0">
-                <a:pos x="connsiteX1" y="connsiteY1"/>
-              </a:cxn>
-              <a:cxn ang="0">
-                <a:pos x="connsiteX2" y="connsiteY2"/>
-              </a:cxn>
-              <a:cxn ang="0">
-                <a:pos x="connsiteX3" y="connsiteY3"/>
-              </a:cxn>
-              <a:cxn ang="0">
-                <a:pos x="connsiteX4" y="connsiteY4"/>
-              </a:cxn>
-              <a:cxn ang="0">
-                <a:pos x="connsiteX5" y="connsiteY5"/>
-              </a:cxn>
-              <a:cxn ang="0">
-                <a:pos x="connsiteX6" y="connsiteY6"/>
-              </a:cxn>
-              <a:cxn ang="0">
-                <a:pos x="connsiteX7" y="connsiteY7"/>
-              </a:cxn>
-              <a:cxn ang="0">
-                <a:pos x="connsiteX8" y="connsiteY8"/>
-              </a:cxn>
-            </a:cxnLst>
-            <a:rect l="l" t="t" r="r" b="b"/>
-            <a:pathLst>
-              <a:path w="889463" h="1017114">
-                <a:moveTo>
-                  <a:pt x="110516" y="95275"/>
-                </a:moveTo>
-                <a:cubicBezTo>
-                  <a:pt x="144657" y="61133"/>
-                  <a:pt x="185310" y="33504"/>
-                  <a:pt x="230452" y="14411"/>
-                </a:cubicBezTo>
-                <a:lnTo>
-                  <a:pt x="276877" y="0"/>
-                </a:lnTo>
-                <a:lnTo>
-                  <a:pt x="889463" y="612585"/>
-                </a:lnTo>
-                <a:lnTo>
-                  <a:pt x="484934" y="1017114"/>
-                </a:lnTo>
-                <a:lnTo>
-                  <a:pt x="377324" y="1017114"/>
-                </a:lnTo>
-                <a:cubicBezTo>
-                  <a:pt x="168934" y="1017114"/>
-                  <a:pt x="0" y="848180"/>
-                  <a:pt x="0" y="639790"/>
-                </a:cubicBezTo>
-                <a:lnTo>
-                  <a:pt x="0" y="362083"/>
-                </a:lnTo>
-                <a:cubicBezTo>
-                  <a:pt x="0" y="257888"/>
-                  <a:pt x="42234" y="163556"/>
-                  <a:pt x="110516" y="95275"/>
-                </a:cubicBezTo>
-                <a:close/>
-              </a:path>
-            </a:pathLst>
-          </a:custGeom>
-          <a:solidFill>
-            <a:srgbClr val="00B050"/>
-          </a:solidFill>
-          <a:ln>
-            <a:noFill/>
-          </a:ln>
-        </p:spPr>
-        <p:style>
-          <a:lnRef idx="2">
-            <a:schemeClr val="accent1">
-              <a:shade val="50000"/>
-            </a:schemeClr>
-          </a:lnRef>
-          <a:fillRef idx="1">
-            <a:schemeClr val="accent1"/>
-          </a:fillRef>
-          <a:effectRef idx="0">
-            <a:schemeClr val="accent1"/>
-          </a:effectRef>
-          <a:fontRef idx="minor">
-            <a:schemeClr val="lt1"/>
-          </a:fontRef>
-        </p:style>
-        <p:txBody>
-          <a:bodyPr wrap="square" rtlCol="0" anchor="ctr">
-            <a:noAutofit/>
-          </a:bodyPr>
-          <a:lstStyle/>
-          <a:p>
-            <a:pPr algn="ctr" rtl="0"/>
-            <a:endParaRPr lang="ru-RU" dirty="0">
-              <a:solidFill>
-                <a:srgbClr val="98A3AD"/>
-              </a:solidFill>
-            </a:endParaRPr>
-          </a:p>
-        </p:txBody>
-      </p:sp>
       <p:sp>
         <p:nvSpPr>
           <p:cNvPr id="16" name="Надпись 15"/>
@@ -11003,6 +11212,197 @@
           </a:graphicData>
         </a:graphic>
       </p:graphicFrame>
+      <p:sp>
+        <p:nvSpPr>
+          <p:cNvPr id="4" name="Полилиния 19">
+            <a:extLst>
+              <a:ext uri="{FF2B5EF4-FFF2-40B4-BE49-F238E27FC236}">
+                <a16:creationId xmlns:a16="http://schemas.microsoft.com/office/drawing/2014/main" id="{6BCD96C5-9C5F-CEBD-3C7D-31DDBE5F53B3}"/>
+              </a:ext>
+              <a:ext uri="{C183D7F6-B498-43B3-948B-1728B52AA6E4}">
+                <adec:decorative xmlns:adec="http://schemas.microsoft.com/office/drawing/2017/decorative" val="1"/>
+              </a:ext>
+            </a:extLst>
+          </p:cNvPr>
+          <p:cNvSpPr/>
+          <p:nvPr/>
+        </p:nvSpPr>
+        <p:spPr>
+          <a:xfrm rot="2700000">
+            <a:off x="11788943" y="6333474"/>
+            <a:ext cx="527486" cy="603188"/>
+          </a:xfrm>
+          <a:custGeom>
+            <a:avLst/>
+            <a:gdLst>
+              <a:gd name="connsiteX0" fmla="*/ 110516 w 889463"/>
+              <a:gd name="connsiteY0" fmla="*/ 95275 h 1017114"/>
+              <a:gd name="connsiteX1" fmla="*/ 230452 w 889463"/>
+              <a:gd name="connsiteY1" fmla="*/ 14411 h 1017114"/>
+              <a:gd name="connsiteX2" fmla="*/ 276877 w 889463"/>
+              <a:gd name="connsiteY2" fmla="*/ 0 h 1017114"/>
+              <a:gd name="connsiteX3" fmla="*/ 889463 w 889463"/>
+              <a:gd name="connsiteY3" fmla="*/ 612585 h 1017114"/>
+              <a:gd name="connsiteX4" fmla="*/ 484934 w 889463"/>
+              <a:gd name="connsiteY4" fmla="*/ 1017114 h 1017114"/>
+              <a:gd name="connsiteX5" fmla="*/ 377324 w 889463"/>
+              <a:gd name="connsiteY5" fmla="*/ 1017114 h 1017114"/>
+              <a:gd name="connsiteX6" fmla="*/ 0 w 889463"/>
+              <a:gd name="connsiteY6" fmla="*/ 639790 h 1017114"/>
+              <a:gd name="connsiteX7" fmla="*/ 0 w 889463"/>
+              <a:gd name="connsiteY7" fmla="*/ 362083 h 1017114"/>
+              <a:gd name="connsiteX8" fmla="*/ 110516 w 889463"/>
+              <a:gd name="connsiteY8" fmla="*/ 95275 h 1017114"/>
+            </a:gdLst>
+            <a:ahLst/>
+            <a:cxnLst>
+              <a:cxn ang="0">
+                <a:pos x="connsiteX0" y="connsiteY0"/>
+              </a:cxn>
+              <a:cxn ang="0">
+                <a:pos x="connsiteX1" y="connsiteY1"/>
+              </a:cxn>
+              <a:cxn ang="0">
+                <a:pos x="connsiteX2" y="connsiteY2"/>
+              </a:cxn>
+              <a:cxn ang="0">
+                <a:pos x="connsiteX3" y="connsiteY3"/>
+              </a:cxn>
+              <a:cxn ang="0">
+                <a:pos x="connsiteX4" y="connsiteY4"/>
+              </a:cxn>
+              <a:cxn ang="0">
+                <a:pos x="connsiteX5" y="connsiteY5"/>
+              </a:cxn>
+              <a:cxn ang="0">
+                <a:pos x="connsiteX6" y="connsiteY6"/>
+              </a:cxn>
+              <a:cxn ang="0">
+                <a:pos x="connsiteX7" y="connsiteY7"/>
+              </a:cxn>
+              <a:cxn ang="0">
+                <a:pos x="connsiteX8" y="connsiteY8"/>
+              </a:cxn>
+            </a:cxnLst>
+            <a:rect l="l" t="t" r="r" b="b"/>
+            <a:pathLst>
+              <a:path w="889463" h="1017114">
+                <a:moveTo>
+                  <a:pt x="110516" y="95275"/>
+                </a:moveTo>
+                <a:cubicBezTo>
+                  <a:pt x="144657" y="61133"/>
+                  <a:pt x="185310" y="33504"/>
+                  <a:pt x="230452" y="14411"/>
+                </a:cubicBezTo>
+                <a:lnTo>
+                  <a:pt x="276877" y="0"/>
+                </a:lnTo>
+                <a:lnTo>
+                  <a:pt x="889463" y="612585"/>
+                </a:lnTo>
+                <a:lnTo>
+                  <a:pt x="484934" y="1017114"/>
+                </a:lnTo>
+                <a:lnTo>
+                  <a:pt x="377324" y="1017114"/>
+                </a:lnTo>
+                <a:cubicBezTo>
+                  <a:pt x="168934" y="1017114"/>
+                  <a:pt x="0" y="848180"/>
+                  <a:pt x="0" y="639790"/>
+                </a:cubicBezTo>
+                <a:lnTo>
+                  <a:pt x="0" y="362083"/>
+                </a:lnTo>
+                <a:cubicBezTo>
+                  <a:pt x="0" y="257888"/>
+                  <a:pt x="42234" y="163556"/>
+                  <a:pt x="110516" y="95275"/>
+                </a:cubicBezTo>
+                <a:close/>
+              </a:path>
+            </a:pathLst>
+          </a:custGeom>
+          <a:solidFill>
+            <a:schemeClr val="bg1"/>
+          </a:solidFill>
+          <a:ln>
+            <a:noFill/>
+          </a:ln>
+        </p:spPr>
+        <p:style>
+          <a:lnRef idx="2">
+            <a:schemeClr val="accent1">
+              <a:shade val="50000"/>
+            </a:schemeClr>
+          </a:lnRef>
+          <a:fillRef idx="1">
+            <a:schemeClr val="accent1"/>
+          </a:fillRef>
+          <a:effectRef idx="0">
+            <a:schemeClr val="accent1"/>
+          </a:effectRef>
+          <a:fontRef idx="minor">
+            <a:schemeClr val="lt1"/>
+          </a:fontRef>
+        </p:style>
+        <p:txBody>
+          <a:bodyPr wrap="square" rtlCol="0" anchor="ctr">
+            <a:noAutofit/>
+          </a:bodyPr>
+          <a:lstStyle/>
+          <a:p>
+            <a:pPr algn="ctr" rtl="0"/>
+            <a:endParaRPr lang="ru-RU" dirty="0">
+              <a:solidFill>
+                <a:srgbClr val="98A3AD"/>
+              </a:solidFill>
+            </a:endParaRPr>
+          </a:p>
+        </p:txBody>
+      </p:sp>
+      <p:sp>
+        <p:nvSpPr>
+          <p:cNvPr id="5" name="Надпись 20">
+            <a:extLst>
+              <a:ext uri="{FF2B5EF4-FFF2-40B4-BE49-F238E27FC236}">
+                <a16:creationId xmlns:a16="http://schemas.microsoft.com/office/drawing/2014/main" id="{556AFD0E-EB7A-2AFA-97D3-00D0BE6A9FE6}"/>
+              </a:ext>
+            </a:extLst>
+          </p:cNvPr>
+          <p:cNvSpPr txBox="1"/>
+          <p:nvPr/>
+        </p:nvSpPr>
+        <p:spPr>
+          <a:xfrm>
+            <a:off x="11901843" y="6450402"/>
+            <a:ext cx="301686" cy="369332"/>
+          </a:xfrm>
+          <a:prstGeom prst="rect">
+            <a:avLst/>
+          </a:prstGeom>
+          <a:noFill/>
+        </p:spPr>
+        <p:txBody>
+          <a:bodyPr wrap="none" rtlCol="0">
+            <a:spAutoFit/>
+          </a:bodyPr>
+          <a:lstStyle/>
+          <a:p>
+            <a:pPr rtl="0"/>
+            <a:r>
+              <a:rPr lang="en-US" b="1" dirty="0">
+                <a:latin typeface="Monseratt"/>
+              </a:rPr>
+              <a:t>5</a:t>
+            </a:r>
+            <a:endParaRPr lang="en-US" sz="2400" b="1" dirty="0">
+              <a:latin typeface="Monseratt"/>
+            </a:endParaRPr>
+          </a:p>
+        </p:txBody>
+      </p:sp>
     </p:spTree>
     <p:extLst>
       <p:ext uri="{BB962C8B-B14F-4D97-AF65-F5344CB8AC3E}">
@@ -11107,153 +11507,6 @@
           <a:p>
             <a:pPr algn="ctr" rtl="0"/>
             <a:endParaRPr lang="ru-RU" dirty="0"/>
-          </a:p>
-        </p:txBody>
-      </p:sp>
-      <p:sp>
-        <p:nvSpPr>
-          <p:cNvPr id="43" name="Полилиния 42">
-            <a:extLst>
-              <a:ext uri="{C183D7F6-B498-43B3-948B-1728B52AA6E4}">
-                <adec:decorative xmlns:adec="http://schemas.microsoft.com/office/drawing/2017/decorative" val="1"/>
-              </a:ext>
-            </a:extLst>
-          </p:cNvPr>
-          <p:cNvSpPr/>
-          <p:nvPr/>
-        </p:nvSpPr>
-        <p:spPr>
-          <a:xfrm rot="2700000">
-            <a:off x="11788943" y="6333474"/>
-            <a:ext cx="527486" cy="603188"/>
-          </a:xfrm>
-          <a:custGeom>
-            <a:avLst/>
-            <a:gdLst>
-              <a:gd name="connsiteX0" fmla="*/ 110516 w 889463"/>
-              <a:gd name="connsiteY0" fmla="*/ 95275 h 1017114"/>
-              <a:gd name="connsiteX1" fmla="*/ 230452 w 889463"/>
-              <a:gd name="connsiteY1" fmla="*/ 14411 h 1017114"/>
-              <a:gd name="connsiteX2" fmla="*/ 276877 w 889463"/>
-              <a:gd name="connsiteY2" fmla="*/ 0 h 1017114"/>
-              <a:gd name="connsiteX3" fmla="*/ 889463 w 889463"/>
-              <a:gd name="connsiteY3" fmla="*/ 612585 h 1017114"/>
-              <a:gd name="connsiteX4" fmla="*/ 484934 w 889463"/>
-              <a:gd name="connsiteY4" fmla="*/ 1017114 h 1017114"/>
-              <a:gd name="connsiteX5" fmla="*/ 377324 w 889463"/>
-              <a:gd name="connsiteY5" fmla="*/ 1017114 h 1017114"/>
-              <a:gd name="connsiteX6" fmla="*/ 0 w 889463"/>
-              <a:gd name="connsiteY6" fmla="*/ 639790 h 1017114"/>
-              <a:gd name="connsiteX7" fmla="*/ 0 w 889463"/>
-              <a:gd name="connsiteY7" fmla="*/ 362083 h 1017114"/>
-              <a:gd name="connsiteX8" fmla="*/ 110516 w 889463"/>
-              <a:gd name="connsiteY8" fmla="*/ 95275 h 1017114"/>
-            </a:gdLst>
-            <a:ahLst/>
-            <a:cxnLst>
-              <a:cxn ang="0">
-                <a:pos x="connsiteX0" y="connsiteY0"/>
-              </a:cxn>
-              <a:cxn ang="0">
-                <a:pos x="connsiteX1" y="connsiteY1"/>
-              </a:cxn>
-              <a:cxn ang="0">
-                <a:pos x="connsiteX2" y="connsiteY2"/>
-              </a:cxn>
-              <a:cxn ang="0">
-                <a:pos x="connsiteX3" y="connsiteY3"/>
-              </a:cxn>
-              <a:cxn ang="0">
-                <a:pos x="connsiteX4" y="connsiteY4"/>
-              </a:cxn>
-              <a:cxn ang="0">
-                <a:pos x="connsiteX5" y="connsiteY5"/>
-              </a:cxn>
-              <a:cxn ang="0">
-                <a:pos x="connsiteX6" y="connsiteY6"/>
-              </a:cxn>
-              <a:cxn ang="0">
-                <a:pos x="connsiteX7" y="connsiteY7"/>
-              </a:cxn>
-              <a:cxn ang="0">
-                <a:pos x="connsiteX8" y="connsiteY8"/>
-              </a:cxn>
-            </a:cxnLst>
-            <a:rect l="l" t="t" r="r" b="b"/>
-            <a:pathLst>
-              <a:path w="889463" h="1017114">
-                <a:moveTo>
-                  <a:pt x="110516" y="95275"/>
-                </a:moveTo>
-                <a:cubicBezTo>
-                  <a:pt x="144657" y="61133"/>
-                  <a:pt x="185310" y="33504"/>
-                  <a:pt x="230452" y="14411"/>
-                </a:cubicBezTo>
-                <a:lnTo>
-                  <a:pt x="276877" y="0"/>
-                </a:lnTo>
-                <a:lnTo>
-                  <a:pt x="889463" y="612585"/>
-                </a:lnTo>
-                <a:lnTo>
-                  <a:pt x="484934" y="1017114"/>
-                </a:lnTo>
-                <a:lnTo>
-                  <a:pt x="377324" y="1017114"/>
-                </a:lnTo>
-                <a:cubicBezTo>
-                  <a:pt x="168934" y="1017114"/>
-                  <a:pt x="0" y="848180"/>
-                  <a:pt x="0" y="639790"/>
-                </a:cubicBezTo>
-                <a:lnTo>
-                  <a:pt x="0" y="362083"/>
-                </a:lnTo>
-                <a:cubicBezTo>
-                  <a:pt x="0" y="257888"/>
-                  <a:pt x="42234" y="163556"/>
-                  <a:pt x="110516" y="95275"/>
-                </a:cubicBezTo>
-                <a:close/>
-              </a:path>
-            </a:pathLst>
-          </a:custGeom>
-          <a:solidFill>
-            <a:srgbClr val="00B050"/>
-          </a:solidFill>
-          <a:ln>
-            <a:noFill/>
-          </a:ln>
-        </p:spPr>
-        <p:style>
-          <a:lnRef idx="2">
-            <a:schemeClr val="accent1">
-              <a:shade val="50000"/>
-            </a:schemeClr>
-          </a:lnRef>
-          <a:fillRef idx="1">
-            <a:schemeClr val="accent1"/>
-          </a:fillRef>
-          <a:effectRef idx="0">
-            <a:schemeClr val="accent1"/>
-          </a:effectRef>
-          <a:fontRef idx="minor">
-            <a:schemeClr val="lt1"/>
-          </a:fontRef>
-        </p:style>
-        <p:txBody>
-          <a:bodyPr wrap="square" rtlCol="0" anchor="ctr">
-            <a:noAutofit/>
-          </a:bodyPr>
-          <a:lstStyle/>
-          <a:p>
-            <a:pPr algn="ctr" rtl="0"/>
-            <a:endParaRPr lang="ru-RU" dirty="0">
-              <a:solidFill>
-                <a:srgbClr val="98A3AD"/>
-              </a:solidFill>
-            </a:endParaRPr>
           </a:p>
         </p:txBody>
       </p:sp>
@@ -11671,48 +11924,13 @@
           </a:p>
         </p:txBody>
       </p:sp>
-    </p:spTree>
-    <p:extLst>
-      <p:ext uri="{BB962C8B-B14F-4D97-AF65-F5344CB8AC3E}">
-        <p14:creationId xmlns:p14="http://schemas.microsoft.com/office/powerpoint/2010/main" val="198162277"/>
-      </p:ext>
-    </p:extLst>
-  </p:cSld>
-  <p:clrMapOvr>
-    <a:masterClrMapping/>
-  </p:clrMapOvr>
-</p:sld>
-</file>
-
-<file path=ppt/slides/slide7.xml><?xml version="1.0" encoding="utf-8"?>
-<p:sld xmlns:a="http://schemas.openxmlformats.org/drawingml/2006/main" xmlns:r="http://schemas.openxmlformats.org/officeDocument/2006/relationships" xmlns:p="http://schemas.openxmlformats.org/presentationml/2006/main">
-  <p:cSld>
-    <p:bg>
-      <p:bgPr>
-        <a:solidFill>
-          <a:schemeClr val="tx1"/>
-        </a:solidFill>
-        <a:effectLst/>
-      </p:bgPr>
-    </p:bg>
-    <p:spTree>
-      <p:nvGrpSpPr>
-        <p:cNvPr id="1" name=""/>
-        <p:cNvGrpSpPr/>
-        <p:nvPr/>
-      </p:nvGrpSpPr>
-      <p:grpSpPr>
-        <a:xfrm>
-          <a:off x="0" y="0"/>
-          <a:ext cx="0" cy="0"/>
-          <a:chOff x="0" y="0"/>
-          <a:chExt cx="0" cy="0"/>
-        </a:xfrm>
-      </p:grpSpPr>
-      <p:sp>
-        <p:nvSpPr>
-          <p:cNvPr id="43" name="Полилиния 42">
+      <p:sp>
+        <p:nvSpPr>
+          <p:cNvPr id="4" name="Полилиния 19">
             <a:extLst>
+              <a:ext uri="{FF2B5EF4-FFF2-40B4-BE49-F238E27FC236}">
+                <a16:creationId xmlns:a16="http://schemas.microsoft.com/office/drawing/2014/main" id="{7F8E5DF8-0C6D-F960-955F-58DAD8B5B8BF}"/>
+              </a:ext>
               <a:ext uri="{C183D7F6-B498-43B3-948B-1728B52AA6E4}">
                 <adec:decorative xmlns:adec="http://schemas.microsoft.com/office/drawing/2017/decorative" val="1"/>
               </a:ext>
@@ -11819,7 +12037,7 @@
             </a:pathLst>
           </a:custGeom>
           <a:solidFill>
-            <a:srgbClr val="00B050"/>
+            <a:schemeClr val="bg1"/>
           </a:solidFill>
           <a:ln>
             <a:noFill/>
@@ -11856,6 +12074,85 @@
           </a:p>
         </p:txBody>
       </p:sp>
+      <p:sp>
+        <p:nvSpPr>
+          <p:cNvPr id="5" name="Надпись 20">
+            <a:extLst>
+              <a:ext uri="{FF2B5EF4-FFF2-40B4-BE49-F238E27FC236}">
+                <a16:creationId xmlns:a16="http://schemas.microsoft.com/office/drawing/2014/main" id="{D830A921-1BF4-8F59-2EC7-F81A935DC815}"/>
+              </a:ext>
+            </a:extLst>
+          </p:cNvPr>
+          <p:cNvSpPr txBox="1"/>
+          <p:nvPr/>
+        </p:nvSpPr>
+        <p:spPr>
+          <a:xfrm>
+            <a:off x="11901843" y="6450402"/>
+            <a:ext cx="301686" cy="369332"/>
+          </a:xfrm>
+          <a:prstGeom prst="rect">
+            <a:avLst/>
+          </a:prstGeom>
+          <a:noFill/>
+        </p:spPr>
+        <p:txBody>
+          <a:bodyPr wrap="none" rtlCol="0">
+            <a:spAutoFit/>
+          </a:bodyPr>
+          <a:lstStyle/>
+          <a:p>
+            <a:pPr rtl="0"/>
+            <a:r>
+              <a:rPr lang="en-US" b="1" dirty="0">
+                <a:latin typeface="Monseratt"/>
+              </a:rPr>
+              <a:t>6</a:t>
+            </a:r>
+            <a:endParaRPr lang="en-US" sz="2400" b="1" dirty="0">
+              <a:latin typeface="Monseratt"/>
+            </a:endParaRPr>
+          </a:p>
+        </p:txBody>
+      </p:sp>
+    </p:spTree>
+    <p:extLst>
+      <p:ext uri="{BB962C8B-B14F-4D97-AF65-F5344CB8AC3E}">
+        <p14:creationId xmlns:p14="http://schemas.microsoft.com/office/powerpoint/2010/main" val="198162277"/>
+      </p:ext>
+    </p:extLst>
+  </p:cSld>
+  <p:clrMapOvr>
+    <a:masterClrMapping/>
+  </p:clrMapOvr>
+</p:sld>
+</file>
+
+<file path=ppt/slides/slide7.xml><?xml version="1.0" encoding="utf-8"?>
+<p:sld xmlns:a="http://schemas.openxmlformats.org/drawingml/2006/main" xmlns:r="http://schemas.openxmlformats.org/officeDocument/2006/relationships" xmlns:p="http://schemas.openxmlformats.org/presentationml/2006/main">
+  <p:cSld>
+    <p:bg>
+      <p:bgPr>
+        <a:solidFill>
+          <a:schemeClr val="tx1"/>
+        </a:solidFill>
+        <a:effectLst/>
+      </p:bgPr>
+    </p:bg>
+    <p:spTree>
+      <p:nvGrpSpPr>
+        <p:cNvPr id="1" name=""/>
+        <p:cNvGrpSpPr/>
+        <p:nvPr/>
+      </p:nvGrpSpPr>
+      <p:grpSpPr>
+        <a:xfrm>
+          <a:off x="0" y="0"/>
+          <a:ext cx="0" cy="0"/>
+          <a:chOff x="0" y="0"/>
+          <a:chExt cx="0" cy="0"/>
+        </a:xfrm>
+      </p:grpSpPr>
       <p:sp>
         <p:nvSpPr>
           <p:cNvPr id="44" name="Надпись 43"/>
@@ -12076,48 +12373,13 @@
           </a:prstGeom>
         </p:spPr>
       </p:pic>
-    </p:spTree>
-    <p:extLst>
-      <p:ext uri="{BB962C8B-B14F-4D97-AF65-F5344CB8AC3E}">
-        <p14:creationId xmlns:p14="http://schemas.microsoft.com/office/powerpoint/2010/main" val="4190794076"/>
-      </p:ext>
-    </p:extLst>
-  </p:cSld>
-  <p:clrMapOvr>
-    <a:masterClrMapping/>
-  </p:clrMapOvr>
-</p:sld>
-</file>
-
-<file path=ppt/slides/slide8.xml><?xml version="1.0" encoding="utf-8"?>
-<p:sld xmlns:a="http://schemas.openxmlformats.org/drawingml/2006/main" xmlns:r="http://schemas.openxmlformats.org/officeDocument/2006/relationships" xmlns:p="http://schemas.openxmlformats.org/presentationml/2006/main">
-  <p:cSld>
-    <p:bg>
-      <p:bgPr>
-        <a:solidFill>
-          <a:schemeClr val="tx1"/>
-        </a:solidFill>
-        <a:effectLst/>
-      </p:bgPr>
-    </p:bg>
-    <p:spTree>
-      <p:nvGrpSpPr>
-        <p:cNvPr id="1" name=""/>
-        <p:cNvGrpSpPr/>
-        <p:nvPr/>
-      </p:nvGrpSpPr>
-      <p:grpSpPr>
-        <a:xfrm>
-          <a:off x="0" y="0"/>
-          <a:ext cx="0" cy="0"/>
-          <a:chOff x="0" y="0"/>
-          <a:chExt cx="0" cy="0"/>
-        </a:xfrm>
-      </p:grpSpPr>
-      <p:sp>
-        <p:nvSpPr>
-          <p:cNvPr id="43" name="Полилиния 42">
+      <p:sp>
+        <p:nvSpPr>
+          <p:cNvPr id="3" name="Полилиния 19">
             <a:extLst>
+              <a:ext uri="{FF2B5EF4-FFF2-40B4-BE49-F238E27FC236}">
+                <a16:creationId xmlns:a16="http://schemas.microsoft.com/office/drawing/2014/main" id="{C89A5288-AE21-F5E3-7924-846C947005DE}"/>
+              </a:ext>
               <a:ext uri="{C183D7F6-B498-43B3-948B-1728B52AA6E4}">
                 <adec:decorative xmlns:adec="http://schemas.microsoft.com/office/drawing/2017/decorative" val="1"/>
               </a:ext>
@@ -12224,7 +12486,7 @@
             </a:pathLst>
           </a:custGeom>
           <a:solidFill>
-            <a:srgbClr val="00B050"/>
+            <a:schemeClr val="bg1"/>
           </a:solidFill>
           <a:ln>
             <a:noFill/>
@@ -12261,6 +12523,85 @@
           </a:p>
         </p:txBody>
       </p:sp>
+      <p:sp>
+        <p:nvSpPr>
+          <p:cNvPr id="4" name="Надпись 20">
+            <a:extLst>
+              <a:ext uri="{FF2B5EF4-FFF2-40B4-BE49-F238E27FC236}">
+                <a16:creationId xmlns:a16="http://schemas.microsoft.com/office/drawing/2014/main" id="{9209B682-433A-2379-3045-33677EE30268}"/>
+              </a:ext>
+            </a:extLst>
+          </p:cNvPr>
+          <p:cNvSpPr txBox="1"/>
+          <p:nvPr/>
+        </p:nvSpPr>
+        <p:spPr>
+          <a:xfrm>
+            <a:off x="11901843" y="6450402"/>
+            <a:ext cx="301686" cy="369332"/>
+          </a:xfrm>
+          <a:prstGeom prst="rect">
+            <a:avLst/>
+          </a:prstGeom>
+          <a:noFill/>
+        </p:spPr>
+        <p:txBody>
+          <a:bodyPr wrap="none" rtlCol="0">
+            <a:spAutoFit/>
+          </a:bodyPr>
+          <a:lstStyle/>
+          <a:p>
+            <a:pPr rtl="0"/>
+            <a:r>
+              <a:rPr lang="en-US" b="1" dirty="0">
+                <a:latin typeface="Monseratt"/>
+              </a:rPr>
+              <a:t>7</a:t>
+            </a:r>
+            <a:endParaRPr lang="en-US" sz="2400" b="1" dirty="0">
+              <a:latin typeface="Monseratt"/>
+            </a:endParaRPr>
+          </a:p>
+        </p:txBody>
+      </p:sp>
+    </p:spTree>
+    <p:extLst>
+      <p:ext uri="{BB962C8B-B14F-4D97-AF65-F5344CB8AC3E}">
+        <p14:creationId xmlns:p14="http://schemas.microsoft.com/office/powerpoint/2010/main" val="4190794076"/>
+      </p:ext>
+    </p:extLst>
+  </p:cSld>
+  <p:clrMapOvr>
+    <a:masterClrMapping/>
+  </p:clrMapOvr>
+</p:sld>
+</file>
+
+<file path=ppt/slides/slide8.xml><?xml version="1.0" encoding="utf-8"?>
+<p:sld xmlns:a="http://schemas.openxmlformats.org/drawingml/2006/main" xmlns:r="http://schemas.openxmlformats.org/officeDocument/2006/relationships" xmlns:p="http://schemas.openxmlformats.org/presentationml/2006/main">
+  <p:cSld>
+    <p:bg>
+      <p:bgPr>
+        <a:solidFill>
+          <a:schemeClr val="tx1"/>
+        </a:solidFill>
+        <a:effectLst/>
+      </p:bgPr>
+    </p:bg>
+    <p:spTree>
+      <p:nvGrpSpPr>
+        <p:cNvPr id="1" name=""/>
+        <p:cNvGrpSpPr/>
+        <p:nvPr/>
+      </p:nvGrpSpPr>
+      <p:grpSpPr>
+        <a:xfrm>
+          <a:off x="0" y="0"/>
+          <a:ext cx="0" cy="0"/>
+          <a:chOff x="0" y="0"/>
+          <a:chExt cx="0" cy="0"/>
+        </a:xfrm>
+      </p:grpSpPr>
       <p:sp>
         <p:nvSpPr>
           <p:cNvPr id="44" name="Надпись 43"/>
@@ -12496,48 +12837,13 @@
           </a:p>
         </p:txBody>
       </p:sp>
-    </p:spTree>
-    <p:extLst>
-      <p:ext uri="{BB962C8B-B14F-4D97-AF65-F5344CB8AC3E}">
-        <p14:creationId xmlns:p14="http://schemas.microsoft.com/office/powerpoint/2010/main" val="940780592"/>
-      </p:ext>
-    </p:extLst>
-  </p:cSld>
-  <p:clrMapOvr>
-    <a:masterClrMapping/>
-  </p:clrMapOvr>
-</p:sld>
-</file>
-
-<file path=ppt/slides/slide9.xml><?xml version="1.0" encoding="utf-8"?>
-<p:sld xmlns:a="http://schemas.openxmlformats.org/drawingml/2006/main" xmlns:r="http://schemas.openxmlformats.org/officeDocument/2006/relationships" xmlns:p="http://schemas.openxmlformats.org/presentationml/2006/main">
-  <p:cSld>
-    <p:bg>
-      <p:bgPr>
-        <a:solidFill>
-          <a:schemeClr val="tx1"/>
-        </a:solidFill>
-        <a:effectLst/>
-      </p:bgPr>
-    </p:bg>
-    <p:spTree>
-      <p:nvGrpSpPr>
-        <p:cNvPr id="1" name=""/>
-        <p:cNvGrpSpPr/>
-        <p:nvPr/>
-      </p:nvGrpSpPr>
-      <p:grpSpPr>
-        <a:xfrm>
-          <a:off x="0" y="0"/>
-          <a:ext cx="0" cy="0"/>
-          <a:chOff x="0" y="0"/>
-          <a:chExt cx="0" cy="0"/>
-        </a:xfrm>
-      </p:grpSpPr>
-      <p:sp>
-        <p:nvSpPr>
-          <p:cNvPr id="43" name="Полилиния 42">
+      <p:sp>
+        <p:nvSpPr>
+          <p:cNvPr id="3" name="Полилиния 19">
             <a:extLst>
+              <a:ext uri="{FF2B5EF4-FFF2-40B4-BE49-F238E27FC236}">
+                <a16:creationId xmlns:a16="http://schemas.microsoft.com/office/drawing/2014/main" id="{95595E49-8189-E123-A25B-7DAD9E8A7660}"/>
+              </a:ext>
               <a:ext uri="{C183D7F6-B498-43B3-948B-1728B52AA6E4}">
                 <adec:decorative xmlns:adec="http://schemas.microsoft.com/office/drawing/2017/decorative" val="1"/>
               </a:ext>
@@ -12644,7 +12950,7 @@
             </a:pathLst>
           </a:custGeom>
           <a:solidFill>
-            <a:srgbClr val="00B050"/>
+            <a:schemeClr val="bg1"/>
           </a:solidFill>
           <a:ln>
             <a:noFill/>
@@ -12681,6 +12987,85 @@
           </a:p>
         </p:txBody>
       </p:sp>
+      <p:sp>
+        <p:nvSpPr>
+          <p:cNvPr id="4" name="Надпись 20">
+            <a:extLst>
+              <a:ext uri="{FF2B5EF4-FFF2-40B4-BE49-F238E27FC236}">
+                <a16:creationId xmlns:a16="http://schemas.microsoft.com/office/drawing/2014/main" id="{63E1931E-55BE-CE0B-1C0C-1D99F1944B7D}"/>
+              </a:ext>
+            </a:extLst>
+          </p:cNvPr>
+          <p:cNvSpPr txBox="1"/>
+          <p:nvPr/>
+        </p:nvSpPr>
+        <p:spPr>
+          <a:xfrm>
+            <a:off x="11901843" y="6450402"/>
+            <a:ext cx="301686" cy="369332"/>
+          </a:xfrm>
+          <a:prstGeom prst="rect">
+            <a:avLst/>
+          </a:prstGeom>
+          <a:noFill/>
+        </p:spPr>
+        <p:txBody>
+          <a:bodyPr wrap="none" rtlCol="0">
+            <a:spAutoFit/>
+          </a:bodyPr>
+          <a:lstStyle/>
+          <a:p>
+            <a:pPr rtl="0"/>
+            <a:r>
+              <a:rPr lang="en-US" b="1" dirty="0">
+                <a:latin typeface="Monseratt"/>
+              </a:rPr>
+              <a:t>8</a:t>
+            </a:r>
+            <a:endParaRPr lang="en-US" sz="2400" b="1" dirty="0">
+              <a:latin typeface="Monseratt"/>
+            </a:endParaRPr>
+          </a:p>
+        </p:txBody>
+      </p:sp>
+    </p:spTree>
+    <p:extLst>
+      <p:ext uri="{BB962C8B-B14F-4D97-AF65-F5344CB8AC3E}">
+        <p14:creationId xmlns:p14="http://schemas.microsoft.com/office/powerpoint/2010/main" val="940780592"/>
+      </p:ext>
+    </p:extLst>
+  </p:cSld>
+  <p:clrMapOvr>
+    <a:masterClrMapping/>
+  </p:clrMapOvr>
+</p:sld>
+</file>
+
+<file path=ppt/slides/slide9.xml><?xml version="1.0" encoding="utf-8"?>
+<p:sld xmlns:a="http://schemas.openxmlformats.org/drawingml/2006/main" xmlns:r="http://schemas.openxmlformats.org/officeDocument/2006/relationships" xmlns:p="http://schemas.openxmlformats.org/presentationml/2006/main">
+  <p:cSld>
+    <p:bg>
+      <p:bgPr>
+        <a:solidFill>
+          <a:schemeClr val="tx1"/>
+        </a:solidFill>
+        <a:effectLst/>
+      </p:bgPr>
+    </p:bg>
+    <p:spTree>
+      <p:nvGrpSpPr>
+        <p:cNvPr id="1" name=""/>
+        <p:cNvGrpSpPr/>
+        <p:nvPr/>
+      </p:nvGrpSpPr>
+      <p:grpSpPr>
+        <a:xfrm>
+          <a:off x="0" y="0"/>
+          <a:ext cx="0" cy="0"/>
+          <a:chOff x="0" y="0"/>
+          <a:chExt cx="0" cy="0"/>
+        </a:xfrm>
+      </p:grpSpPr>
       <p:sp>
         <p:nvSpPr>
           <p:cNvPr id="44" name="Надпись 43"/>
@@ -12946,6 +13331,197 @@
           </a:prstGeom>
         </p:spPr>
       </p:pic>
+      <p:sp>
+        <p:nvSpPr>
+          <p:cNvPr id="3" name="Полилиния 19">
+            <a:extLst>
+              <a:ext uri="{FF2B5EF4-FFF2-40B4-BE49-F238E27FC236}">
+                <a16:creationId xmlns:a16="http://schemas.microsoft.com/office/drawing/2014/main" id="{C0581638-4BA0-44EA-9C0F-DBAA4F58589F}"/>
+              </a:ext>
+              <a:ext uri="{C183D7F6-B498-43B3-948B-1728B52AA6E4}">
+                <adec:decorative xmlns:adec="http://schemas.microsoft.com/office/drawing/2017/decorative" val="1"/>
+              </a:ext>
+            </a:extLst>
+          </p:cNvPr>
+          <p:cNvSpPr/>
+          <p:nvPr/>
+        </p:nvSpPr>
+        <p:spPr>
+          <a:xfrm rot="2700000">
+            <a:off x="11788943" y="6333474"/>
+            <a:ext cx="527486" cy="603188"/>
+          </a:xfrm>
+          <a:custGeom>
+            <a:avLst/>
+            <a:gdLst>
+              <a:gd name="connsiteX0" fmla="*/ 110516 w 889463"/>
+              <a:gd name="connsiteY0" fmla="*/ 95275 h 1017114"/>
+              <a:gd name="connsiteX1" fmla="*/ 230452 w 889463"/>
+              <a:gd name="connsiteY1" fmla="*/ 14411 h 1017114"/>
+              <a:gd name="connsiteX2" fmla="*/ 276877 w 889463"/>
+              <a:gd name="connsiteY2" fmla="*/ 0 h 1017114"/>
+              <a:gd name="connsiteX3" fmla="*/ 889463 w 889463"/>
+              <a:gd name="connsiteY3" fmla="*/ 612585 h 1017114"/>
+              <a:gd name="connsiteX4" fmla="*/ 484934 w 889463"/>
+              <a:gd name="connsiteY4" fmla="*/ 1017114 h 1017114"/>
+              <a:gd name="connsiteX5" fmla="*/ 377324 w 889463"/>
+              <a:gd name="connsiteY5" fmla="*/ 1017114 h 1017114"/>
+              <a:gd name="connsiteX6" fmla="*/ 0 w 889463"/>
+              <a:gd name="connsiteY6" fmla="*/ 639790 h 1017114"/>
+              <a:gd name="connsiteX7" fmla="*/ 0 w 889463"/>
+              <a:gd name="connsiteY7" fmla="*/ 362083 h 1017114"/>
+              <a:gd name="connsiteX8" fmla="*/ 110516 w 889463"/>
+              <a:gd name="connsiteY8" fmla="*/ 95275 h 1017114"/>
+            </a:gdLst>
+            <a:ahLst/>
+            <a:cxnLst>
+              <a:cxn ang="0">
+                <a:pos x="connsiteX0" y="connsiteY0"/>
+              </a:cxn>
+              <a:cxn ang="0">
+                <a:pos x="connsiteX1" y="connsiteY1"/>
+              </a:cxn>
+              <a:cxn ang="0">
+                <a:pos x="connsiteX2" y="connsiteY2"/>
+              </a:cxn>
+              <a:cxn ang="0">
+                <a:pos x="connsiteX3" y="connsiteY3"/>
+              </a:cxn>
+              <a:cxn ang="0">
+                <a:pos x="connsiteX4" y="connsiteY4"/>
+              </a:cxn>
+              <a:cxn ang="0">
+                <a:pos x="connsiteX5" y="connsiteY5"/>
+              </a:cxn>
+              <a:cxn ang="0">
+                <a:pos x="connsiteX6" y="connsiteY6"/>
+              </a:cxn>
+              <a:cxn ang="0">
+                <a:pos x="connsiteX7" y="connsiteY7"/>
+              </a:cxn>
+              <a:cxn ang="0">
+                <a:pos x="connsiteX8" y="connsiteY8"/>
+              </a:cxn>
+            </a:cxnLst>
+            <a:rect l="l" t="t" r="r" b="b"/>
+            <a:pathLst>
+              <a:path w="889463" h="1017114">
+                <a:moveTo>
+                  <a:pt x="110516" y="95275"/>
+                </a:moveTo>
+                <a:cubicBezTo>
+                  <a:pt x="144657" y="61133"/>
+                  <a:pt x="185310" y="33504"/>
+                  <a:pt x="230452" y="14411"/>
+                </a:cubicBezTo>
+                <a:lnTo>
+                  <a:pt x="276877" y="0"/>
+                </a:lnTo>
+                <a:lnTo>
+                  <a:pt x="889463" y="612585"/>
+                </a:lnTo>
+                <a:lnTo>
+                  <a:pt x="484934" y="1017114"/>
+                </a:lnTo>
+                <a:lnTo>
+                  <a:pt x="377324" y="1017114"/>
+                </a:lnTo>
+                <a:cubicBezTo>
+                  <a:pt x="168934" y="1017114"/>
+                  <a:pt x="0" y="848180"/>
+                  <a:pt x="0" y="639790"/>
+                </a:cubicBezTo>
+                <a:lnTo>
+                  <a:pt x="0" y="362083"/>
+                </a:lnTo>
+                <a:cubicBezTo>
+                  <a:pt x="0" y="257888"/>
+                  <a:pt x="42234" y="163556"/>
+                  <a:pt x="110516" y="95275"/>
+                </a:cubicBezTo>
+                <a:close/>
+              </a:path>
+            </a:pathLst>
+          </a:custGeom>
+          <a:solidFill>
+            <a:schemeClr val="bg1"/>
+          </a:solidFill>
+          <a:ln>
+            <a:noFill/>
+          </a:ln>
+        </p:spPr>
+        <p:style>
+          <a:lnRef idx="2">
+            <a:schemeClr val="accent1">
+              <a:shade val="50000"/>
+            </a:schemeClr>
+          </a:lnRef>
+          <a:fillRef idx="1">
+            <a:schemeClr val="accent1"/>
+          </a:fillRef>
+          <a:effectRef idx="0">
+            <a:schemeClr val="accent1"/>
+          </a:effectRef>
+          <a:fontRef idx="minor">
+            <a:schemeClr val="lt1"/>
+          </a:fontRef>
+        </p:style>
+        <p:txBody>
+          <a:bodyPr wrap="square" rtlCol="0" anchor="ctr">
+            <a:noAutofit/>
+          </a:bodyPr>
+          <a:lstStyle/>
+          <a:p>
+            <a:pPr algn="ctr" rtl="0"/>
+            <a:endParaRPr lang="ru-RU" dirty="0">
+              <a:solidFill>
+                <a:srgbClr val="98A3AD"/>
+              </a:solidFill>
+            </a:endParaRPr>
+          </a:p>
+        </p:txBody>
+      </p:sp>
+      <p:sp>
+        <p:nvSpPr>
+          <p:cNvPr id="5" name="Надпись 20">
+            <a:extLst>
+              <a:ext uri="{FF2B5EF4-FFF2-40B4-BE49-F238E27FC236}">
+                <a16:creationId xmlns:a16="http://schemas.microsoft.com/office/drawing/2014/main" id="{A9306AAE-2B20-2820-F475-EB8FD7F44CA4}"/>
+              </a:ext>
+            </a:extLst>
+          </p:cNvPr>
+          <p:cNvSpPr txBox="1"/>
+          <p:nvPr/>
+        </p:nvSpPr>
+        <p:spPr>
+          <a:xfrm>
+            <a:off x="11901843" y="6450402"/>
+            <a:ext cx="301686" cy="369332"/>
+          </a:xfrm>
+          <a:prstGeom prst="rect">
+            <a:avLst/>
+          </a:prstGeom>
+          <a:noFill/>
+        </p:spPr>
+        <p:txBody>
+          <a:bodyPr wrap="none" rtlCol="0">
+            <a:spAutoFit/>
+          </a:bodyPr>
+          <a:lstStyle/>
+          <a:p>
+            <a:pPr rtl="0"/>
+            <a:r>
+              <a:rPr lang="en-US" b="1" dirty="0">
+                <a:latin typeface="Monseratt"/>
+              </a:rPr>
+              <a:t>9</a:t>
+            </a:r>
+            <a:endParaRPr lang="en-US" sz="2400" b="1" dirty="0">
+              <a:latin typeface="Monseratt"/>
+            </a:endParaRPr>
+          </a:p>
+        </p:txBody>
+      </p:sp>
     </p:spTree>
     <p:extLst>
       <p:ext uri="{BB962C8B-B14F-4D97-AF65-F5344CB8AC3E}">

--- a/docs/TP-monseratt.pptx
+++ b/docs/TP-monseratt.pptx
@@ -5,28 +5,29 @@
     <p:sldMasterId id="2147483672" r:id="rId1"/>
   </p:sldMasterIdLst>
   <p:notesMasterIdLst>
-    <p:notesMasterId r:id="rId18"/>
+    <p:notesMasterId r:id="rId19"/>
   </p:notesMasterIdLst>
   <p:handoutMasterIdLst>
-    <p:handoutMasterId r:id="rId19"/>
+    <p:handoutMasterId r:id="rId20"/>
   </p:handoutMasterIdLst>
   <p:sldIdLst>
     <p:sldId id="257" r:id="rId2"/>
     <p:sldId id="258" r:id="rId3"/>
-    <p:sldId id="261" r:id="rId4"/>
-    <p:sldId id="259" r:id="rId5"/>
-    <p:sldId id="260" r:id="rId6"/>
-    <p:sldId id="262" r:id="rId7"/>
-    <p:sldId id="272" r:id="rId8"/>
-    <p:sldId id="273" r:id="rId9"/>
-    <p:sldId id="275" r:id="rId10"/>
-    <p:sldId id="276" r:id="rId11"/>
-    <p:sldId id="277" r:id="rId12"/>
-    <p:sldId id="278" r:id="rId13"/>
-    <p:sldId id="280" r:id="rId14"/>
-    <p:sldId id="282" r:id="rId15"/>
-    <p:sldId id="285" r:id="rId16"/>
-    <p:sldId id="284" r:id="rId17"/>
+    <p:sldId id="286" r:id="rId4"/>
+    <p:sldId id="261" r:id="rId5"/>
+    <p:sldId id="259" r:id="rId6"/>
+    <p:sldId id="260" r:id="rId7"/>
+    <p:sldId id="262" r:id="rId8"/>
+    <p:sldId id="272" r:id="rId9"/>
+    <p:sldId id="273" r:id="rId10"/>
+    <p:sldId id="275" r:id="rId11"/>
+    <p:sldId id="276" r:id="rId12"/>
+    <p:sldId id="277" r:id="rId13"/>
+    <p:sldId id="278" r:id="rId14"/>
+    <p:sldId id="280" r:id="rId15"/>
+    <p:sldId id="282" r:id="rId16"/>
+    <p:sldId id="285" r:id="rId17"/>
+    <p:sldId id="284" r:id="rId18"/>
   </p:sldIdLst>
   <p:sldSz cx="12192000" cy="6858000"/>
   <p:notesSz cx="6858000" cy="9144000"/>
@@ -301,7 +302,7 @@
             <a:pPr rtl="0"/>
             <a:fld id="{B4E3835E-24B0-496B-96EE-067346D27389}" type="datetime1">
               <a:rPr lang="ru-RU" smtClean="0"/>
-              <a:t>06.06.2023</a:t>
+              <a:t>11.06.2023</a:t>
             </a:fld>
             <a:endParaRPr lang="ru-RU" dirty="0"/>
           </a:p>
@@ -471,7 +472,7 @@
             <a:fld id="{FF2ED697-B44C-4067-9866-37A6A4B979E8}" type="datetime1">
               <a:rPr lang="ru-RU" smtClean="0"/>
               <a:pPr/>
-              <a:t>06.06.2023</a:t>
+              <a:t>11.06.2023</a:t>
             </a:fld>
             <a:endParaRPr lang="ru-RU" dirty="0"/>
           </a:p>
@@ -904,7 +905,7 @@
     </p:spTree>
     <p:extLst>
       <p:ext uri="{BB962C8B-B14F-4D97-AF65-F5344CB8AC3E}">
-        <p14:creationId xmlns:p14="http://schemas.microsoft.com/office/powerpoint/2010/main" val="2566802909"/>
+        <p14:creationId xmlns:p14="http://schemas.microsoft.com/office/powerpoint/2010/main" val="3501723940"/>
       </p:ext>
     </p:extLst>
   </p:cSld>
@@ -990,7 +991,7 @@
     </p:spTree>
     <p:extLst>
       <p:ext uri="{BB962C8B-B14F-4D97-AF65-F5344CB8AC3E}">
-        <p14:creationId xmlns:p14="http://schemas.microsoft.com/office/powerpoint/2010/main" val="498682783"/>
+        <p14:creationId xmlns:p14="http://schemas.microsoft.com/office/powerpoint/2010/main" val="2566802909"/>
       </p:ext>
     </p:extLst>
   </p:cSld>
@@ -1076,7 +1077,7 @@
     </p:spTree>
     <p:extLst>
       <p:ext uri="{BB962C8B-B14F-4D97-AF65-F5344CB8AC3E}">
-        <p14:creationId xmlns:p14="http://schemas.microsoft.com/office/powerpoint/2010/main" val="4200615144"/>
+        <p14:creationId xmlns:p14="http://schemas.microsoft.com/office/powerpoint/2010/main" val="498682783"/>
       </p:ext>
     </p:extLst>
   </p:cSld>
@@ -1162,7 +1163,7 @@
     </p:spTree>
     <p:extLst>
       <p:ext uri="{BB962C8B-B14F-4D97-AF65-F5344CB8AC3E}">
-        <p14:creationId xmlns:p14="http://schemas.microsoft.com/office/powerpoint/2010/main" val="2839477811"/>
+        <p14:creationId xmlns:p14="http://schemas.microsoft.com/office/powerpoint/2010/main" val="4200615144"/>
       </p:ext>
     </p:extLst>
   </p:cSld>
@@ -1248,7 +1249,7 @@
     </p:spTree>
     <p:extLst>
       <p:ext uri="{BB962C8B-B14F-4D97-AF65-F5344CB8AC3E}">
-        <p14:creationId xmlns:p14="http://schemas.microsoft.com/office/powerpoint/2010/main" val="2009997357"/>
+        <p14:creationId xmlns:p14="http://schemas.microsoft.com/office/powerpoint/2010/main" val="2839477811"/>
       </p:ext>
     </p:extLst>
   </p:cSld>
@@ -1334,7 +1335,7 @@
     </p:spTree>
     <p:extLst>
       <p:ext uri="{BB962C8B-B14F-4D97-AF65-F5344CB8AC3E}">
-        <p14:creationId xmlns:p14="http://schemas.microsoft.com/office/powerpoint/2010/main" val="1993350908"/>
+        <p14:creationId xmlns:p14="http://schemas.microsoft.com/office/powerpoint/2010/main" val="2009997357"/>
       </p:ext>
     </p:extLst>
   </p:cSld>
@@ -1412,6 +1413,92 @@
             <a:fld id="{5FD34AC2-3728-4A8B-B58F-6888FAEC3D20}" type="slidenum">
               <a:rPr lang="ru-RU" smtClean="0"/>
               <a:t>16</a:t>
+            </a:fld>
+            <a:endParaRPr lang="ru-RU" dirty="0"/>
+          </a:p>
+        </p:txBody>
+      </p:sp>
+    </p:spTree>
+    <p:extLst>
+      <p:ext uri="{BB962C8B-B14F-4D97-AF65-F5344CB8AC3E}">
+        <p14:creationId xmlns:p14="http://schemas.microsoft.com/office/powerpoint/2010/main" val="1993350908"/>
+      </p:ext>
+    </p:extLst>
+  </p:cSld>
+  <p:clrMapOvr>
+    <a:masterClrMapping/>
+  </p:clrMapOvr>
+</p:notes>
+</file>
+
+<file path=ppt/notesSlides/notesSlide17.xml><?xml version="1.0" encoding="utf-8"?>
+<p:notes xmlns:a="http://schemas.openxmlformats.org/drawingml/2006/main" xmlns:r="http://schemas.openxmlformats.org/officeDocument/2006/relationships" xmlns:p="http://schemas.openxmlformats.org/presentationml/2006/main">
+  <p:cSld>
+    <p:spTree>
+      <p:nvGrpSpPr>
+        <p:cNvPr id="1" name=""/>
+        <p:cNvGrpSpPr/>
+        <p:nvPr/>
+      </p:nvGrpSpPr>
+      <p:grpSpPr>
+        <a:xfrm>
+          <a:off x="0" y="0"/>
+          <a:ext cx="0" cy="0"/>
+          <a:chOff x="0" y="0"/>
+          <a:chExt cx="0" cy="0"/>
+        </a:xfrm>
+      </p:grpSpPr>
+      <p:sp>
+        <p:nvSpPr>
+          <p:cNvPr id="2" name="Образ слайда 1"/>
+          <p:cNvSpPr>
+            <a:spLocks noGrp="1" noRot="1" noChangeAspect="1"/>
+          </p:cNvSpPr>
+          <p:nvPr>
+            <p:ph type="sldImg"/>
+          </p:nvPr>
+        </p:nvSpPr>
+        <p:spPr/>
+      </p:sp>
+      <p:sp>
+        <p:nvSpPr>
+          <p:cNvPr id="3" name="Заметки 2"/>
+          <p:cNvSpPr>
+            <a:spLocks noGrp="1"/>
+          </p:cNvSpPr>
+          <p:nvPr>
+            <p:ph type="body" idx="1"/>
+          </p:nvPr>
+        </p:nvSpPr>
+        <p:spPr/>
+        <p:txBody>
+          <a:bodyPr rtlCol="0"/>
+          <a:lstStyle/>
+          <a:p>
+            <a:pPr rtl="0"/>
+            <a:endParaRPr lang="ru-RU" dirty="0"/>
+          </a:p>
+        </p:txBody>
+      </p:sp>
+      <p:sp>
+        <p:nvSpPr>
+          <p:cNvPr id="4" name="Номер слайда 3"/>
+          <p:cNvSpPr>
+            <a:spLocks noGrp="1"/>
+          </p:cNvSpPr>
+          <p:nvPr>
+            <p:ph type="sldNum" sz="quarter" idx="10"/>
+          </p:nvPr>
+        </p:nvSpPr>
+        <p:spPr/>
+        <p:txBody>
+          <a:bodyPr rtlCol="0"/>
+          <a:lstStyle/>
+          <a:p>
+            <a:pPr rtl="0"/>
+            <a:fld id="{5FD34AC2-3728-4A8B-B58F-6888FAEC3D20}" type="slidenum">
+              <a:rPr lang="ru-RU" smtClean="0"/>
+              <a:t>17</a:t>
             </a:fld>
             <a:endParaRPr lang="ru-RU" dirty="0"/>
           </a:p>
@@ -1592,7 +1679,7 @@
     </p:spTree>
     <p:extLst>
       <p:ext uri="{BB962C8B-B14F-4D97-AF65-F5344CB8AC3E}">
-        <p14:creationId xmlns:p14="http://schemas.microsoft.com/office/powerpoint/2010/main" val="4239585075"/>
+        <p14:creationId xmlns:p14="http://schemas.microsoft.com/office/powerpoint/2010/main" val="978635081"/>
       </p:ext>
     </p:extLst>
   </p:cSld>
@@ -1678,7 +1765,7 @@
     </p:spTree>
     <p:extLst>
       <p:ext uri="{BB962C8B-B14F-4D97-AF65-F5344CB8AC3E}">
-        <p14:creationId xmlns:p14="http://schemas.microsoft.com/office/powerpoint/2010/main" val="209641402"/>
+        <p14:creationId xmlns:p14="http://schemas.microsoft.com/office/powerpoint/2010/main" val="4239585075"/>
       </p:ext>
     </p:extLst>
   </p:cSld>
@@ -1764,7 +1851,7 @@
     </p:spTree>
     <p:extLst>
       <p:ext uri="{BB962C8B-B14F-4D97-AF65-F5344CB8AC3E}">
-        <p14:creationId xmlns:p14="http://schemas.microsoft.com/office/powerpoint/2010/main" val="3622228726"/>
+        <p14:creationId xmlns:p14="http://schemas.microsoft.com/office/powerpoint/2010/main" val="209641402"/>
       </p:ext>
     </p:extLst>
   </p:cSld>
@@ -1850,7 +1937,7 @@
     </p:spTree>
     <p:extLst>
       <p:ext uri="{BB962C8B-B14F-4D97-AF65-F5344CB8AC3E}">
-        <p14:creationId xmlns:p14="http://schemas.microsoft.com/office/powerpoint/2010/main" val="3606542955"/>
+        <p14:creationId xmlns:p14="http://schemas.microsoft.com/office/powerpoint/2010/main" val="3622228726"/>
       </p:ext>
     </p:extLst>
   </p:cSld>
@@ -1936,7 +2023,7 @@
     </p:spTree>
     <p:extLst>
       <p:ext uri="{BB962C8B-B14F-4D97-AF65-F5344CB8AC3E}">
-        <p14:creationId xmlns:p14="http://schemas.microsoft.com/office/powerpoint/2010/main" val="1986062377"/>
+        <p14:creationId xmlns:p14="http://schemas.microsoft.com/office/powerpoint/2010/main" val="3606542955"/>
       </p:ext>
     </p:extLst>
   </p:cSld>
@@ -2022,7 +2109,7 @@
     </p:spTree>
     <p:extLst>
       <p:ext uri="{BB962C8B-B14F-4D97-AF65-F5344CB8AC3E}">
-        <p14:creationId xmlns:p14="http://schemas.microsoft.com/office/powerpoint/2010/main" val="4262253204"/>
+        <p14:creationId xmlns:p14="http://schemas.microsoft.com/office/powerpoint/2010/main" val="1986062377"/>
       </p:ext>
     </p:extLst>
   </p:cSld>
@@ -2108,7 +2195,7 @@
     </p:spTree>
     <p:extLst>
       <p:ext uri="{BB962C8B-B14F-4D97-AF65-F5344CB8AC3E}">
-        <p14:creationId xmlns:p14="http://schemas.microsoft.com/office/powerpoint/2010/main" val="3501723940"/>
+        <p14:creationId xmlns:p14="http://schemas.microsoft.com/office/powerpoint/2010/main" val="4262253204"/>
       </p:ext>
     </p:extLst>
   </p:cSld>
@@ -2252,7 +2339,7 @@
             <a:pPr rtl="0"/>
             <a:fld id="{F3ED926C-3983-4EBD-9E2A-A8FC299BBE10}" type="datetime1">
               <a:rPr lang="ru-RU" noProof="0" smtClean="0"/>
-              <a:t>06.06.2023</a:t>
+              <a:t>11.06.2023</a:t>
             </a:fld>
             <a:endParaRPr lang="ru-RU" noProof="0" dirty="0"/>
           </a:p>
@@ -2514,7 +2601,7 @@
             <a:pPr rtl="0"/>
             <a:fld id="{BF8A22AC-47C1-4F47-A76D-35CEC9F519B5}" type="datetime1">
               <a:rPr lang="ru-RU" noProof="0" smtClean="0"/>
-              <a:t>06.06.2023</a:t>
+              <a:t>11.06.2023</a:t>
             </a:fld>
             <a:endParaRPr lang="ru-RU" noProof="0" dirty="0"/>
           </a:p>
@@ -2688,7 +2775,7 @@
             <a:pPr rtl="0"/>
             <a:fld id="{9E6A2E8C-46FA-428B-B468-12C757CC4BC2}" type="datetime1">
               <a:rPr lang="ru-RU" noProof="0" smtClean="0"/>
-              <a:t>06.06.2023</a:t>
+              <a:t>11.06.2023</a:t>
             </a:fld>
             <a:endParaRPr lang="ru-RU" noProof="0" dirty="0"/>
           </a:p>
@@ -2872,7 +2959,7 @@
             <a:pPr rtl="0"/>
             <a:fld id="{7178081D-AB76-4C60-897F-0ABDDC97887D}" type="datetime1">
               <a:rPr lang="ru-RU" noProof="0" smtClean="0"/>
-              <a:t>06.06.2023</a:t>
+              <a:t>11.06.2023</a:t>
             </a:fld>
             <a:endParaRPr lang="ru-RU" noProof="0" dirty="0"/>
           </a:p>
@@ -3046,7 +3133,7 @@
             <a:pPr rtl="0"/>
             <a:fld id="{85FE5434-280B-4785-86F9-86B76E5982C1}" type="datetime1">
               <a:rPr lang="ru-RU" noProof="0" smtClean="0"/>
-              <a:t>06.06.2023</a:t>
+              <a:t>11.06.2023</a:t>
             </a:fld>
             <a:endParaRPr lang="ru-RU" noProof="0" dirty="0"/>
           </a:p>
@@ -3296,7 +3383,7 @@
             <a:pPr rtl="0"/>
             <a:fld id="{4B88D45C-BCD0-43BA-83C2-F6F0B37895D4}" type="datetime1">
               <a:rPr lang="ru-RU" noProof="0" smtClean="0"/>
-              <a:t>06.06.2023</a:t>
+              <a:t>11.06.2023</a:t>
             </a:fld>
             <a:endParaRPr lang="ru-RU" noProof="0" dirty="0"/>
           </a:p>
@@ -3532,7 +3619,7 @@
             <a:pPr rtl="0"/>
             <a:fld id="{F33C1669-8B1C-4123-9784-A18D8F22C4F8}" type="datetime1">
               <a:rPr lang="ru-RU" noProof="0" smtClean="0"/>
-              <a:t>06.06.2023</a:t>
+              <a:t>11.06.2023</a:t>
             </a:fld>
             <a:endParaRPr lang="ru-RU" noProof="0" dirty="0"/>
           </a:p>
@@ -3903,7 +3990,7 @@
             <a:pPr rtl="0"/>
             <a:fld id="{0121868B-CDD2-44FA-B5CE-067C1F7F78A1}" type="datetime1">
               <a:rPr lang="ru-RU" noProof="0" smtClean="0"/>
-              <a:t>06.06.2023</a:t>
+              <a:t>11.06.2023</a:t>
             </a:fld>
             <a:endParaRPr lang="ru-RU" noProof="0" dirty="0"/>
           </a:p>
@@ -4025,7 +4112,7 @@
             <a:pPr rtl="0"/>
             <a:fld id="{7A2175D3-4479-4D47-AB09-1DBF425FA495}" type="datetime1">
               <a:rPr lang="ru-RU" noProof="0" smtClean="0"/>
-              <a:t>06.06.2023</a:t>
+              <a:t>11.06.2023</a:t>
             </a:fld>
             <a:endParaRPr lang="ru-RU" noProof="0" dirty="0"/>
           </a:p>
@@ -4123,7 +4210,7 @@
             <a:pPr rtl="0"/>
             <a:fld id="{6AD94B3A-2B16-4BF1-B78B-9A711C7495E6}" type="datetime1">
               <a:rPr lang="ru-RU" noProof="0" smtClean="0"/>
-              <a:t>06.06.2023</a:t>
+              <a:t>11.06.2023</a:t>
             </a:fld>
             <a:endParaRPr lang="ru-RU" noProof="0" dirty="0"/>
           </a:p>
@@ -4430,7 +4517,7 @@
             <a:pPr rtl="0"/>
             <a:fld id="{17CD2F7B-8103-43CB-9E63-BC1602139BC6}" type="datetime1">
               <a:rPr lang="ru-RU" noProof="0" smtClean="0"/>
-              <a:t>06.06.2023</a:t>
+              <a:t>11.06.2023</a:t>
             </a:fld>
             <a:endParaRPr lang="ru-RU" noProof="0" dirty="0"/>
           </a:p>
@@ -5129,7 +5216,7 @@
             <a:pPr rtl="0"/>
             <a:fld id="{7283BC01-A590-45B6-A644-D820576B2725}" type="datetime1">
               <a:rPr lang="ru-RU" noProof="0" smtClean="0"/>
-              <a:t>06.06.2023</a:t>
+              <a:t>11.06.2023</a:t>
             </a:fld>
             <a:endParaRPr lang="ru-RU" noProof="0" dirty="0"/>
           </a:p>
@@ -5344,7 +5431,7 @@
             <a:pPr rtl="0"/>
             <a:fld id="{6E7D9D7F-03B9-42BC-8A2D-FF7FF951CD6B}" type="datetime1">
               <a:rPr lang="ru-RU" noProof="0" smtClean="0"/>
-              <a:t>06.06.2023</a:t>
+              <a:t>11.06.2023</a:t>
             </a:fld>
             <a:endParaRPr lang="ru-RU" noProof="0" dirty="0"/>
           </a:p>
@@ -6066,6 +6153,500 @@
         <p:spPr>
           <a:xfrm>
             <a:off x="11907454" y="6481180"/>
+            <a:ext cx="277640" cy="307777"/>
+          </a:xfrm>
+          <a:prstGeom prst="rect">
+            <a:avLst/>
+          </a:prstGeom>
+          <a:noFill/>
+        </p:spPr>
+        <p:txBody>
+          <a:bodyPr wrap="none" rtlCol="0">
+            <a:spAutoFit/>
+          </a:bodyPr>
+          <a:lstStyle/>
+          <a:p>
+            <a:pPr rtl="0"/>
+            <a:r>
+              <a:rPr lang="ru-RU" sz="1400" b="1" dirty="0"/>
+              <a:t>9</a:t>
+            </a:r>
+          </a:p>
+        </p:txBody>
+      </p:sp>
+      <p:sp>
+        <p:nvSpPr>
+          <p:cNvPr id="62" name="Надпись 61">
+            <a:extLst>
+              <a:ext uri="{FF2B5EF4-FFF2-40B4-BE49-F238E27FC236}">
+                <a16:creationId xmlns:a16="http://schemas.microsoft.com/office/drawing/2014/main" id="{5313BB7D-C5A8-4D5C-B6B7-D0CB9B8FB44E}"/>
+              </a:ext>
+            </a:extLst>
+          </p:cNvPr>
+          <p:cNvSpPr txBox="1"/>
+          <p:nvPr/>
+        </p:nvSpPr>
+        <p:spPr>
+          <a:xfrm>
+            <a:off x="2286251" y="165381"/>
+            <a:ext cx="7619522" cy="738664"/>
+          </a:xfrm>
+          <a:prstGeom prst="rect">
+            <a:avLst/>
+          </a:prstGeom>
+          <a:noFill/>
+        </p:spPr>
+        <p:txBody>
+          <a:bodyPr wrap="none" lIns="0" tIns="0" rIns="0" bIns="0" rtlCol="0">
+            <a:spAutoFit/>
+          </a:bodyPr>
+          <a:lstStyle/>
+          <a:p>
+            <a:pPr algn="ctr" rtl="0">
+              <a:tabLst>
+                <a:tab pos="347663" algn="l"/>
+              </a:tabLst>
+            </a:pPr>
+            <a:r>
+              <a:rPr lang="ru-RU" sz="4800" b="1" dirty="0">
+                <a:solidFill>
+                  <a:schemeClr val="bg1"/>
+                </a:solidFill>
+                <a:latin typeface="Monseratt"/>
+              </a:rPr>
+              <a:t>Пользовательские сценарии</a:t>
+            </a:r>
+          </a:p>
+        </p:txBody>
+      </p:sp>
+      <p:sp>
+        <p:nvSpPr>
+          <p:cNvPr id="2" name="Заголовок 1" hidden="1">
+            <a:extLst>
+              <a:ext uri="{FF2B5EF4-FFF2-40B4-BE49-F238E27FC236}">
+                <a16:creationId xmlns:a16="http://schemas.microsoft.com/office/drawing/2014/main" id="{622A5C56-DFFD-4557-A19C-A250AFFB1D6C}"/>
+              </a:ext>
+            </a:extLst>
+          </p:cNvPr>
+          <p:cNvSpPr>
+            <a:spLocks noGrp="1"/>
+          </p:cNvSpPr>
+          <p:nvPr>
+            <p:ph type="title"/>
+          </p:nvPr>
+        </p:nvSpPr>
+        <p:spPr/>
+        <p:txBody>
+          <a:bodyPr rtlCol="0"/>
+          <a:lstStyle/>
+          <a:p>
+            <a:pPr rtl="0"/>
+            <a:r>
+              <a:rPr lang="ru" dirty="0"/>
+              <a:t>Слайд 6</a:t>
+            </a:r>
+          </a:p>
+        </p:txBody>
+      </p:sp>
+      <p:sp>
+        <p:nvSpPr>
+          <p:cNvPr id="16" name="TextBox 15">
+            <a:extLst>
+              <a:ext uri="{FF2B5EF4-FFF2-40B4-BE49-F238E27FC236}">
+                <a16:creationId xmlns:a16="http://schemas.microsoft.com/office/drawing/2014/main" id="{A814046B-0353-4799-B124-EB6C9FB20CCA}"/>
+              </a:ext>
+            </a:extLst>
+          </p:cNvPr>
+          <p:cNvSpPr txBox="1"/>
+          <p:nvPr/>
+        </p:nvSpPr>
+        <p:spPr>
+          <a:xfrm>
+            <a:off x="476251" y="1528375"/>
+            <a:ext cx="5753100" cy="2308324"/>
+          </a:xfrm>
+          <a:prstGeom prst="rect">
+            <a:avLst/>
+          </a:prstGeom>
+          <a:noFill/>
+        </p:spPr>
+        <p:txBody>
+          <a:bodyPr wrap="square" rtlCol="0">
+            <a:spAutoFit/>
+          </a:bodyPr>
+          <a:lstStyle/>
+          <a:p>
+            <a:pPr marL="285750" indent="-285750">
+              <a:buFont typeface="Arial" panose="020B0604020202020204" pitchFamily="34" charset="0"/>
+              <a:buChar char="•"/>
+            </a:pPr>
+            <a:r>
+              <a:rPr lang="ru-RU" sz="3600" dirty="0">
+                <a:solidFill>
+                  <a:schemeClr val="bg1"/>
+                </a:solidFill>
+                <a:latin typeface="Monseratt"/>
+              </a:rPr>
+              <a:t>Просмотр списка счетов</a:t>
+            </a:r>
+          </a:p>
+          <a:p>
+            <a:pPr marL="285750" indent="-285750">
+              <a:buFont typeface="Arial" panose="020B0604020202020204" pitchFamily="34" charset="0"/>
+              <a:buChar char="•"/>
+            </a:pPr>
+            <a:r>
+              <a:rPr lang="ru-RU" sz="3600" dirty="0">
+                <a:solidFill>
+                  <a:schemeClr val="bg1"/>
+                </a:solidFill>
+                <a:latin typeface="Monseratt"/>
+              </a:rPr>
+              <a:t>Создание счета</a:t>
+            </a:r>
+          </a:p>
+          <a:p>
+            <a:pPr marL="285750" indent="-285750">
+              <a:buFont typeface="Arial" panose="020B0604020202020204" pitchFamily="34" charset="0"/>
+              <a:buChar char="•"/>
+            </a:pPr>
+            <a:r>
+              <a:rPr lang="ru-RU" sz="3600" dirty="0">
+                <a:solidFill>
+                  <a:schemeClr val="bg1"/>
+                </a:solidFill>
+                <a:latin typeface="Monseratt"/>
+              </a:rPr>
+              <a:t>Редактирование счета</a:t>
+            </a:r>
+          </a:p>
+          <a:p>
+            <a:pPr marL="285750" indent="-285750">
+              <a:buFont typeface="Arial" panose="020B0604020202020204" pitchFamily="34" charset="0"/>
+              <a:buChar char="•"/>
+            </a:pPr>
+            <a:r>
+              <a:rPr lang="ru-RU" sz="3600" dirty="0">
+                <a:solidFill>
+                  <a:schemeClr val="bg1"/>
+                </a:solidFill>
+                <a:latin typeface="Monseratt"/>
+              </a:rPr>
+              <a:t>Удаление счета</a:t>
+            </a:r>
+          </a:p>
+        </p:txBody>
+      </p:sp>
+      <p:pic>
+        <p:nvPicPr>
+          <p:cNvPr id="4" name="Рисунок 3">
+            <a:extLst>
+              <a:ext uri="{FF2B5EF4-FFF2-40B4-BE49-F238E27FC236}">
+                <a16:creationId xmlns:a16="http://schemas.microsoft.com/office/drawing/2014/main" id="{70FBC729-666D-4400-BAD6-009049058249}"/>
+              </a:ext>
+            </a:extLst>
+          </p:cNvPr>
+          <p:cNvPicPr>
+            <a:picLocks noChangeAspect="1"/>
+          </p:cNvPicPr>
+          <p:nvPr/>
+        </p:nvPicPr>
+        <p:blipFill>
+          <a:blip r:embed="rId3">
+            <a:extLst>
+              <a:ext uri="{28A0092B-C50C-407E-A947-70E740481C1C}">
+                <a14:useLocalDpi xmlns:a14="http://schemas.microsoft.com/office/drawing/2010/main" val="0"/>
+              </a:ext>
+            </a:extLst>
+          </a:blip>
+          <a:stretch>
+            <a:fillRect/>
+          </a:stretch>
+        </p:blipFill>
+        <p:spPr>
+          <a:xfrm>
+            <a:off x="6605789" y="1294839"/>
+            <a:ext cx="2133602" cy="4741337"/>
+          </a:xfrm>
+          <a:prstGeom prst="rect">
+            <a:avLst/>
+          </a:prstGeom>
+        </p:spPr>
+      </p:pic>
+      <p:pic>
+        <p:nvPicPr>
+          <p:cNvPr id="8" name="Рисунок 7">
+            <a:extLst>
+              <a:ext uri="{FF2B5EF4-FFF2-40B4-BE49-F238E27FC236}">
+                <a16:creationId xmlns:a16="http://schemas.microsoft.com/office/drawing/2014/main" id="{75B2D3C5-30B0-4A61-B0D1-C2D2BE7F6160}"/>
+              </a:ext>
+            </a:extLst>
+          </p:cNvPr>
+          <p:cNvPicPr>
+            <a:picLocks noChangeAspect="1"/>
+          </p:cNvPicPr>
+          <p:nvPr/>
+        </p:nvPicPr>
+        <p:blipFill>
+          <a:blip r:embed="rId4">
+            <a:extLst>
+              <a:ext uri="{28A0092B-C50C-407E-A947-70E740481C1C}">
+                <a14:useLocalDpi xmlns:a14="http://schemas.microsoft.com/office/drawing/2010/main" val="0"/>
+              </a:ext>
+            </a:extLst>
+          </a:blip>
+          <a:stretch>
+            <a:fillRect/>
+          </a:stretch>
+        </p:blipFill>
+        <p:spPr>
+          <a:xfrm>
+            <a:off x="8953500" y="1294838"/>
+            <a:ext cx="2133602" cy="4741338"/>
+          </a:xfrm>
+          <a:prstGeom prst="rect">
+            <a:avLst/>
+          </a:prstGeom>
+        </p:spPr>
+      </p:pic>
+      <p:sp>
+        <p:nvSpPr>
+          <p:cNvPr id="3" name="Полилиния 19">
+            <a:extLst>
+              <a:ext uri="{FF2B5EF4-FFF2-40B4-BE49-F238E27FC236}">
+                <a16:creationId xmlns:a16="http://schemas.microsoft.com/office/drawing/2014/main" id="{C0581638-4BA0-44EA-9C0F-DBAA4F58589F}"/>
+              </a:ext>
+              <a:ext uri="{C183D7F6-B498-43B3-948B-1728B52AA6E4}">
+                <adec:decorative xmlns:adec="http://schemas.microsoft.com/office/drawing/2017/decorative" val="1"/>
+              </a:ext>
+            </a:extLst>
+          </p:cNvPr>
+          <p:cNvSpPr/>
+          <p:nvPr/>
+        </p:nvSpPr>
+        <p:spPr>
+          <a:xfrm rot="2700000">
+            <a:off x="11788943" y="6333474"/>
+            <a:ext cx="527486" cy="603188"/>
+          </a:xfrm>
+          <a:custGeom>
+            <a:avLst/>
+            <a:gdLst>
+              <a:gd name="connsiteX0" fmla="*/ 110516 w 889463"/>
+              <a:gd name="connsiteY0" fmla="*/ 95275 h 1017114"/>
+              <a:gd name="connsiteX1" fmla="*/ 230452 w 889463"/>
+              <a:gd name="connsiteY1" fmla="*/ 14411 h 1017114"/>
+              <a:gd name="connsiteX2" fmla="*/ 276877 w 889463"/>
+              <a:gd name="connsiteY2" fmla="*/ 0 h 1017114"/>
+              <a:gd name="connsiteX3" fmla="*/ 889463 w 889463"/>
+              <a:gd name="connsiteY3" fmla="*/ 612585 h 1017114"/>
+              <a:gd name="connsiteX4" fmla="*/ 484934 w 889463"/>
+              <a:gd name="connsiteY4" fmla="*/ 1017114 h 1017114"/>
+              <a:gd name="connsiteX5" fmla="*/ 377324 w 889463"/>
+              <a:gd name="connsiteY5" fmla="*/ 1017114 h 1017114"/>
+              <a:gd name="connsiteX6" fmla="*/ 0 w 889463"/>
+              <a:gd name="connsiteY6" fmla="*/ 639790 h 1017114"/>
+              <a:gd name="connsiteX7" fmla="*/ 0 w 889463"/>
+              <a:gd name="connsiteY7" fmla="*/ 362083 h 1017114"/>
+              <a:gd name="connsiteX8" fmla="*/ 110516 w 889463"/>
+              <a:gd name="connsiteY8" fmla="*/ 95275 h 1017114"/>
+            </a:gdLst>
+            <a:ahLst/>
+            <a:cxnLst>
+              <a:cxn ang="0">
+                <a:pos x="connsiteX0" y="connsiteY0"/>
+              </a:cxn>
+              <a:cxn ang="0">
+                <a:pos x="connsiteX1" y="connsiteY1"/>
+              </a:cxn>
+              <a:cxn ang="0">
+                <a:pos x="connsiteX2" y="connsiteY2"/>
+              </a:cxn>
+              <a:cxn ang="0">
+                <a:pos x="connsiteX3" y="connsiteY3"/>
+              </a:cxn>
+              <a:cxn ang="0">
+                <a:pos x="connsiteX4" y="connsiteY4"/>
+              </a:cxn>
+              <a:cxn ang="0">
+                <a:pos x="connsiteX5" y="connsiteY5"/>
+              </a:cxn>
+              <a:cxn ang="0">
+                <a:pos x="connsiteX6" y="connsiteY6"/>
+              </a:cxn>
+              <a:cxn ang="0">
+                <a:pos x="connsiteX7" y="connsiteY7"/>
+              </a:cxn>
+              <a:cxn ang="0">
+                <a:pos x="connsiteX8" y="connsiteY8"/>
+              </a:cxn>
+            </a:cxnLst>
+            <a:rect l="l" t="t" r="r" b="b"/>
+            <a:pathLst>
+              <a:path w="889463" h="1017114">
+                <a:moveTo>
+                  <a:pt x="110516" y="95275"/>
+                </a:moveTo>
+                <a:cubicBezTo>
+                  <a:pt x="144657" y="61133"/>
+                  <a:pt x="185310" y="33504"/>
+                  <a:pt x="230452" y="14411"/>
+                </a:cubicBezTo>
+                <a:lnTo>
+                  <a:pt x="276877" y="0"/>
+                </a:lnTo>
+                <a:lnTo>
+                  <a:pt x="889463" y="612585"/>
+                </a:lnTo>
+                <a:lnTo>
+                  <a:pt x="484934" y="1017114"/>
+                </a:lnTo>
+                <a:lnTo>
+                  <a:pt x="377324" y="1017114"/>
+                </a:lnTo>
+                <a:cubicBezTo>
+                  <a:pt x="168934" y="1017114"/>
+                  <a:pt x="0" y="848180"/>
+                  <a:pt x="0" y="639790"/>
+                </a:cubicBezTo>
+                <a:lnTo>
+                  <a:pt x="0" y="362083"/>
+                </a:lnTo>
+                <a:cubicBezTo>
+                  <a:pt x="0" y="257888"/>
+                  <a:pt x="42234" y="163556"/>
+                  <a:pt x="110516" y="95275"/>
+                </a:cubicBezTo>
+                <a:close/>
+              </a:path>
+            </a:pathLst>
+          </a:custGeom>
+          <a:solidFill>
+            <a:schemeClr val="bg1"/>
+          </a:solidFill>
+          <a:ln>
+            <a:noFill/>
+          </a:ln>
+        </p:spPr>
+        <p:style>
+          <a:lnRef idx="2">
+            <a:schemeClr val="accent1">
+              <a:shade val="50000"/>
+            </a:schemeClr>
+          </a:lnRef>
+          <a:fillRef idx="1">
+            <a:schemeClr val="accent1"/>
+          </a:fillRef>
+          <a:effectRef idx="0">
+            <a:schemeClr val="accent1"/>
+          </a:effectRef>
+          <a:fontRef idx="minor">
+            <a:schemeClr val="lt1"/>
+          </a:fontRef>
+        </p:style>
+        <p:txBody>
+          <a:bodyPr wrap="square" rtlCol="0" anchor="ctr">
+            <a:noAutofit/>
+          </a:bodyPr>
+          <a:lstStyle/>
+          <a:p>
+            <a:pPr algn="ctr" rtl="0"/>
+            <a:endParaRPr lang="ru-RU" dirty="0">
+              <a:solidFill>
+                <a:srgbClr val="98A3AD"/>
+              </a:solidFill>
+            </a:endParaRPr>
+          </a:p>
+        </p:txBody>
+      </p:sp>
+      <p:sp>
+        <p:nvSpPr>
+          <p:cNvPr id="5" name="Надпись 20">
+            <a:extLst>
+              <a:ext uri="{FF2B5EF4-FFF2-40B4-BE49-F238E27FC236}">
+                <a16:creationId xmlns:a16="http://schemas.microsoft.com/office/drawing/2014/main" id="{A9306AAE-2B20-2820-F475-EB8FD7F44CA4}"/>
+              </a:ext>
+            </a:extLst>
+          </p:cNvPr>
+          <p:cNvSpPr txBox="1"/>
+          <p:nvPr/>
+        </p:nvSpPr>
+        <p:spPr>
+          <a:xfrm>
+            <a:off x="11901843" y="6450402"/>
+            <a:ext cx="301686" cy="369332"/>
+          </a:xfrm>
+          <a:prstGeom prst="rect">
+            <a:avLst/>
+          </a:prstGeom>
+          <a:noFill/>
+        </p:spPr>
+        <p:txBody>
+          <a:bodyPr wrap="none" rtlCol="0">
+            <a:spAutoFit/>
+          </a:bodyPr>
+          <a:lstStyle/>
+          <a:p>
+            <a:pPr rtl="0"/>
+            <a:r>
+              <a:rPr lang="en-US" b="1" dirty="0">
+                <a:latin typeface="Monseratt"/>
+              </a:rPr>
+              <a:t>9</a:t>
+            </a:r>
+            <a:endParaRPr lang="en-US" sz="2400" b="1" dirty="0">
+              <a:latin typeface="Monseratt"/>
+            </a:endParaRPr>
+          </a:p>
+        </p:txBody>
+      </p:sp>
+    </p:spTree>
+    <p:extLst>
+      <p:ext uri="{BB962C8B-B14F-4D97-AF65-F5344CB8AC3E}">
+        <p14:creationId xmlns:p14="http://schemas.microsoft.com/office/powerpoint/2010/main" val="995934464"/>
+      </p:ext>
+    </p:extLst>
+  </p:cSld>
+  <p:clrMapOvr>
+    <a:masterClrMapping/>
+  </p:clrMapOvr>
+</p:sld>
+</file>
+
+<file path=ppt/slides/slide11.xml><?xml version="1.0" encoding="utf-8"?>
+<p:sld xmlns:a="http://schemas.openxmlformats.org/drawingml/2006/main" xmlns:r="http://schemas.openxmlformats.org/officeDocument/2006/relationships" xmlns:p="http://schemas.openxmlformats.org/presentationml/2006/main">
+  <p:cSld>
+    <p:bg>
+      <p:bgPr>
+        <a:solidFill>
+          <a:schemeClr val="tx1"/>
+        </a:solidFill>
+        <a:effectLst/>
+      </p:bgPr>
+    </p:bg>
+    <p:spTree>
+      <p:nvGrpSpPr>
+        <p:cNvPr id="1" name=""/>
+        <p:cNvGrpSpPr/>
+        <p:nvPr/>
+      </p:nvGrpSpPr>
+      <p:grpSpPr>
+        <a:xfrm>
+          <a:off x="0" y="0"/>
+          <a:ext cx="0" cy="0"/>
+          <a:chOff x="0" y="0"/>
+          <a:chExt cx="0" cy="0"/>
+        </a:xfrm>
+      </p:grpSpPr>
+      <p:sp>
+        <p:nvSpPr>
+          <p:cNvPr id="44" name="Надпись 43"/>
+          <p:cNvSpPr txBox="1"/>
+          <p:nvPr/>
+        </p:nvSpPr>
+        <p:spPr>
+          <a:xfrm>
+            <a:off x="11907454" y="6481180"/>
             <a:ext cx="341760" cy="307777"/>
           </a:xfrm>
           <a:prstGeom prst="rect">
@@ -6511,7 +7092,7 @@
 </p:sld>
 </file>
 
-<file path=ppt/slides/slide11.xml><?xml version="1.0" encoding="utf-8"?>
+<file path=ppt/slides/slide12.xml><?xml version="1.0" encoding="utf-8"?>
 <p:sld xmlns:a="http://schemas.openxmlformats.org/drawingml/2006/main" xmlns:r="http://schemas.openxmlformats.org/officeDocument/2006/relationships" xmlns:p="http://schemas.openxmlformats.org/presentationml/2006/main">
   <p:cSld>
     <p:bg>
@@ -6990,7 +7571,7 @@
 </p:sld>
 </file>
 
-<file path=ppt/slides/slide12.xml><?xml version="1.0" encoding="utf-8"?>
+<file path=ppt/slides/slide13.xml><?xml version="1.0" encoding="utf-8"?>
 <p:sld xmlns:a="http://schemas.openxmlformats.org/drawingml/2006/main" xmlns:r="http://schemas.openxmlformats.org/officeDocument/2006/relationships" xmlns:p="http://schemas.openxmlformats.org/presentationml/2006/main">
   <p:cSld>
     <p:bg>
@@ -7403,7 +7984,7 @@
 </p:sld>
 </file>
 
-<file path=ppt/slides/slide13.xml><?xml version="1.0" encoding="utf-8"?>
+<file path=ppt/slides/slide14.xml><?xml version="1.0" encoding="utf-8"?>
 <p:sld xmlns:a="http://schemas.openxmlformats.org/drawingml/2006/main" xmlns:r="http://schemas.openxmlformats.org/officeDocument/2006/relationships" xmlns:p="http://schemas.openxmlformats.org/presentationml/2006/main">
   <p:cSld>
     <p:bg>
@@ -7933,7 +8514,7 @@
 </p:sld>
 </file>
 
-<file path=ppt/slides/slide14.xml><?xml version="1.0" encoding="utf-8"?>
+<file path=ppt/slides/slide15.xml><?xml version="1.0" encoding="utf-8"?>
 <p:sld xmlns:a="http://schemas.openxmlformats.org/drawingml/2006/main" xmlns:r="http://schemas.openxmlformats.org/officeDocument/2006/relationships" xmlns:p="http://schemas.openxmlformats.org/presentationml/2006/main">
   <p:cSld>
     <p:bg>
@@ -8477,7 +9058,7 @@
 </p:sld>
 </file>
 
-<file path=ppt/slides/slide15.xml><?xml version="1.0" encoding="utf-8"?>
+<file path=ppt/slides/slide16.xml><?xml version="1.0" encoding="utf-8"?>
 <p:sld xmlns:a="http://schemas.openxmlformats.org/drawingml/2006/main" xmlns:r="http://schemas.openxmlformats.org/officeDocument/2006/relationships" xmlns:p="http://schemas.openxmlformats.org/presentationml/2006/main">
   <p:cSld>
     <p:bg>
@@ -8954,7 +9535,7 @@
 </p:sld>
 </file>
 
-<file path=ppt/slides/slide16.xml><?xml version="1.0" encoding="utf-8"?>
+<file path=ppt/slides/slide17.xml><?xml version="1.0" encoding="utf-8"?>
 <p:sld xmlns:a="http://schemas.openxmlformats.org/drawingml/2006/main" xmlns:r="http://schemas.openxmlformats.org/officeDocument/2006/relationships" xmlns:p="http://schemas.openxmlformats.org/presentationml/2006/main">
   <p:cSld>
     <p:bg>
@@ -9546,8 +10127,8 @@
         </p:nvSpPr>
         <p:spPr>
           <a:xfrm>
-            <a:off x="4660800" y="165381"/>
-            <a:ext cx="2870401" cy="738664"/>
+            <a:off x="2125592" y="165381"/>
+            <a:ext cx="7940828" cy="738664"/>
           </a:xfrm>
           <a:prstGeom prst="rect">
             <a:avLst/>
@@ -9572,7 +10153,7 @@
                 </a:solidFill>
                 <a:latin typeface="Monseratt"/>
               </a:rPr>
-              <a:t>Проблемы</a:t>
+              <a:t>Распределение обязанностей</a:t>
             </a:r>
           </a:p>
         </p:txBody>
@@ -9794,92 +10375,428 @@
           </a:p>
         </p:txBody>
       </p:sp>
-      <p:sp>
-        <p:nvSpPr>
-          <p:cNvPr id="5" name="TextBox 4">
+      <p:graphicFrame>
+        <p:nvGraphicFramePr>
+          <p:cNvPr id="3" name="Таблица 3">
             <a:extLst>
               <a:ext uri="{FF2B5EF4-FFF2-40B4-BE49-F238E27FC236}">
-                <a16:creationId xmlns:a16="http://schemas.microsoft.com/office/drawing/2014/main" id="{F47F264A-B5D3-4273-B8A6-27AC0674A2AA}"/>
+                <a16:creationId xmlns:a16="http://schemas.microsoft.com/office/drawing/2014/main" id="{BAB0D6BC-0D33-402F-FF39-2B5EF22E032A}"/>
               </a:ext>
             </a:extLst>
           </p:cNvPr>
-          <p:cNvSpPr txBox="1"/>
-          <p:nvPr/>
-        </p:nvSpPr>
-        <p:spPr>
-          <a:xfrm>
-            <a:off x="760021" y="1145969"/>
-            <a:ext cx="10741231" cy="2062103"/>
-          </a:xfrm>
-          <a:prstGeom prst="rect">
-            <a:avLst/>
-          </a:prstGeom>
-          <a:noFill/>
-        </p:spPr>
-        <p:txBody>
-          <a:bodyPr wrap="square" rtlCol="0">
-            <a:spAutoFit/>
-          </a:bodyPr>
-          <a:lstStyle/>
-          <a:p>
-            <a:pPr marL="457200" indent="-457200">
-              <a:buFont typeface="Arial" panose="020B0604020202020204" pitchFamily="34" charset="0"/>
-              <a:buChar char="•"/>
-            </a:pPr>
-            <a:r>
-              <a:rPr lang="ru-RU" sz="3200" dirty="0">
-                <a:solidFill>
-                  <a:schemeClr val="bg1"/>
-                </a:solidFill>
-                <a:latin typeface="Monseratt"/>
-              </a:rPr>
-              <a:t>Контроль над финансами</a:t>
-            </a:r>
-            <a:endParaRPr lang="en-US" sz="3200" dirty="0">
-              <a:solidFill>
-                <a:schemeClr val="bg1"/>
-              </a:solidFill>
-              <a:latin typeface="Monseratt"/>
-            </a:endParaRPr>
-          </a:p>
-          <a:p>
-            <a:pPr marL="457200" indent="-457200">
-              <a:buFont typeface="Arial" panose="020B0604020202020204" pitchFamily="34" charset="0"/>
-              <a:buChar char="•"/>
-            </a:pPr>
-            <a:r>
-              <a:rPr lang="ru-RU" sz="3200" dirty="0">
-                <a:solidFill>
-                  <a:schemeClr val="bg1"/>
-                </a:solidFill>
-                <a:latin typeface="Monseratt"/>
-              </a:rPr>
-              <a:t>Ограниченные функциональные возможности существующих приложений</a:t>
-            </a:r>
-          </a:p>
-          <a:p>
-            <a:pPr marL="457200" indent="-457200">
-              <a:buFont typeface="Arial" panose="020B0604020202020204" pitchFamily="34" charset="0"/>
-              <a:buChar char="•"/>
-            </a:pPr>
-            <a:r>
-              <a:rPr lang="ru-RU" sz="3200" dirty="0">
-                <a:solidFill>
-                  <a:schemeClr val="bg1"/>
-                </a:solidFill>
-                <a:latin typeface="Monseratt"/>
-              </a:rPr>
-              <a:t>Совместное управление бюджетом</a:t>
-            </a:r>
-            <a:endParaRPr lang="en-US" sz="3200" dirty="0">
-              <a:solidFill>
-                <a:schemeClr val="bg1"/>
-              </a:solidFill>
-              <a:latin typeface="Monseratt"/>
-            </a:endParaRPr>
-          </a:p>
-        </p:txBody>
-      </p:sp>
+          <p:cNvGraphicFramePr>
+            <a:graphicFrameLocks noGrp="1"/>
+          </p:cNvGraphicFramePr>
+          <p:nvPr>
+            <p:extLst>
+              <p:ext uri="{D42A27DB-BD31-4B8C-83A1-F6EECF244321}">
+                <p14:modId xmlns:p14="http://schemas.microsoft.com/office/powerpoint/2010/main" val="1446179822"/>
+              </p:ext>
+            </p:extLst>
+          </p:nvPr>
+        </p:nvGraphicFramePr>
+        <p:xfrm>
+          <a:off x="712519" y="1128032"/>
+          <a:ext cx="10586852" cy="5107282"/>
+        </p:xfrm>
+        <a:graphic>
+          <a:graphicData uri="http://schemas.openxmlformats.org/drawingml/2006/table">
+            <a:tbl>
+              <a:tblPr firstRow="1" bandRow="1">
+                <a:tableStyleId>{7DF18680-E054-41AD-8BC1-D1AEF772440D}</a:tableStyleId>
+              </a:tblPr>
+              <a:tblGrid>
+                <a:gridCol w="5293426">
+                  <a:extLst>
+                    <a:ext uri="{9D8B030D-6E8A-4147-A177-3AD203B41FA5}">
+                      <a16:colId xmlns:a16="http://schemas.microsoft.com/office/drawing/2014/main" val="3351743576"/>
+                    </a:ext>
+                  </a:extLst>
+                </a:gridCol>
+                <a:gridCol w="5293426">
+                  <a:extLst>
+                    <a:ext uri="{9D8B030D-6E8A-4147-A177-3AD203B41FA5}">
+                      <a16:colId xmlns:a16="http://schemas.microsoft.com/office/drawing/2014/main" val="2933220907"/>
+                    </a:ext>
+                  </a:extLst>
+                </a:gridCol>
+              </a:tblGrid>
+              <a:tr h="666962">
+                <a:tc>
+                  <a:txBody>
+                    <a:bodyPr/>
+                    <a:lstStyle/>
+                    <a:p>
+                      <a:pPr algn="ctr"/>
+                      <a:r>
+                        <a:rPr lang="ru-RU" sz="3200" b="0" dirty="0">
+                          <a:ln>
+                            <a:solidFill>
+                              <a:schemeClr val="bg1"/>
+                            </a:solidFill>
+                          </a:ln>
+                          <a:solidFill>
+                            <a:schemeClr val="bg1"/>
+                          </a:solidFill>
+                          <a:latin typeface="Monseratt"/>
+                        </a:rPr>
+                        <a:t>Член команды</a:t>
+                      </a:r>
+                    </a:p>
+                  </a:txBody>
+                  <a:tcPr>
+                    <a:solidFill>
+                      <a:schemeClr val="tx1"/>
+                    </a:solidFill>
+                  </a:tcPr>
+                </a:tc>
+                <a:tc>
+                  <a:txBody>
+                    <a:bodyPr/>
+                    <a:lstStyle/>
+                    <a:p>
+                      <a:pPr algn="ctr"/>
+                      <a:r>
+                        <a:rPr lang="ru-RU" sz="3200" b="0" dirty="0">
+                          <a:ln>
+                            <a:solidFill>
+                              <a:schemeClr val="bg1"/>
+                            </a:solidFill>
+                          </a:ln>
+                          <a:solidFill>
+                            <a:schemeClr val="bg1"/>
+                          </a:solidFill>
+                          <a:latin typeface="Monseratt"/>
+                        </a:rPr>
+                        <a:t>Обязанности</a:t>
+                      </a:r>
+                    </a:p>
+                  </a:txBody>
+                  <a:tcPr>
+                    <a:solidFill>
+                      <a:schemeClr val="tx1"/>
+                    </a:solidFill>
+                  </a:tcPr>
+                </a:tc>
+                <a:extLst>
+                  <a:ext uri="{0D108BD9-81ED-4DB2-BD59-A6C34878D82A}">
+                    <a16:rowId xmlns:a16="http://schemas.microsoft.com/office/drawing/2014/main" val="4269593142"/>
+                  </a:ext>
+                </a:extLst>
+              </a:tr>
+              <a:tr h="1644563">
+                <a:tc>
+                  <a:txBody>
+                    <a:bodyPr/>
+                    <a:lstStyle/>
+                    <a:p>
+                      <a:r>
+                        <a:rPr lang="ru-RU" sz="2400" dirty="0" err="1">
+                          <a:ln>
+                            <a:solidFill>
+                              <a:schemeClr val="bg1"/>
+                            </a:solidFill>
+                          </a:ln>
+                          <a:solidFill>
+                            <a:schemeClr val="bg1"/>
+                          </a:solidFill>
+                          <a:latin typeface="Monseratt"/>
+                        </a:rPr>
+                        <a:t>Змаев</a:t>
+                      </a:r>
+                      <a:r>
+                        <a:rPr lang="ru-RU" sz="2400" dirty="0">
+                          <a:ln>
+                            <a:solidFill>
+                              <a:schemeClr val="bg1"/>
+                            </a:solidFill>
+                          </a:ln>
+                          <a:solidFill>
+                            <a:schemeClr val="bg1"/>
+                          </a:solidFill>
+                          <a:latin typeface="Monseratt"/>
+                        </a:rPr>
+                        <a:t> Даниил</a:t>
+                      </a:r>
+                    </a:p>
+                  </a:txBody>
+                  <a:tcPr>
+                    <a:solidFill>
+                      <a:schemeClr val="tx1"/>
+                    </a:solidFill>
+                  </a:tcPr>
+                </a:tc>
+                <a:tc>
+                  <a:txBody>
+                    <a:bodyPr/>
+                    <a:lstStyle/>
+                    <a:p>
+                      <a:pPr marL="285750" indent="-285750">
+                        <a:buFont typeface="Arial" panose="020B0604020202020204" pitchFamily="34" charset="0"/>
+                        <a:buChar char="•"/>
+                      </a:pPr>
+                      <a:r>
+                        <a:rPr lang="ru-RU" sz="2400" dirty="0">
+                          <a:ln>
+                            <a:solidFill>
+                              <a:schemeClr val="bg1"/>
+                            </a:solidFill>
+                          </a:ln>
+                          <a:solidFill>
+                            <a:schemeClr val="bg1"/>
+                          </a:solidFill>
+                          <a:latin typeface="Monseratt"/>
+                        </a:rPr>
+                        <a:t>Разработка клиентской части</a:t>
+                      </a:r>
+                    </a:p>
+                    <a:p>
+                      <a:pPr marL="285750" indent="-285750">
+                        <a:buFont typeface="Arial" panose="020B0604020202020204" pitchFamily="34" charset="0"/>
+                        <a:buChar char="•"/>
+                      </a:pPr>
+                      <a:r>
+                        <a:rPr lang="ru-RU" sz="2400" dirty="0">
+                          <a:ln>
+                            <a:solidFill>
+                              <a:schemeClr val="bg1"/>
+                            </a:solidFill>
+                          </a:ln>
+                          <a:solidFill>
+                            <a:schemeClr val="bg1"/>
+                          </a:solidFill>
+                          <a:latin typeface="Monseratt"/>
+                        </a:rPr>
+                        <a:t>Создание технического задания</a:t>
+                      </a:r>
+                    </a:p>
+                    <a:p>
+                      <a:pPr marL="285750" indent="-285750">
+                        <a:buFont typeface="Arial" panose="020B0604020202020204" pitchFamily="34" charset="0"/>
+                        <a:buChar char="•"/>
+                      </a:pPr>
+                      <a:r>
+                        <a:rPr lang="ru-RU" sz="2400" dirty="0">
+                          <a:ln>
+                            <a:solidFill>
+                              <a:schemeClr val="bg1"/>
+                            </a:solidFill>
+                          </a:ln>
+                          <a:solidFill>
+                            <a:schemeClr val="bg1"/>
+                          </a:solidFill>
+                          <a:latin typeface="Monseratt"/>
+                        </a:rPr>
+                        <a:t>Аналитика</a:t>
+                      </a:r>
+                    </a:p>
+                  </a:txBody>
+                  <a:tcPr>
+                    <a:solidFill>
+                      <a:schemeClr val="tx1"/>
+                    </a:solidFill>
+                  </a:tcPr>
+                </a:tc>
+                <a:extLst>
+                  <a:ext uri="{0D108BD9-81ED-4DB2-BD59-A6C34878D82A}">
+                    <a16:rowId xmlns:a16="http://schemas.microsoft.com/office/drawing/2014/main" val="105803817"/>
+                  </a:ext>
+                </a:extLst>
+              </a:tr>
+              <a:tr h="1644563">
+                <a:tc>
+                  <a:txBody>
+                    <a:bodyPr/>
+                    <a:lstStyle/>
+                    <a:p>
+                      <a:r>
+                        <a:rPr lang="ru-RU" sz="2400" dirty="0">
+                          <a:ln>
+                            <a:solidFill>
+                              <a:schemeClr val="bg1"/>
+                            </a:solidFill>
+                          </a:ln>
+                          <a:solidFill>
+                            <a:schemeClr val="bg1"/>
+                          </a:solidFill>
+                          <a:latin typeface="Monseratt"/>
+                        </a:rPr>
+                        <a:t>Мамонов Дмитрий</a:t>
+                      </a:r>
+                    </a:p>
+                  </a:txBody>
+                  <a:tcPr>
+                    <a:solidFill>
+                      <a:schemeClr val="tx1"/>
+                    </a:solidFill>
+                  </a:tcPr>
+                </a:tc>
+                <a:tc>
+                  <a:txBody>
+                    <a:bodyPr/>
+                    <a:lstStyle/>
+                    <a:p>
+                      <a:pPr marL="285750" indent="-285750">
+                        <a:buFont typeface="Arial" panose="020B0604020202020204" pitchFamily="34" charset="0"/>
+                        <a:buChar char="•"/>
+                      </a:pPr>
+                      <a:r>
+                        <a:rPr lang="ru-RU" sz="2400" dirty="0">
+                          <a:ln>
+                            <a:solidFill>
+                              <a:schemeClr val="bg1"/>
+                            </a:solidFill>
+                          </a:ln>
+                          <a:solidFill>
+                            <a:schemeClr val="bg1"/>
+                          </a:solidFill>
+                          <a:latin typeface="Monseratt"/>
+                        </a:rPr>
+                        <a:t>Разработка серверной части</a:t>
+                      </a:r>
+                    </a:p>
+                    <a:p>
+                      <a:pPr marL="285750" indent="-285750">
+                        <a:buFont typeface="Arial" panose="020B0604020202020204" pitchFamily="34" charset="0"/>
+                        <a:buChar char="•"/>
+                      </a:pPr>
+                      <a:r>
+                        <a:rPr lang="ru-RU" sz="2400" dirty="0">
+                          <a:ln>
+                            <a:solidFill>
+                              <a:schemeClr val="bg1"/>
+                            </a:solidFill>
+                          </a:ln>
+                          <a:solidFill>
+                            <a:schemeClr val="bg1"/>
+                          </a:solidFill>
+                          <a:latin typeface="Monseratt"/>
+                        </a:rPr>
+                        <a:t>Создание технического задания</a:t>
+                      </a:r>
+                    </a:p>
+                    <a:p>
+                      <a:pPr marL="285750" indent="-285750">
+                        <a:buFont typeface="Arial" panose="020B0604020202020204" pitchFamily="34" charset="0"/>
+                        <a:buChar char="•"/>
+                      </a:pPr>
+                      <a:r>
+                        <a:rPr lang="ru-RU" sz="2400" dirty="0">
+                          <a:ln>
+                            <a:solidFill>
+                              <a:schemeClr val="bg1"/>
+                            </a:solidFill>
+                          </a:ln>
+                          <a:solidFill>
+                            <a:schemeClr val="bg1"/>
+                          </a:solidFill>
+                          <a:latin typeface="Monseratt"/>
+                        </a:rPr>
+                        <a:t>Разворачивание приложения</a:t>
+                      </a:r>
+                    </a:p>
+                  </a:txBody>
+                  <a:tcPr>
+                    <a:solidFill>
+                      <a:schemeClr val="tx1"/>
+                    </a:solidFill>
+                  </a:tcPr>
+                </a:tc>
+                <a:extLst>
+                  <a:ext uri="{0D108BD9-81ED-4DB2-BD59-A6C34878D82A}">
+                    <a16:rowId xmlns:a16="http://schemas.microsoft.com/office/drawing/2014/main" val="3729424401"/>
+                  </a:ext>
+                </a:extLst>
+              </a:tr>
+              <a:tr h="1151194">
+                <a:tc>
+                  <a:txBody>
+                    <a:bodyPr/>
+                    <a:lstStyle/>
+                    <a:p>
+                      <a:r>
+                        <a:rPr lang="ru-RU" sz="2400" dirty="0">
+                          <a:ln>
+                            <a:solidFill>
+                              <a:schemeClr val="bg1"/>
+                            </a:solidFill>
+                          </a:ln>
+                          <a:solidFill>
+                            <a:schemeClr val="bg1"/>
+                          </a:solidFill>
+                          <a:latin typeface="Monseratt"/>
+                        </a:rPr>
+                        <a:t>Смирнов Павел</a:t>
+                      </a:r>
+                    </a:p>
+                  </a:txBody>
+                  <a:tcPr>
+                    <a:solidFill>
+                      <a:schemeClr val="tx1"/>
+                    </a:solidFill>
+                  </a:tcPr>
+                </a:tc>
+                <a:tc>
+                  <a:txBody>
+                    <a:bodyPr/>
+                    <a:lstStyle/>
+                    <a:p>
+                      <a:pPr marL="285750" indent="-285750">
+                        <a:buFont typeface="Arial" panose="020B0604020202020204" pitchFamily="34" charset="0"/>
+                        <a:buChar char="•"/>
+                      </a:pPr>
+                      <a:r>
+                        <a:rPr lang="ru-RU" sz="2400" dirty="0">
+                          <a:ln>
+                            <a:solidFill>
+                              <a:schemeClr val="bg1"/>
+                            </a:solidFill>
+                          </a:ln>
+                          <a:solidFill>
+                            <a:schemeClr val="bg1"/>
+                          </a:solidFill>
+                          <a:latin typeface="Monseratt"/>
+                        </a:rPr>
+                        <a:t>Тестирование</a:t>
+                      </a:r>
+                    </a:p>
+                    <a:p>
+                      <a:pPr marL="285750" indent="-285750">
+                        <a:buFont typeface="Arial" panose="020B0604020202020204" pitchFamily="34" charset="0"/>
+                        <a:buChar char="•"/>
+                      </a:pPr>
+                      <a:r>
+                        <a:rPr lang="ru-RU" sz="2400" dirty="0">
+                          <a:ln>
+                            <a:solidFill>
+                              <a:schemeClr val="bg1"/>
+                            </a:solidFill>
+                          </a:ln>
+                          <a:solidFill>
+                            <a:schemeClr val="bg1"/>
+                          </a:solidFill>
+                          <a:latin typeface="Monseratt"/>
+                        </a:rPr>
+                        <a:t>Создание технического задания</a:t>
+                      </a:r>
+                    </a:p>
+                  </a:txBody>
+                  <a:tcPr>
+                    <a:solidFill>
+                      <a:schemeClr val="tx1"/>
+                    </a:solidFill>
+                  </a:tcPr>
+                </a:tc>
+                <a:extLst>
+                  <a:ext uri="{0D108BD9-81ED-4DB2-BD59-A6C34878D82A}">
+                    <a16:rowId xmlns:a16="http://schemas.microsoft.com/office/drawing/2014/main" val="13835933"/>
+                  </a:ext>
+                </a:extLst>
+              </a:tr>
+            </a:tbl>
+          </a:graphicData>
+        </a:graphic>
+      </p:graphicFrame>
     </p:spTree>
     <p:extLst>
       <p:ext uri="{BB962C8B-B14F-4D97-AF65-F5344CB8AC3E}">
@@ -9920,8 +10837,50 @@
       </p:grpSpPr>
       <p:sp>
         <p:nvSpPr>
-          <p:cNvPr id="20" name="Полилиния 19">
+          <p:cNvPr id="110" name="Надпись 109"/>
+          <p:cNvSpPr txBox="1"/>
+          <p:nvPr/>
+        </p:nvSpPr>
+        <p:spPr>
+          <a:xfrm>
+            <a:off x="4660800" y="165381"/>
+            <a:ext cx="2870401" cy="738664"/>
+          </a:xfrm>
+          <a:prstGeom prst="rect">
+            <a:avLst/>
+          </a:prstGeom>
+          <a:noFill/>
+        </p:spPr>
+        <p:txBody>
+          <a:bodyPr wrap="none" lIns="0" tIns="0" rIns="0" bIns="0" rtlCol="0">
+            <a:spAutoFit/>
+          </a:bodyPr>
+          <a:lstStyle/>
+          <a:p>
+            <a:pPr algn="ctr" rtl="0">
+              <a:tabLst>
+                <a:tab pos="347663" algn="l"/>
+              </a:tabLst>
+            </a:pPr>
+            <a:r>
+              <a:rPr lang="ru-RU" sz="4800" b="1" dirty="0">
+                <a:solidFill>
+                  <a:schemeClr val="bg1"/>
+                </a:solidFill>
+                <a:latin typeface="Monseratt"/>
+              </a:rPr>
+              <a:t>Проблемы</a:t>
+            </a:r>
+          </a:p>
+        </p:txBody>
+      </p:sp>
+      <p:sp>
+        <p:nvSpPr>
+          <p:cNvPr id="30" name="Полилиния 19">
             <a:extLst>
+              <a:ext uri="{FF2B5EF4-FFF2-40B4-BE49-F238E27FC236}">
+                <a16:creationId xmlns:a16="http://schemas.microsoft.com/office/drawing/2014/main" id="{189E3C56-F900-44E7-BF74-7509E4A585C5}"/>
+              </a:ext>
               <a:ext uri="{C183D7F6-B498-43B3-948B-1728B52AA6E4}">
                 <adec:decorative xmlns:adec="http://schemas.microsoft.com/office/drawing/2017/decorative" val="1"/>
               </a:ext>
@@ -10059,7 +11018,7 @@
             <a:pPr algn="ctr" rtl="0"/>
             <a:endParaRPr lang="ru-RU" dirty="0">
               <a:solidFill>
-                <a:srgbClr val="98A3AD"/>
+                <a:schemeClr val="bg1"/>
               </a:solidFill>
             </a:endParaRPr>
           </a:p>
@@ -10067,7 +11026,13 @@
       </p:sp>
       <p:sp>
         <p:nvSpPr>
-          <p:cNvPr id="21" name="Надпись 20"/>
+          <p:cNvPr id="33" name="Надпись 32">
+            <a:extLst>
+              <a:ext uri="{FF2B5EF4-FFF2-40B4-BE49-F238E27FC236}">
+                <a16:creationId xmlns:a16="http://schemas.microsoft.com/office/drawing/2014/main" id="{5C7F3CEE-E6DF-48C0-8B9A-22A03DF4C29B}"/>
+              </a:ext>
+            </a:extLst>
+          </p:cNvPr>
           <p:cNvSpPr txBox="1"/>
           <p:nvPr/>
         </p:nvSpPr>
@@ -10089,86 +11054,20 @@
           <a:p>
             <a:pPr rtl="0"/>
             <a:r>
-              <a:rPr lang="en-US" b="1" dirty="0">
+              <a:rPr lang="ru-RU" b="1" dirty="0">
                 <a:latin typeface="Monseratt"/>
               </a:rPr>
               <a:t>3</a:t>
             </a:r>
-            <a:endParaRPr lang="en-US" sz="2400" b="1" dirty="0">
-              <a:latin typeface="Monseratt"/>
-            </a:endParaRPr>
-          </a:p>
-        </p:txBody>
-      </p:sp>
-      <p:sp>
-        <p:nvSpPr>
-          <p:cNvPr id="83" name="Надпись 82">
+          </a:p>
+        </p:txBody>
+      </p:sp>
+      <p:sp>
+        <p:nvSpPr>
+          <p:cNvPr id="2" name="Заголовок 1" hidden="1">
             <a:extLst>
               <a:ext uri="{FF2B5EF4-FFF2-40B4-BE49-F238E27FC236}">
-                <a16:creationId xmlns:a16="http://schemas.microsoft.com/office/drawing/2014/main" id="{DCD843C5-0DBD-4721-ACAD-288CC256EF82}"/>
-              </a:ext>
-            </a:extLst>
-          </p:cNvPr>
-          <p:cNvSpPr txBox="1"/>
-          <p:nvPr/>
-        </p:nvSpPr>
-        <p:spPr>
-          <a:xfrm>
-            <a:off x="4310770" y="165381"/>
-            <a:ext cx="3570465" cy="738664"/>
-          </a:xfrm>
-          <a:prstGeom prst="rect">
-            <a:avLst/>
-          </a:prstGeom>
-          <a:noFill/>
-        </p:spPr>
-        <p:txBody>
-          <a:bodyPr wrap="none" lIns="0" tIns="0" rIns="0" bIns="0" rtlCol="0">
-            <a:spAutoFit/>
-          </a:bodyPr>
-          <a:lstStyle/>
-          <a:p>
-            <a:pPr algn="ctr" rtl="0">
-              <a:tabLst>
-                <a:tab pos="347663" algn="l"/>
-              </a:tabLst>
-            </a:pPr>
-            <a:r>
-              <a:rPr lang="ru-RU" sz="4800" b="1" dirty="0">
-                <a:solidFill>
-                  <a:schemeClr val="bg1"/>
-                </a:solidFill>
-                <a:latin typeface="Monseratt"/>
-              </a:rPr>
-              <a:t>Цель</a:t>
-            </a:r>
-            <a:r>
-              <a:rPr lang="ru-RU" sz="3200" b="1" dirty="0">
-                <a:solidFill>
-                  <a:schemeClr val="bg1"/>
-                </a:solidFill>
-                <a:latin typeface="Monseratt"/>
-              </a:rPr>
-              <a:t> </a:t>
-            </a:r>
-            <a:r>
-              <a:rPr lang="ru-RU" sz="4800" b="1" dirty="0">
-                <a:solidFill>
-                  <a:schemeClr val="bg1"/>
-                </a:solidFill>
-                <a:latin typeface="Monseratt"/>
-              </a:rPr>
-              <a:t>проекта</a:t>
-            </a:r>
-          </a:p>
-        </p:txBody>
-      </p:sp>
-      <p:sp>
-        <p:nvSpPr>
-          <p:cNvPr id="4" name="Заголовок 3" hidden="1">
-            <a:extLst>
-              <a:ext uri="{FF2B5EF4-FFF2-40B4-BE49-F238E27FC236}">
-                <a16:creationId xmlns:a16="http://schemas.microsoft.com/office/drawing/2014/main" id="{19D7E498-2D9B-4F60-93FF-25DEC5873336}"/>
+                <a16:creationId xmlns:a16="http://schemas.microsoft.com/office/drawing/2014/main" id="{57154957-68AB-414D-8F5B-A49D3A2612B1}"/>
               </a:ext>
             </a:extLst>
           </p:cNvPr>
@@ -10187,7 +11086,7 @@
             <a:pPr rtl="0"/>
             <a:r>
               <a:rPr lang="ru" dirty="0"/>
-              <a:t>Слайд 3</a:t>
+              <a:t>Слайд 2</a:t>
             </a:r>
           </a:p>
         </p:txBody>
@@ -10197,7 +11096,7 @@
           <p:cNvPr id="5" name="TextBox 4">
             <a:extLst>
               <a:ext uri="{FF2B5EF4-FFF2-40B4-BE49-F238E27FC236}">
-                <a16:creationId xmlns:a16="http://schemas.microsoft.com/office/drawing/2014/main" id="{6CF38620-1585-4DB1-8E94-893C8C6FBCC5}"/>
+                <a16:creationId xmlns:a16="http://schemas.microsoft.com/office/drawing/2014/main" id="{F47F264A-B5D3-4273-B8A6-27AC0674A2AA}"/>
               </a:ext>
             </a:extLst>
           </p:cNvPr>
@@ -10206,8 +11105,8 @@
         </p:nvSpPr>
         <p:spPr>
           <a:xfrm>
-            <a:off x="1104900" y="1314450"/>
-            <a:ext cx="10239375" cy="1077218"/>
+            <a:off x="760021" y="1145969"/>
+            <a:ext cx="10741231" cy="2062103"/>
           </a:xfrm>
           <a:prstGeom prst="rect">
             <a:avLst/>
@@ -10220,6 +11119,10 @@
           </a:bodyPr>
           <a:lstStyle/>
           <a:p>
+            <a:pPr marL="457200" indent="-457200">
+              <a:buFont typeface="Arial" panose="020B0604020202020204" pitchFamily="34" charset="0"/>
+              <a:buChar char="•"/>
+            </a:pPr>
             <a:r>
               <a:rPr lang="ru-RU" sz="3200" dirty="0">
                 <a:solidFill>
@@ -10227,15 +11130,57 @@
                 </a:solidFill>
                 <a:latin typeface="Monseratt"/>
               </a:rPr>
-              <a:t>Создание мобильного приложения для ведения группового и индивидуального бюджета</a:t>
-            </a:r>
+              <a:t>Контроль над финансами</a:t>
+            </a:r>
+            <a:endParaRPr lang="en-US" sz="3200" dirty="0">
+              <a:solidFill>
+                <a:schemeClr val="bg1"/>
+              </a:solidFill>
+              <a:latin typeface="Monseratt"/>
+            </a:endParaRPr>
+          </a:p>
+          <a:p>
+            <a:pPr marL="457200" indent="-457200">
+              <a:buFont typeface="Arial" panose="020B0604020202020204" pitchFamily="34" charset="0"/>
+              <a:buChar char="•"/>
+            </a:pPr>
+            <a:r>
+              <a:rPr lang="ru-RU" sz="3200" dirty="0">
+                <a:solidFill>
+                  <a:schemeClr val="bg1"/>
+                </a:solidFill>
+                <a:latin typeface="Monseratt"/>
+              </a:rPr>
+              <a:t>Ограниченные функциональные возможности существующих приложений</a:t>
+            </a:r>
+          </a:p>
+          <a:p>
+            <a:pPr marL="457200" indent="-457200">
+              <a:buFont typeface="Arial" panose="020B0604020202020204" pitchFamily="34" charset="0"/>
+              <a:buChar char="•"/>
+            </a:pPr>
+            <a:r>
+              <a:rPr lang="ru-RU" sz="3200" dirty="0">
+                <a:solidFill>
+                  <a:schemeClr val="bg1"/>
+                </a:solidFill>
+                <a:latin typeface="Monseratt"/>
+              </a:rPr>
+              <a:t>Совместное управление бюджетом</a:t>
+            </a:r>
+            <a:endParaRPr lang="en-US" sz="3200" dirty="0">
+              <a:solidFill>
+                <a:schemeClr val="bg1"/>
+              </a:solidFill>
+              <a:latin typeface="Monseratt"/>
+            </a:endParaRPr>
           </a:p>
         </p:txBody>
       </p:sp>
     </p:spTree>
     <p:extLst>
       <p:ext uri="{BB962C8B-B14F-4D97-AF65-F5344CB8AC3E}">
-        <p14:creationId xmlns:p14="http://schemas.microsoft.com/office/powerpoint/2010/main" val="1519777200"/>
+        <p14:creationId xmlns:p14="http://schemas.microsoft.com/office/powerpoint/2010/main" val="1392683584"/>
       </p:ext>
     </p:extLst>
   </p:cSld>
@@ -10272,277 +11217,8 @@
       </p:grpSpPr>
       <p:sp>
         <p:nvSpPr>
-          <p:cNvPr id="42" name="Надпись 41"/>
-          <p:cNvSpPr txBox="1"/>
-          <p:nvPr/>
-        </p:nvSpPr>
-        <p:spPr>
-          <a:xfrm>
-            <a:off x="11907454" y="6481180"/>
-            <a:ext cx="290464" cy="307777"/>
-          </a:xfrm>
-          <a:prstGeom prst="rect">
-            <a:avLst/>
-          </a:prstGeom>
-          <a:noFill/>
-        </p:spPr>
-        <p:txBody>
-          <a:bodyPr wrap="none" rtlCol="0">
-            <a:spAutoFit/>
-          </a:bodyPr>
-          <a:lstStyle/>
-          <a:p>
-            <a:pPr rtl="0"/>
-            <a:r>
-              <a:rPr lang="ru-RU" sz="1400" b="1" dirty="0"/>
-              <a:t>4</a:t>
-            </a:r>
-          </a:p>
-        </p:txBody>
-      </p:sp>
-      <p:sp>
-        <p:nvSpPr>
-          <p:cNvPr id="40" name="Надпись 39">
+          <p:cNvPr id="20" name="Полилиния 19">
             <a:extLst>
-              <a:ext uri="{FF2B5EF4-FFF2-40B4-BE49-F238E27FC236}">
-                <a16:creationId xmlns:a16="http://schemas.microsoft.com/office/drawing/2014/main" id="{FFAEF1C8-817C-4EBC-A4FB-3ED2DB7FCBF8}"/>
-              </a:ext>
-            </a:extLst>
-          </p:cNvPr>
-          <p:cNvSpPr txBox="1"/>
-          <p:nvPr/>
-        </p:nvSpPr>
-        <p:spPr>
-          <a:xfrm>
-            <a:off x="5141411" y="165381"/>
-            <a:ext cx="1909177" cy="738664"/>
-          </a:xfrm>
-          <a:prstGeom prst="rect">
-            <a:avLst/>
-          </a:prstGeom>
-          <a:noFill/>
-        </p:spPr>
-        <p:txBody>
-          <a:bodyPr wrap="none" lIns="0" tIns="0" rIns="0" bIns="0" rtlCol="0">
-            <a:spAutoFit/>
-          </a:bodyPr>
-          <a:lstStyle/>
-          <a:p>
-            <a:pPr algn="ctr" rtl="0">
-              <a:tabLst>
-                <a:tab pos="347663" algn="l"/>
-              </a:tabLst>
-            </a:pPr>
-            <a:r>
-              <a:rPr lang="ru-RU" sz="4800" b="1" dirty="0">
-                <a:solidFill>
-                  <a:schemeClr val="bg1"/>
-                </a:solidFill>
-                <a:latin typeface="Monseratt"/>
-              </a:rPr>
-              <a:t>Задачи</a:t>
-            </a:r>
-          </a:p>
-        </p:txBody>
-      </p:sp>
-      <p:sp>
-        <p:nvSpPr>
-          <p:cNvPr id="2" name="Заголовок 1" hidden="1">
-            <a:extLst>
-              <a:ext uri="{FF2B5EF4-FFF2-40B4-BE49-F238E27FC236}">
-                <a16:creationId xmlns:a16="http://schemas.microsoft.com/office/drawing/2014/main" id="{8BD7D413-936A-4A2D-83E0-6714C8DB077C}"/>
-              </a:ext>
-            </a:extLst>
-          </p:cNvPr>
-          <p:cNvSpPr>
-            <a:spLocks noGrp="1"/>
-          </p:cNvSpPr>
-          <p:nvPr>
-            <p:ph type="title"/>
-          </p:nvPr>
-        </p:nvSpPr>
-        <p:spPr/>
-        <p:txBody>
-          <a:bodyPr rtlCol="0"/>
-          <a:lstStyle/>
-          <a:p>
-            <a:pPr rtl="0"/>
-            <a:r>
-              <a:rPr lang="ru" dirty="0"/>
-              <a:t>Слайд 4</a:t>
-            </a:r>
-          </a:p>
-        </p:txBody>
-      </p:sp>
-      <p:sp>
-        <p:nvSpPr>
-          <p:cNvPr id="3" name="TextBox 2">
-            <a:extLst>
-              <a:ext uri="{FF2B5EF4-FFF2-40B4-BE49-F238E27FC236}">
-                <a16:creationId xmlns:a16="http://schemas.microsoft.com/office/drawing/2014/main" id="{06C76E5E-7262-4397-AE66-56706C927FAE}"/>
-              </a:ext>
-            </a:extLst>
-          </p:cNvPr>
-          <p:cNvSpPr txBox="1"/>
-          <p:nvPr/>
-        </p:nvSpPr>
-        <p:spPr>
-          <a:xfrm>
-            <a:off x="642937" y="1482982"/>
-            <a:ext cx="10906125" cy="3877985"/>
-          </a:xfrm>
-          <a:prstGeom prst="rect">
-            <a:avLst/>
-          </a:prstGeom>
-          <a:noFill/>
-        </p:spPr>
-        <p:txBody>
-          <a:bodyPr wrap="square" rtlCol="0">
-            <a:spAutoFit/>
-          </a:bodyPr>
-          <a:lstStyle/>
-          <a:p>
-            <a:pPr marL="285750" indent="-285750">
-              <a:buFont typeface="Arial" panose="020B0604020202020204" pitchFamily="34" charset="0"/>
-              <a:buChar char="•"/>
-            </a:pPr>
-            <a:r>
-              <a:rPr lang="ru-RU" sz="3200" dirty="0">
-                <a:solidFill>
-                  <a:schemeClr val="bg1"/>
-                </a:solidFill>
-                <a:latin typeface="Monseratt"/>
-              </a:rPr>
-              <a:t>Ведение учета доходов и расходов</a:t>
-            </a:r>
-          </a:p>
-          <a:p>
-            <a:pPr marL="285750" indent="-285750">
-              <a:buFont typeface="Arial" panose="020B0604020202020204" pitchFamily="34" charset="0"/>
-              <a:buChar char="•"/>
-            </a:pPr>
-            <a:r>
-              <a:rPr lang="ru-RU" sz="3200" dirty="0">
-                <a:solidFill>
-                  <a:schemeClr val="bg1"/>
-                </a:solidFill>
-                <a:latin typeface="Monseratt"/>
-              </a:rPr>
-              <a:t>Управление шаблонами</a:t>
-            </a:r>
-            <a:r>
-              <a:rPr lang="en-US" sz="3200" dirty="0">
-                <a:solidFill>
-                  <a:schemeClr val="bg1"/>
-                </a:solidFill>
-                <a:latin typeface="Monseratt"/>
-              </a:rPr>
-              <a:t> </a:t>
-            </a:r>
-            <a:r>
-              <a:rPr lang="ru-RU" sz="3200" dirty="0">
-                <a:solidFill>
-                  <a:schemeClr val="bg1"/>
-                </a:solidFill>
-                <a:latin typeface="Monseratt"/>
-              </a:rPr>
-              <a:t>финансовых операций</a:t>
-            </a:r>
-          </a:p>
-          <a:p>
-            <a:pPr marL="285750" indent="-285750">
-              <a:buFont typeface="Arial" panose="020B0604020202020204" pitchFamily="34" charset="0"/>
-              <a:buChar char="•"/>
-            </a:pPr>
-            <a:r>
-              <a:rPr lang="ru-RU" sz="3200" dirty="0">
-                <a:solidFill>
-                  <a:schemeClr val="bg1"/>
-                </a:solidFill>
-                <a:latin typeface="Monseratt"/>
-              </a:rPr>
-              <a:t>Расчет ежемесячного кредитного платежа</a:t>
-            </a:r>
-          </a:p>
-          <a:p>
-            <a:pPr marL="285750" indent="-285750">
-              <a:buFont typeface="Arial" panose="020B0604020202020204" pitchFamily="34" charset="0"/>
-              <a:buChar char="•"/>
-            </a:pPr>
-            <a:r>
-              <a:rPr lang="ru-RU" sz="3200" dirty="0">
-                <a:solidFill>
-                  <a:schemeClr val="bg1"/>
-                </a:solidFill>
-                <a:latin typeface="Monseratt"/>
-              </a:rPr>
-              <a:t>Управление категориями финансовых операций</a:t>
-            </a:r>
-          </a:p>
-          <a:p>
-            <a:pPr marL="285750" indent="-285750">
-              <a:buFont typeface="Arial" panose="020B0604020202020204" pitchFamily="34" charset="0"/>
-              <a:buChar char="•"/>
-            </a:pPr>
-            <a:r>
-              <a:rPr lang="ru-RU" sz="3200" dirty="0">
-                <a:solidFill>
-                  <a:schemeClr val="bg1"/>
-                </a:solidFill>
-                <a:latin typeface="Monseratt"/>
-              </a:rPr>
-              <a:t>Создание и сохранение отчета в </a:t>
-            </a:r>
-            <a:r>
-              <a:rPr lang="en-US" sz="3200" dirty="0">
-                <a:solidFill>
-                  <a:schemeClr val="bg1"/>
-                </a:solidFill>
-                <a:latin typeface="Monseratt"/>
-              </a:rPr>
-              <a:t>CSV </a:t>
-            </a:r>
-            <a:r>
-              <a:rPr lang="ru-RU" sz="3200" dirty="0">
-                <a:solidFill>
-                  <a:schemeClr val="bg1"/>
-                </a:solidFill>
-                <a:latin typeface="Monseratt"/>
-              </a:rPr>
-              <a:t>формат</a:t>
-            </a:r>
-          </a:p>
-          <a:p>
-            <a:pPr marL="285750" indent="-285750">
-              <a:buFont typeface="Arial" panose="020B0604020202020204" pitchFamily="34" charset="0"/>
-              <a:buChar char="•"/>
-            </a:pPr>
-            <a:r>
-              <a:rPr lang="ru-RU" sz="3200" dirty="0">
-                <a:solidFill>
-                  <a:schemeClr val="bg1"/>
-                </a:solidFill>
-                <a:latin typeface="Monseratt"/>
-              </a:rPr>
-              <a:t>Формирование групп пользователей для совместного отслеживания доходов и расходов</a:t>
-            </a:r>
-          </a:p>
-          <a:p>
-            <a:pPr marL="285750" indent="-285750">
-              <a:buFont typeface="Arial" panose="020B0604020202020204" pitchFamily="34" charset="0"/>
-              <a:buChar char="•"/>
-            </a:pPr>
-            <a:endParaRPr lang="ru-RU" dirty="0"/>
-          </a:p>
-        </p:txBody>
-      </p:sp>
-      <p:sp>
-        <p:nvSpPr>
-          <p:cNvPr id="4" name="Полилиния 19">
-            <a:extLst>
-              <a:ext uri="{FF2B5EF4-FFF2-40B4-BE49-F238E27FC236}">
-                <a16:creationId xmlns:a16="http://schemas.microsoft.com/office/drawing/2014/main" id="{D40BFC40-0E11-64B3-2C81-6033BD59A897}"/>
-              </a:ext>
               <a:ext uri="{C183D7F6-B498-43B3-948B-1728B52AA6E4}">
                 <adec:decorative xmlns:adec="http://schemas.microsoft.com/office/drawing/2017/decorative" val="1"/>
               </a:ext>
@@ -10688,13 +11364,7 @@
       </p:sp>
       <p:sp>
         <p:nvSpPr>
-          <p:cNvPr id="7" name="Надпись 20">
-            <a:extLst>
-              <a:ext uri="{FF2B5EF4-FFF2-40B4-BE49-F238E27FC236}">
-                <a16:creationId xmlns:a16="http://schemas.microsoft.com/office/drawing/2014/main" id="{19D7EADD-D41F-7BB9-A964-DB3EFFCA7B3C}"/>
-              </a:ext>
-            </a:extLst>
-          </p:cNvPr>
+          <p:cNvPr id="21" name="Надпись 20"/>
           <p:cNvSpPr txBox="1"/>
           <p:nvPr/>
         </p:nvSpPr>
@@ -10716,7 +11386,7 @@
           <a:p>
             <a:pPr rtl="0"/>
             <a:r>
-              <a:rPr lang="en-US" b="1" dirty="0">
+              <a:rPr lang="ru-RU" b="1" dirty="0">
                 <a:latin typeface="Monseratt"/>
               </a:rPr>
               <a:t>4</a:t>
@@ -10727,10 +11397,142 @@
           </a:p>
         </p:txBody>
       </p:sp>
+      <p:sp>
+        <p:nvSpPr>
+          <p:cNvPr id="83" name="Надпись 82">
+            <a:extLst>
+              <a:ext uri="{FF2B5EF4-FFF2-40B4-BE49-F238E27FC236}">
+                <a16:creationId xmlns:a16="http://schemas.microsoft.com/office/drawing/2014/main" id="{DCD843C5-0DBD-4721-ACAD-288CC256EF82}"/>
+              </a:ext>
+            </a:extLst>
+          </p:cNvPr>
+          <p:cNvSpPr txBox="1"/>
+          <p:nvPr/>
+        </p:nvSpPr>
+        <p:spPr>
+          <a:xfrm>
+            <a:off x="4310770" y="165381"/>
+            <a:ext cx="3570465" cy="738664"/>
+          </a:xfrm>
+          <a:prstGeom prst="rect">
+            <a:avLst/>
+          </a:prstGeom>
+          <a:noFill/>
+        </p:spPr>
+        <p:txBody>
+          <a:bodyPr wrap="none" lIns="0" tIns="0" rIns="0" bIns="0" rtlCol="0">
+            <a:spAutoFit/>
+          </a:bodyPr>
+          <a:lstStyle/>
+          <a:p>
+            <a:pPr algn="ctr" rtl="0">
+              <a:tabLst>
+                <a:tab pos="347663" algn="l"/>
+              </a:tabLst>
+            </a:pPr>
+            <a:r>
+              <a:rPr lang="ru-RU" sz="4800" b="1" dirty="0">
+                <a:solidFill>
+                  <a:schemeClr val="bg1"/>
+                </a:solidFill>
+                <a:latin typeface="Monseratt"/>
+              </a:rPr>
+              <a:t>Цель</a:t>
+            </a:r>
+            <a:r>
+              <a:rPr lang="ru-RU" sz="3200" b="1" dirty="0">
+                <a:solidFill>
+                  <a:schemeClr val="bg1"/>
+                </a:solidFill>
+                <a:latin typeface="Monseratt"/>
+              </a:rPr>
+              <a:t> </a:t>
+            </a:r>
+            <a:r>
+              <a:rPr lang="ru-RU" sz="4800" b="1" dirty="0">
+                <a:solidFill>
+                  <a:schemeClr val="bg1"/>
+                </a:solidFill>
+                <a:latin typeface="Monseratt"/>
+              </a:rPr>
+              <a:t>проекта</a:t>
+            </a:r>
+          </a:p>
+        </p:txBody>
+      </p:sp>
+      <p:sp>
+        <p:nvSpPr>
+          <p:cNvPr id="4" name="Заголовок 3" hidden="1">
+            <a:extLst>
+              <a:ext uri="{FF2B5EF4-FFF2-40B4-BE49-F238E27FC236}">
+                <a16:creationId xmlns:a16="http://schemas.microsoft.com/office/drawing/2014/main" id="{19D7E498-2D9B-4F60-93FF-25DEC5873336}"/>
+              </a:ext>
+            </a:extLst>
+          </p:cNvPr>
+          <p:cNvSpPr>
+            <a:spLocks noGrp="1"/>
+          </p:cNvSpPr>
+          <p:nvPr>
+            <p:ph type="title"/>
+          </p:nvPr>
+        </p:nvSpPr>
+        <p:spPr/>
+        <p:txBody>
+          <a:bodyPr rtlCol="0"/>
+          <a:lstStyle/>
+          <a:p>
+            <a:pPr rtl="0"/>
+            <a:r>
+              <a:rPr lang="ru" dirty="0"/>
+              <a:t>Слайд 3</a:t>
+            </a:r>
+          </a:p>
+        </p:txBody>
+      </p:sp>
+      <p:sp>
+        <p:nvSpPr>
+          <p:cNvPr id="5" name="TextBox 4">
+            <a:extLst>
+              <a:ext uri="{FF2B5EF4-FFF2-40B4-BE49-F238E27FC236}">
+                <a16:creationId xmlns:a16="http://schemas.microsoft.com/office/drawing/2014/main" id="{6CF38620-1585-4DB1-8E94-893C8C6FBCC5}"/>
+              </a:ext>
+            </a:extLst>
+          </p:cNvPr>
+          <p:cNvSpPr txBox="1"/>
+          <p:nvPr/>
+        </p:nvSpPr>
+        <p:spPr>
+          <a:xfrm>
+            <a:off x="1104900" y="1314450"/>
+            <a:ext cx="10239375" cy="1077218"/>
+          </a:xfrm>
+          <a:prstGeom prst="rect">
+            <a:avLst/>
+          </a:prstGeom>
+          <a:noFill/>
+        </p:spPr>
+        <p:txBody>
+          <a:bodyPr wrap="square" rtlCol="0">
+            <a:spAutoFit/>
+          </a:bodyPr>
+          <a:lstStyle/>
+          <a:p>
+            <a:r>
+              <a:rPr lang="ru-RU" sz="3200" dirty="0">
+                <a:solidFill>
+                  <a:schemeClr val="bg1"/>
+                </a:solidFill>
+                <a:latin typeface="Monseratt"/>
+              </a:rPr>
+              <a:t>Создание мобильного приложения для ведения группового и индивидуального бюджета</a:t>
+            </a:r>
+          </a:p>
+        </p:txBody>
+      </p:sp>
     </p:spTree>
     <p:extLst>
       <p:ext uri="{BB962C8B-B14F-4D97-AF65-F5344CB8AC3E}">
-        <p14:creationId xmlns:p14="http://schemas.microsoft.com/office/powerpoint/2010/main" val="3293348916"/>
+        <p14:creationId xmlns:p14="http://schemas.microsoft.com/office/powerpoint/2010/main" val="1519777200"/>
       </p:ext>
     </p:extLst>
   </p:cSld>
@@ -10767,14 +11569,14 @@
       </p:grpSpPr>
       <p:sp>
         <p:nvSpPr>
-          <p:cNvPr id="16" name="Надпись 15"/>
+          <p:cNvPr id="42" name="Надпись 41"/>
           <p:cNvSpPr txBox="1"/>
           <p:nvPr/>
         </p:nvSpPr>
         <p:spPr>
           <a:xfrm>
             <a:off x="11907454" y="6481180"/>
-            <a:ext cx="277640" cy="307777"/>
+            <a:ext cx="290464" cy="307777"/>
           </a:xfrm>
           <a:prstGeom prst="rect">
             <a:avLst/>
@@ -10790,17 +11592,17 @@
             <a:pPr rtl="0"/>
             <a:r>
               <a:rPr lang="ru-RU" sz="1400" b="1" dirty="0"/>
-              <a:t>5</a:t>
-            </a:r>
-          </a:p>
-        </p:txBody>
-      </p:sp>
-      <p:sp>
-        <p:nvSpPr>
-          <p:cNvPr id="35" name="Надпись 34">
+              <a:t>4</a:t>
+            </a:r>
+          </a:p>
+        </p:txBody>
+      </p:sp>
+      <p:sp>
+        <p:nvSpPr>
+          <p:cNvPr id="40" name="Надпись 39">
             <a:extLst>
               <a:ext uri="{FF2B5EF4-FFF2-40B4-BE49-F238E27FC236}">
-                <a16:creationId xmlns:a16="http://schemas.microsoft.com/office/drawing/2014/main" id="{0D497812-EAA0-46B1-8255-6A78E8C11B36}"/>
+                <a16:creationId xmlns:a16="http://schemas.microsoft.com/office/drawing/2014/main" id="{FFAEF1C8-817C-4EBC-A4FB-3ED2DB7FCBF8}"/>
               </a:ext>
             </a:extLst>
           </p:cNvPr>
@@ -10809,8 +11611,8 @@
         </p:nvSpPr>
         <p:spPr>
           <a:xfrm>
-            <a:off x="3969906" y="165381"/>
-            <a:ext cx="4252190" cy="738664"/>
+            <a:off x="5141411" y="165381"/>
+            <a:ext cx="1909177" cy="738664"/>
           </a:xfrm>
           <a:prstGeom prst="rect">
             <a:avLst/>
@@ -10835,17 +11637,17 @@
                 </a:solidFill>
                 <a:latin typeface="Monseratt"/>
               </a:rPr>
-              <a:t>Обзор аналогов</a:t>
-            </a:r>
-          </a:p>
-        </p:txBody>
-      </p:sp>
-      <p:sp>
-        <p:nvSpPr>
-          <p:cNvPr id="3" name="Заголовок 2" hidden="1">
+              <a:t>Задачи</a:t>
+            </a:r>
+          </a:p>
+        </p:txBody>
+      </p:sp>
+      <p:sp>
+        <p:nvSpPr>
+          <p:cNvPr id="2" name="Заголовок 1" hidden="1">
             <a:extLst>
               <a:ext uri="{FF2B5EF4-FFF2-40B4-BE49-F238E27FC236}">
-                <a16:creationId xmlns:a16="http://schemas.microsoft.com/office/drawing/2014/main" id="{58A8366B-1D42-43D0-87E4-B7BC3F2C1B4C}"/>
+                <a16:creationId xmlns:a16="http://schemas.microsoft.com/office/drawing/2014/main" id="{8BD7D413-936A-4A2D-83E0-6714C8DB077C}"/>
               </a:ext>
             </a:extLst>
           </p:cNvPr>
@@ -10864,360 +11666,179 @@
             <a:pPr rtl="0"/>
             <a:r>
               <a:rPr lang="ru" dirty="0"/>
-              <a:t>Слайд 5</a:t>
-            </a:r>
-          </a:p>
-        </p:txBody>
-      </p:sp>
-      <p:graphicFrame>
-        <p:nvGraphicFramePr>
-          <p:cNvPr id="2" name="Таблица 3">
+              <a:t>Слайд 4</a:t>
+            </a:r>
+          </a:p>
+        </p:txBody>
+      </p:sp>
+      <p:sp>
+        <p:nvSpPr>
+          <p:cNvPr id="3" name="TextBox 2">
             <a:extLst>
               <a:ext uri="{FF2B5EF4-FFF2-40B4-BE49-F238E27FC236}">
-                <a16:creationId xmlns:a16="http://schemas.microsoft.com/office/drawing/2014/main" id="{88513DDA-FFF0-1007-EEE3-085F9C319EC7}"/>
+                <a16:creationId xmlns:a16="http://schemas.microsoft.com/office/drawing/2014/main" id="{06C76E5E-7262-4397-AE66-56706C927FAE}"/>
               </a:ext>
             </a:extLst>
           </p:cNvPr>
-          <p:cNvGraphicFramePr>
-            <a:graphicFrameLocks noGrp="1"/>
-          </p:cNvGraphicFramePr>
-          <p:nvPr>
-            <p:extLst>
-              <p:ext uri="{D42A27DB-BD31-4B8C-83A1-F6EECF244321}">
-                <p14:modId xmlns:p14="http://schemas.microsoft.com/office/powerpoint/2010/main" val="3031639990"/>
-              </p:ext>
-            </p:extLst>
-          </p:nvPr>
-        </p:nvGraphicFramePr>
-        <p:xfrm>
-          <a:off x="2032000" y="1616253"/>
-          <a:ext cx="8128000" cy="2565400"/>
-        </p:xfrm>
-        <a:graphic>
-          <a:graphicData uri="http://schemas.openxmlformats.org/drawingml/2006/table">
-            <a:tbl>
-              <a:tblPr firstRow="1" bandRow="1">
-                <a:tableStyleId>{22838BEF-8BB2-4498-84A7-C5851F593DF1}</a:tableStyleId>
-              </a:tblPr>
-              <a:tblGrid>
-                <a:gridCol w="2032000">
-                  <a:extLst>
-                    <a:ext uri="{9D8B030D-6E8A-4147-A177-3AD203B41FA5}">
-                      <a16:colId xmlns:a16="http://schemas.microsoft.com/office/drawing/2014/main" val="3795089390"/>
-                    </a:ext>
-                  </a:extLst>
-                </a:gridCol>
-                <a:gridCol w="2032000">
-                  <a:extLst>
-                    <a:ext uri="{9D8B030D-6E8A-4147-A177-3AD203B41FA5}">
-                      <a16:colId xmlns:a16="http://schemas.microsoft.com/office/drawing/2014/main" val="1647245347"/>
-                    </a:ext>
-                  </a:extLst>
-                </a:gridCol>
-                <a:gridCol w="2032000">
-                  <a:extLst>
-                    <a:ext uri="{9D8B030D-6E8A-4147-A177-3AD203B41FA5}">
-                      <a16:colId xmlns:a16="http://schemas.microsoft.com/office/drawing/2014/main" val="559533659"/>
-                    </a:ext>
-                  </a:extLst>
-                </a:gridCol>
-                <a:gridCol w="2032000">
-                  <a:extLst>
-                    <a:ext uri="{9D8B030D-6E8A-4147-A177-3AD203B41FA5}">
-                      <a16:colId xmlns:a16="http://schemas.microsoft.com/office/drawing/2014/main" val="4054419394"/>
-                    </a:ext>
-                  </a:extLst>
-                </a:gridCol>
-              </a:tblGrid>
-              <a:tr h="370840">
-                <a:tc>
-                  <a:txBody>
-                    <a:bodyPr/>
-                    <a:lstStyle/>
-                    <a:p>
-                      <a:endParaRPr lang="ru-RU" dirty="0"/>
-                    </a:p>
-                  </a:txBody>
-                  <a:tcPr/>
-                </a:tc>
-                <a:tc>
-                  <a:txBody>
-                    <a:bodyPr/>
-                    <a:lstStyle/>
-                    <a:p>
-                      <a:r>
-                        <a:rPr lang="ru-RU" b="1" i="1" dirty="0"/>
-                        <a:t>Экспорт финансовых операций</a:t>
-                      </a:r>
-                    </a:p>
-                  </a:txBody>
-                  <a:tcPr/>
-                </a:tc>
-                <a:tc>
-                  <a:txBody>
-                    <a:bodyPr/>
-                    <a:lstStyle/>
-                    <a:p>
-                      <a:r>
-                        <a:rPr lang="ru-RU" b="1" i="1" dirty="0"/>
-                        <a:t>Кредитный калькулятор</a:t>
-                      </a:r>
-                    </a:p>
-                  </a:txBody>
-                  <a:tcPr/>
-                </a:tc>
-                <a:tc>
-                  <a:txBody>
-                    <a:bodyPr/>
-                    <a:lstStyle/>
-                    <a:p>
-                      <a:r>
-                        <a:rPr lang="ru-RU" b="1" i="1" dirty="0"/>
-                        <a:t>Создание групп</a:t>
-                      </a:r>
-                    </a:p>
-                  </a:txBody>
-                  <a:tcPr/>
-                </a:tc>
-                <a:extLst>
-                  <a:ext uri="{0D108BD9-81ED-4DB2-BD59-A6C34878D82A}">
-                    <a16:rowId xmlns:a16="http://schemas.microsoft.com/office/drawing/2014/main" val="1090042724"/>
-                  </a:ext>
-                </a:extLst>
-              </a:tr>
-              <a:tr h="370840">
-                <a:tc>
-                  <a:txBody>
-                    <a:bodyPr/>
-                    <a:lstStyle/>
-                    <a:p>
-                      <a:r>
-                        <a:rPr lang="ru-RU" b="1" i="1" dirty="0"/>
-                        <a:t>С</a:t>
-                      </a:r>
-                      <a:r>
-                        <a:rPr lang="en-US" b="1" i="1" dirty="0" err="1"/>
-                        <a:t>oinKeeper</a:t>
-                      </a:r>
-                      <a:endParaRPr lang="ru-RU" b="1" i="1" dirty="0"/>
-                    </a:p>
-                  </a:txBody>
-                  <a:tcPr/>
-                </a:tc>
-                <a:tc>
-                  <a:txBody>
-                    <a:bodyPr/>
-                    <a:lstStyle/>
-                    <a:p>
-                      <a:pPr algn="ctr"/>
-                      <a:r>
-                        <a:rPr lang="ru-RU" b="1" dirty="0"/>
-                        <a:t>Только по подписке</a:t>
-                      </a:r>
-                    </a:p>
-                  </a:txBody>
-                  <a:tcPr/>
-                </a:tc>
-                <a:tc>
-                  <a:txBody>
-                    <a:bodyPr/>
-                    <a:lstStyle/>
-                    <a:p>
-                      <a:pPr algn="ctr"/>
-                      <a:r>
-                        <a:rPr lang="ru-RU" b="1" dirty="0"/>
-                        <a:t>-</a:t>
-                      </a:r>
-                    </a:p>
-                  </a:txBody>
-                  <a:tcPr/>
-                </a:tc>
-                <a:tc>
-                  <a:txBody>
-                    <a:bodyPr/>
-                    <a:lstStyle/>
-                    <a:p>
-                      <a:pPr algn="ctr"/>
-                      <a:r>
-                        <a:rPr lang="ru-RU" b="1" dirty="0"/>
-                        <a:t>-</a:t>
-                      </a:r>
-                    </a:p>
-                  </a:txBody>
-                  <a:tcPr/>
-                </a:tc>
-                <a:extLst>
-                  <a:ext uri="{0D108BD9-81ED-4DB2-BD59-A6C34878D82A}">
-                    <a16:rowId xmlns:a16="http://schemas.microsoft.com/office/drawing/2014/main" val="1392690529"/>
-                  </a:ext>
-                </a:extLst>
-              </a:tr>
-              <a:tr h="370840">
-                <a:tc>
-                  <a:txBody>
-                    <a:bodyPr/>
-                    <a:lstStyle/>
-                    <a:p>
-                      <a:r>
-                        <a:rPr lang="ru-RU" b="1" i="1" dirty="0"/>
-                        <a:t>Финансы</a:t>
-                      </a:r>
-                    </a:p>
-                  </a:txBody>
-                  <a:tcPr/>
-                </a:tc>
-                <a:tc>
-                  <a:txBody>
-                    <a:bodyPr/>
-                    <a:lstStyle/>
-                    <a:p>
-                      <a:pPr algn="ctr"/>
-                      <a:r>
-                        <a:rPr lang="ru-RU" b="1" dirty="0"/>
-                        <a:t>-</a:t>
-                      </a:r>
-                    </a:p>
-                  </a:txBody>
-                  <a:tcPr/>
-                </a:tc>
-                <a:tc>
-                  <a:txBody>
-                    <a:bodyPr/>
-                    <a:lstStyle/>
-                    <a:p>
-                      <a:pPr algn="ctr"/>
-                      <a:r>
-                        <a:rPr lang="ru-RU" b="1" dirty="0"/>
-                        <a:t>-</a:t>
-                      </a:r>
-                    </a:p>
-                  </a:txBody>
-                  <a:tcPr/>
-                </a:tc>
-                <a:tc>
-                  <a:txBody>
-                    <a:bodyPr/>
-                    <a:lstStyle/>
-                    <a:p>
-                      <a:pPr algn="ctr"/>
-                      <a:r>
-                        <a:rPr lang="ru-RU" b="1" dirty="0"/>
-                        <a:t>-</a:t>
-                      </a:r>
-                    </a:p>
-                  </a:txBody>
-                  <a:tcPr/>
-                </a:tc>
-                <a:extLst>
-                  <a:ext uri="{0D108BD9-81ED-4DB2-BD59-A6C34878D82A}">
-                    <a16:rowId xmlns:a16="http://schemas.microsoft.com/office/drawing/2014/main" val="3780963501"/>
-                  </a:ext>
-                </a:extLst>
-              </a:tr>
-              <a:tr h="370840">
-                <a:tc>
-                  <a:txBody>
-                    <a:bodyPr/>
-                    <a:lstStyle/>
-                    <a:p>
-                      <a:r>
-                        <a:rPr lang="ru-RU" b="1" i="1" dirty="0"/>
-                        <a:t>Дзен-мани</a:t>
-                      </a:r>
-                    </a:p>
-                  </a:txBody>
-                  <a:tcPr/>
-                </a:tc>
-                <a:tc>
-                  <a:txBody>
-                    <a:bodyPr/>
-                    <a:lstStyle/>
-                    <a:p>
-                      <a:pPr marL="0" marR="0" lvl="0" indent="0" algn="ctr" defTabSz="914400" rtl="0" eaLnBrk="1" fontAlgn="auto" latinLnBrk="0" hangingPunct="1">
-                        <a:lnSpc>
-                          <a:spcPct val="100000"/>
-                        </a:lnSpc>
-                        <a:spcBef>
-                          <a:spcPts val="0"/>
-                        </a:spcBef>
-                        <a:spcAft>
-                          <a:spcPts val="0"/>
-                        </a:spcAft>
-                        <a:buClrTx/>
-                        <a:buSzTx/>
-                        <a:buFontTx/>
-                        <a:buNone/>
-                        <a:tabLst/>
-                        <a:defRPr/>
-                      </a:pPr>
-                      <a:r>
-                        <a:rPr lang="ru-RU" b="1" dirty="0"/>
-                        <a:t>Только по подписке</a:t>
-                      </a:r>
-                    </a:p>
-                  </a:txBody>
-                  <a:tcPr/>
-                </a:tc>
-                <a:tc>
-                  <a:txBody>
-                    <a:bodyPr/>
-                    <a:lstStyle/>
-                    <a:p>
-                      <a:pPr algn="ctr"/>
-                      <a:r>
-                        <a:rPr lang="ru-RU" b="1" dirty="0"/>
-                        <a:t>-</a:t>
-                      </a:r>
-                    </a:p>
-                  </a:txBody>
-                  <a:tcPr/>
-                </a:tc>
-                <a:tc>
-                  <a:txBody>
-                    <a:bodyPr/>
-                    <a:lstStyle/>
-                    <a:p>
-                      <a:pPr marL="0" marR="0" lvl="0" indent="0" algn="ctr" defTabSz="914400" rtl="0" eaLnBrk="1" fontAlgn="auto" latinLnBrk="0" hangingPunct="1">
-                        <a:lnSpc>
-                          <a:spcPct val="100000"/>
-                        </a:lnSpc>
-                        <a:spcBef>
-                          <a:spcPts val="0"/>
-                        </a:spcBef>
-                        <a:spcAft>
-                          <a:spcPts val="0"/>
-                        </a:spcAft>
-                        <a:buClrTx/>
-                        <a:buSzTx/>
-                        <a:buFontTx/>
-                        <a:buNone/>
-                        <a:tabLst/>
-                        <a:defRPr/>
-                      </a:pPr>
-                      <a:r>
-                        <a:rPr lang="ru-RU" b="1" dirty="0"/>
-                        <a:t>Только по подписке</a:t>
-                      </a:r>
-                    </a:p>
-                  </a:txBody>
-                  <a:tcPr/>
-                </a:tc>
-                <a:extLst>
-                  <a:ext uri="{0D108BD9-81ED-4DB2-BD59-A6C34878D82A}">
-                    <a16:rowId xmlns:a16="http://schemas.microsoft.com/office/drawing/2014/main" val="3926444260"/>
-                  </a:ext>
-                </a:extLst>
-              </a:tr>
-            </a:tbl>
-          </a:graphicData>
-        </a:graphic>
-      </p:graphicFrame>
+          <p:cNvSpPr txBox="1"/>
+          <p:nvPr/>
+        </p:nvSpPr>
+        <p:spPr>
+          <a:xfrm>
+            <a:off x="642937" y="1482982"/>
+            <a:ext cx="10906125" cy="3877985"/>
+          </a:xfrm>
+          <a:prstGeom prst="rect">
+            <a:avLst/>
+          </a:prstGeom>
+          <a:noFill/>
+        </p:spPr>
+        <p:txBody>
+          <a:bodyPr wrap="square" rtlCol="0">
+            <a:spAutoFit/>
+          </a:bodyPr>
+          <a:lstStyle/>
+          <a:p>
+            <a:pPr marL="285750" indent="-285750">
+              <a:buFont typeface="Arial" panose="020B0604020202020204" pitchFamily="34" charset="0"/>
+              <a:buChar char="•"/>
+            </a:pPr>
+            <a:r>
+              <a:rPr lang="ru-RU" sz="3200" dirty="0">
+                <a:solidFill>
+                  <a:schemeClr val="bg1"/>
+                </a:solidFill>
+                <a:latin typeface="Monseratt"/>
+              </a:rPr>
+              <a:t>Ведение учета доходов и расходов</a:t>
+            </a:r>
+          </a:p>
+          <a:p>
+            <a:pPr marL="285750" indent="-285750">
+              <a:buFont typeface="Arial" panose="020B0604020202020204" pitchFamily="34" charset="0"/>
+              <a:buChar char="•"/>
+            </a:pPr>
+            <a:r>
+              <a:rPr lang="ru-RU" sz="3200" dirty="0">
+                <a:solidFill>
+                  <a:schemeClr val="bg1"/>
+                </a:solidFill>
+                <a:latin typeface="Monseratt"/>
+              </a:rPr>
+              <a:t>Управление шаблонами</a:t>
+            </a:r>
+            <a:r>
+              <a:rPr lang="en-US" sz="3200" dirty="0">
+                <a:solidFill>
+                  <a:schemeClr val="bg1"/>
+                </a:solidFill>
+                <a:latin typeface="Monseratt"/>
+              </a:rPr>
+              <a:t> </a:t>
+            </a:r>
+            <a:r>
+              <a:rPr lang="ru-RU" sz="3200" dirty="0">
+                <a:solidFill>
+                  <a:schemeClr val="bg1"/>
+                </a:solidFill>
+                <a:latin typeface="Monseratt"/>
+              </a:rPr>
+              <a:t>финансовых операций</a:t>
+            </a:r>
+          </a:p>
+          <a:p>
+            <a:pPr marL="285750" indent="-285750">
+              <a:buFont typeface="Arial" panose="020B0604020202020204" pitchFamily="34" charset="0"/>
+              <a:buChar char="•"/>
+            </a:pPr>
+            <a:r>
+              <a:rPr lang="ru-RU" sz="3200" dirty="0">
+                <a:solidFill>
+                  <a:schemeClr val="bg1"/>
+                </a:solidFill>
+                <a:latin typeface="Monseratt"/>
+              </a:rPr>
+              <a:t>Расчет ежемесячного кредитного платежа</a:t>
+            </a:r>
+          </a:p>
+          <a:p>
+            <a:pPr marL="285750" indent="-285750">
+              <a:buFont typeface="Arial" panose="020B0604020202020204" pitchFamily="34" charset="0"/>
+              <a:buChar char="•"/>
+            </a:pPr>
+            <a:r>
+              <a:rPr lang="ru-RU" sz="3200" dirty="0">
+                <a:solidFill>
+                  <a:schemeClr val="bg1"/>
+                </a:solidFill>
+                <a:latin typeface="Monseratt"/>
+              </a:rPr>
+              <a:t>Управление категориями финансовых операций</a:t>
+            </a:r>
+          </a:p>
+          <a:p>
+            <a:pPr marL="285750" indent="-285750">
+              <a:buFont typeface="Arial" panose="020B0604020202020204" pitchFamily="34" charset="0"/>
+              <a:buChar char="•"/>
+            </a:pPr>
+            <a:r>
+              <a:rPr lang="ru-RU" sz="3200" dirty="0">
+                <a:solidFill>
+                  <a:schemeClr val="bg1"/>
+                </a:solidFill>
+                <a:latin typeface="Monseratt"/>
+              </a:rPr>
+              <a:t>Создание и сохранение отчета в </a:t>
+            </a:r>
+            <a:r>
+              <a:rPr lang="en-US" sz="3200" dirty="0">
+                <a:solidFill>
+                  <a:schemeClr val="bg1"/>
+                </a:solidFill>
+                <a:latin typeface="Monseratt"/>
+              </a:rPr>
+              <a:t>CSV </a:t>
+            </a:r>
+            <a:r>
+              <a:rPr lang="ru-RU" sz="3200" dirty="0">
+                <a:solidFill>
+                  <a:schemeClr val="bg1"/>
+                </a:solidFill>
+                <a:latin typeface="Monseratt"/>
+              </a:rPr>
+              <a:t>формат</a:t>
+            </a:r>
+          </a:p>
+          <a:p>
+            <a:pPr marL="285750" indent="-285750">
+              <a:buFont typeface="Arial" panose="020B0604020202020204" pitchFamily="34" charset="0"/>
+              <a:buChar char="•"/>
+            </a:pPr>
+            <a:r>
+              <a:rPr lang="ru-RU" sz="3200" dirty="0">
+                <a:solidFill>
+                  <a:schemeClr val="bg1"/>
+                </a:solidFill>
+                <a:latin typeface="Monseratt"/>
+              </a:rPr>
+              <a:t>Формирование групп пользователей для совместного отслеживания доходов и расходов</a:t>
+            </a:r>
+          </a:p>
+          <a:p>
+            <a:pPr marL="285750" indent="-285750">
+              <a:buFont typeface="Arial" panose="020B0604020202020204" pitchFamily="34" charset="0"/>
+              <a:buChar char="•"/>
+            </a:pPr>
+            <a:endParaRPr lang="ru-RU" dirty="0"/>
+          </a:p>
+        </p:txBody>
+      </p:sp>
       <p:sp>
         <p:nvSpPr>
           <p:cNvPr id="4" name="Полилиния 19">
             <a:extLst>
               <a:ext uri="{FF2B5EF4-FFF2-40B4-BE49-F238E27FC236}">
-                <a16:creationId xmlns:a16="http://schemas.microsoft.com/office/drawing/2014/main" id="{6BCD96C5-9C5F-CEBD-3C7D-31DDBE5F53B3}"/>
+                <a16:creationId xmlns:a16="http://schemas.microsoft.com/office/drawing/2014/main" id="{D40BFC40-0E11-64B3-2C81-6033BD59A897}"/>
               </a:ext>
               <a:ext uri="{C183D7F6-B498-43B3-948B-1728B52AA6E4}">
                 <adec:decorative xmlns:adec="http://schemas.microsoft.com/office/drawing/2017/decorative" val="1"/>
@@ -11364,10 +11985,10 @@
       </p:sp>
       <p:sp>
         <p:nvSpPr>
-          <p:cNvPr id="5" name="Надпись 20">
+          <p:cNvPr id="7" name="Надпись 20">
             <a:extLst>
               <a:ext uri="{FF2B5EF4-FFF2-40B4-BE49-F238E27FC236}">
-                <a16:creationId xmlns:a16="http://schemas.microsoft.com/office/drawing/2014/main" id="{556AFD0E-EB7A-2AFA-97D3-00D0BE6A9FE6}"/>
+                <a16:creationId xmlns:a16="http://schemas.microsoft.com/office/drawing/2014/main" id="{19D7EADD-D41F-7BB9-A964-DB3EFFCA7B3C}"/>
               </a:ext>
             </a:extLst>
           </p:cNvPr>
@@ -11392,10 +12013,915 @@
           <a:p>
             <a:pPr rtl="0"/>
             <a:r>
-              <a:rPr lang="en-US" b="1" dirty="0">
+              <a:rPr lang="ru-RU" b="1" dirty="0">
                 <a:latin typeface="Monseratt"/>
               </a:rPr>
               <a:t>5</a:t>
+            </a:r>
+            <a:endParaRPr lang="en-US" sz="2400" b="1" dirty="0">
+              <a:latin typeface="Monseratt"/>
+            </a:endParaRPr>
+          </a:p>
+        </p:txBody>
+      </p:sp>
+    </p:spTree>
+    <p:extLst>
+      <p:ext uri="{BB962C8B-B14F-4D97-AF65-F5344CB8AC3E}">
+        <p14:creationId xmlns:p14="http://schemas.microsoft.com/office/powerpoint/2010/main" val="3293348916"/>
+      </p:ext>
+    </p:extLst>
+  </p:cSld>
+  <p:clrMapOvr>
+    <a:masterClrMapping/>
+  </p:clrMapOvr>
+</p:sld>
+</file>
+
+<file path=ppt/slides/slide6.xml><?xml version="1.0" encoding="utf-8"?>
+<p:sld xmlns:a="http://schemas.openxmlformats.org/drawingml/2006/main" xmlns:r="http://schemas.openxmlformats.org/officeDocument/2006/relationships" xmlns:p="http://schemas.openxmlformats.org/presentationml/2006/main">
+  <p:cSld>
+    <p:bg>
+      <p:bgPr>
+        <a:solidFill>
+          <a:schemeClr val="tx1"/>
+        </a:solidFill>
+        <a:effectLst/>
+      </p:bgPr>
+    </p:bg>
+    <p:spTree>
+      <p:nvGrpSpPr>
+        <p:cNvPr id="1" name=""/>
+        <p:cNvGrpSpPr/>
+        <p:nvPr/>
+      </p:nvGrpSpPr>
+      <p:grpSpPr>
+        <a:xfrm>
+          <a:off x="0" y="0"/>
+          <a:ext cx="0" cy="0"/>
+          <a:chOff x="0" y="0"/>
+          <a:chExt cx="0" cy="0"/>
+        </a:xfrm>
+      </p:grpSpPr>
+      <p:sp>
+        <p:nvSpPr>
+          <p:cNvPr id="16" name="Надпись 15"/>
+          <p:cNvSpPr txBox="1"/>
+          <p:nvPr/>
+        </p:nvSpPr>
+        <p:spPr>
+          <a:xfrm>
+            <a:off x="11907454" y="6481180"/>
+            <a:ext cx="277640" cy="307777"/>
+          </a:xfrm>
+          <a:prstGeom prst="rect">
+            <a:avLst/>
+          </a:prstGeom>
+          <a:noFill/>
+        </p:spPr>
+        <p:txBody>
+          <a:bodyPr wrap="none" rtlCol="0">
+            <a:spAutoFit/>
+          </a:bodyPr>
+          <a:lstStyle/>
+          <a:p>
+            <a:pPr rtl="0"/>
+            <a:r>
+              <a:rPr lang="ru-RU" sz="1400" b="1" dirty="0"/>
+              <a:t>5</a:t>
+            </a:r>
+          </a:p>
+        </p:txBody>
+      </p:sp>
+      <p:sp>
+        <p:nvSpPr>
+          <p:cNvPr id="35" name="Надпись 34">
+            <a:extLst>
+              <a:ext uri="{FF2B5EF4-FFF2-40B4-BE49-F238E27FC236}">
+                <a16:creationId xmlns:a16="http://schemas.microsoft.com/office/drawing/2014/main" id="{0D497812-EAA0-46B1-8255-6A78E8C11B36}"/>
+              </a:ext>
+            </a:extLst>
+          </p:cNvPr>
+          <p:cNvSpPr txBox="1"/>
+          <p:nvPr/>
+        </p:nvSpPr>
+        <p:spPr>
+          <a:xfrm>
+            <a:off x="3969906" y="165381"/>
+            <a:ext cx="4252190" cy="738664"/>
+          </a:xfrm>
+          <a:prstGeom prst="rect">
+            <a:avLst/>
+          </a:prstGeom>
+          <a:noFill/>
+        </p:spPr>
+        <p:txBody>
+          <a:bodyPr wrap="none" lIns="0" tIns="0" rIns="0" bIns="0" rtlCol="0">
+            <a:spAutoFit/>
+          </a:bodyPr>
+          <a:lstStyle/>
+          <a:p>
+            <a:pPr algn="ctr" rtl="0">
+              <a:tabLst>
+                <a:tab pos="347663" algn="l"/>
+              </a:tabLst>
+            </a:pPr>
+            <a:r>
+              <a:rPr lang="ru-RU" sz="4800" b="1" dirty="0">
+                <a:solidFill>
+                  <a:schemeClr val="bg1"/>
+                </a:solidFill>
+                <a:latin typeface="Monseratt"/>
+              </a:rPr>
+              <a:t>Обзор аналогов</a:t>
+            </a:r>
+          </a:p>
+        </p:txBody>
+      </p:sp>
+      <p:sp>
+        <p:nvSpPr>
+          <p:cNvPr id="3" name="Заголовок 2" hidden="1">
+            <a:extLst>
+              <a:ext uri="{FF2B5EF4-FFF2-40B4-BE49-F238E27FC236}">
+                <a16:creationId xmlns:a16="http://schemas.microsoft.com/office/drawing/2014/main" id="{58A8366B-1D42-43D0-87E4-B7BC3F2C1B4C}"/>
+              </a:ext>
+            </a:extLst>
+          </p:cNvPr>
+          <p:cNvSpPr>
+            <a:spLocks noGrp="1"/>
+          </p:cNvSpPr>
+          <p:nvPr>
+            <p:ph type="title"/>
+          </p:nvPr>
+        </p:nvSpPr>
+        <p:spPr/>
+        <p:txBody>
+          <a:bodyPr rtlCol="0"/>
+          <a:lstStyle/>
+          <a:p>
+            <a:pPr rtl="0"/>
+            <a:r>
+              <a:rPr lang="ru" dirty="0"/>
+              <a:t>Слайд 5</a:t>
+            </a:r>
+          </a:p>
+        </p:txBody>
+      </p:sp>
+      <p:graphicFrame>
+        <p:nvGraphicFramePr>
+          <p:cNvPr id="2" name="Таблица 3">
+            <a:extLst>
+              <a:ext uri="{FF2B5EF4-FFF2-40B4-BE49-F238E27FC236}">
+                <a16:creationId xmlns:a16="http://schemas.microsoft.com/office/drawing/2014/main" id="{88513DDA-FFF0-1007-EEE3-085F9C319EC7}"/>
+              </a:ext>
+            </a:extLst>
+          </p:cNvPr>
+          <p:cNvGraphicFramePr>
+            <a:graphicFrameLocks noGrp="1"/>
+          </p:cNvGraphicFramePr>
+          <p:nvPr>
+            <p:extLst>
+              <p:ext uri="{D42A27DB-BD31-4B8C-83A1-F6EECF244321}">
+                <p14:modId xmlns:p14="http://schemas.microsoft.com/office/powerpoint/2010/main" val="3587007156"/>
+              </p:ext>
+            </p:extLst>
+          </p:nvPr>
+        </p:nvGraphicFramePr>
+        <p:xfrm>
+          <a:off x="540327" y="1200615"/>
+          <a:ext cx="10857756" cy="4834149"/>
+        </p:xfrm>
+        <a:graphic>
+          <a:graphicData uri="http://schemas.openxmlformats.org/drawingml/2006/table">
+            <a:tbl>
+              <a:tblPr firstRow="1" bandRow="1">
+                <a:tableStyleId>{7DF18680-E054-41AD-8BC1-D1AEF772440D}</a:tableStyleId>
+              </a:tblPr>
+              <a:tblGrid>
+                <a:gridCol w="2714439">
+                  <a:extLst>
+                    <a:ext uri="{9D8B030D-6E8A-4147-A177-3AD203B41FA5}">
+                      <a16:colId xmlns:a16="http://schemas.microsoft.com/office/drawing/2014/main" val="3795089390"/>
+                    </a:ext>
+                  </a:extLst>
+                </a:gridCol>
+                <a:gridCol w="2714439">
+                  <a:extLst>
+                    <a:ext uri="{9D8B030D-6E8A-4147-A177-3AD203B41FA5}">
+                      <a16:colId xmlns:a16="http://schemas.microsoft.com/office/drawing/2014/main" val="1647245347"/>
+                    </a:ext>
+                  </a:extLst>
+                </a:gridCol>
+                <a:gridCol w="2714439">
+                  <a:extLst>
+                    <a:ext uri="{9D8B030D-6E8A-4147-A177-3AD203B41FA5}">
+                      <a16:colId xmlns:a16="http://schemas.microsoft.com/office/drawing/2014/main" val="559533659"/>
+                    </a:ext>
+                  </a:extLst>
+                </a:gridCol>
+                <a:gridCol w="2714439">
+                  <a:extLst>
+                    <a:ext uri="{9D8B030D-6E8A-4147-A177-3AD203B41FA5}">
+                      <a16:colId xmlns:a16="http://schemas.microsoft.com/office/drawing/2014/main" val="4054419394"/>
+                    </a:ext>
+                  </a:extLst>
+                </a:gridCol>
+              </a:tblGrid>
+              <a:tr h="1723063">
+                <a:tc>
+                  <a:txBody>
+                    <a:bodyPr/>
+                    <a:lstStyle/>
+                    <a:p>
+                      <a:pPr algn="ctr"/>
+                      <a:endParaRPr lang="ru-RU" sz="2400" dirty="0">
+                        <a:solidFill>
+                          <a:schemeClr val="bg1"/>
+                        </a:solidFill>
+                        <a:latin typeface="Monseratt"/>
+                      </a:endParaRPr>
+                    </a:p>
+                  </a:txBody>
+                  <a:tcPr>
+                    <a:solidFill>
+                      <a:schemeClr val="tx1"/>
+                    </a:solidFill>
+                  </a:tcPr>
+                </a:tc>
+                <a:tc>
+                  <a:txBody>
+                    <a:bodyPr/>
+                    <a:lstStyle/>
+                    <a:p>
+                      <a:pPr algn="ctr"/>
+                      <a:r>
+                        <a:rPr lang="ru-RU" sz="2400" b="1" dirty="0">
+                          <a:solidFill>
+                            <a:schemeClr val="bg1"/>
+                          </a:solidFill>
+                        </a:rPr>
+                        <a:t>Экспорт финансовых операций</a:t>
+                      </a:r>
+                      <a:endParaRPr lang="ru-RU" sz="2400" b="1" i="1" dirty="0">
+                        <a:solidFill>
+                          <a:schemeClr val="bg1"/>
+                        </a:solidFill>
+                        <a:latin typeface="Monseratt"/>
+                      </a:endParaRPr>
+                    </a:p>
+                  </a:txBody>
+                  <a:tcPr>
+                    <a:solidFill>
+                      <a:schemeClr val="tx1"/>
+                    </a:solidFill>
+                  </a:tcPr>
+                </a:tc>
+                <a:tc>
+                  <a:txBody>
+                    <a:bodyPr/>
+                    <a:lstStyle/>
+                    <a:p>
+                      <a:pPr algn="ctr"/>
+                      <a:r>
+                        <a:rPr lang="ru-RU" sz="2400" b="1" dirty="0">
+                          <a:solidFill>
+                            <a:schemeClr val="bg1"/>
+                          </a:solidFill>
+                        </a:rPr>
+                        <a:t>Кредитный калькулятор</a:t>
+                      </a:r>
+                      <a:endParaRPr lang="ru-RU" sz="2400" b="1" i="1" dirty="0">
+                        <a:solidFill>
+                          <a:schemeClr val="bg1"/>
+                        </a:solidFill>
+                        <a:latin typeface="Monseratt"/>
+                      </a:endParaRPr>
+                    </a:p>
+                  </a:txBody>
+                  <a:tcPr>
+                    <a:solidFill>
+                      <a:schemeClr val="tx1"/>
+                    </a:solidFill>
+                  </a:tcPr>
+                </a:tc>
+                <a:tc>
+                  <a:txBody>
+                    <a:bodyPr/>
+                    <a:lstStyle/>
+                    <a:p>
+                      <a:pPr algn="ctr"/>
+                      <a:r>
+                        <a:rPr lang="ru-RU" sz="2400" b="1" dirty="0">
+                          <a:solidFill>
+                            <a:schemeClr val="bg1"/>
+                          </a:solidFill>
+                        </a:rPr>
+                        <a:t>Создание групп</a:t>
+                      </a:r>
+                      <a:endParaRPr lang="ru-RU" sz="2400" b="1" i="1" dirty="0">
+                        <a:solidFill>
+                          <a:schemeClr val="bg1"/>
+                        </a:solidFill>
+                        <a:latin typeface="Monseratt"/>
+                      </a:endParaRPr>
+                    </a:p>
+                  </a:txBody>
+                  <a:tcPr>
+                    <a:solidFill>
+                      <a:schemeClr val="tx1"/>
+                    </a:solidFill>
+                  </a:tcPr>
+                </a:tc>
+                <a:extLst>
+                  <a:ext uri="{0D108BD9-81ED-4DB2-BD59-A6C34878D82A}">
+                    <a16:rowId xmlns:a16="http://schemas.microsoft.com/office/drawing/2014/main" val="1090042724"/>
+                  </a:ext>
+                </a:extLst>
+              </a:tr>
+              <a:tr h="1206144">
+                <a:tc>
+                  <a:txBody>
+                    <a:bodyPr/>
+                    <a:lstStyle/>
+                    <a:p>
+                      <a:pPr algn="ctr"/>
+                      <a:r>
+                        <a:rPr lang="ru-RU" sz="2400" b="1" dirty="0">
+                          <a:solidFill>
+                            <a:schemeClr val="bg1"/>
+                          </a:solidFill>
+                        </a:rPr>
+                        <a:t>С</a:t>
+                      </a:r>
+                      <a:r>
+                        <a:rPr lang="en-US" sz="2400" b="1" dirty="0" err="1">
+                          <a:solidFill>
+                            <a:schemeClr val="bg1"/>
+                          </a:solidFill>
+                        </a:rPr>
+                        <a:t>oinKeeper</a:t>
+                      </a:r>
+                      <a:endParaRPr lang="ru-RU" sz="2400" b="1" i="1" dirty="0">
+                        <a:solidFill>
+                          <a:schemeClr val="bg1"/>
+                        </a:solidFill>
+                        <a:latin typeface="Monseratt"/>
+                      </a:endParaRPr>
+                    </a:p>
+                  </a:txBody>
+                  <a:tcPr>
+                    <a:solidFill>
+                      <a:schemeClr val="tx1"/>
+                    </a:solidFill>
+                  </a:tcPr>
+                </a:tc>
+                <a:tc>
+                  <a:txBody>
+                    <a:bodyPr/>
+                    <a:lstStyle/>
+                    <a:p>
+                      <a:pPr algn="ctr"/>
+                      <a:r>
+                        <a:rPr lang="ru-RU" sz="2400" b="1" dirty="0">
+                          <a:solidFill>
+                            <a:schemeClr val="bg1"/>
+                          </a:solidFill>
+                        </a:rPr>
+                        <a:t>Только по подписке</a:t>
+                      </a:r>
+                      <a:endParaRPr lang="ru-RU" sz="2400" b="1" dirty="0">
+                        <a:solidFill>
+                          <a:schemeClr val="bg1"/>
+                        </a:solidFill>
+                        <a:latin typeface="Monseratt"/>
+                      </a:endParaRPr>
+                    </a:p>
+                  </a:txBody>
+                  <a:tcPr>
+                    <a:solidFill>
+                      <a:schemeClr val="tx1"/>
+                    </a:solidFill>
+                  </a:tcPr>
+                </a:tc>
+                <a:tc>
+                  <a:txBody>
+                    <a:bodyPr/>
+                    <a:lstStyle/>
+                    <a:p>
+                      <a:pPr algn="ctr"/>
+                      <a:r>
+                        <a:rPr lang="ru-RU" sz="2400" b="1" dirty="0">
+                          <a:solidFill>
+                            <a:schemeClr val="bg1"/>
+                          </a:solidFill>
+                        </a:rPr>
+                        <a:t>-</a:t>
+                      </a:r>
+                      <a:endParaRPr lang="ru-RU" sz="2400" b="1" dirty="0">
+                        <a:solidFill>
+                          <a:schemeClr val="bg1"/>
+                        </a:solidFill>
+                        <a:latin typeface="Monseratt"/>
+                      </a:endParaRPr>
+                    </a:p>
+                  </a:txBody>
+                  <a:tcPr>
+                    <a:solidFill>
+                      <a:schemeClr val="tx1"/>
+                    </a:solidFill>
+                  </a:tcPr>
+                </a:tc>
+                <a:tc>
+                  <a:txBody>
+                    <a:bodyPr/>
+                    <a:lstStyle/>
+                    <a:p>
+                      <a:pPr algn="ctr"/>
+                      <a:r>
+                        <a:rPr lang="ru-RU" sz="2400" b="1" dirty="0">
+                          <a:solidFill>
+                            <a:schemeClr val="bg1"/>
+                          </a:solidFill>
+                        </a:rPr>
+                        <a:t>-</a:t>
+                      </a:r>
+                      <a:endParaRPr lang="ru-RU" sz="2400" b="1" dirty="0">
+                        <a:solidFill>
+                          <a:schemeClr val="bg1"/>
+                        </a:solidFill>
+                        <a:latin typeface="Monseratt"/>
+                      </a:endParaRPr>
+                    </a:p>
+                  </a:txBody>
+                  <a:tcPr>
+                    <a:solidFill>
+                      <a:schemeClr val="tx1"/>
+                    </a:solidFill>
+                  </a:tcPr>
+                </a:tc>
+                <a:extLst>
+                  <a:ext uri="{0D108BD9-81ED-4DB2-BD59-A6C34878D82A}">
+                    <a16:rowId xmlns:a16="http://schemas.microsoft.com/office/drawing/2014/main" val="1392690529"/>
+                  </a:ext>
+                </a:extLst>
+              </a:tr>
+              <a:tr h="698798">
+                <a:tc>
+                  <a:txBody>
+                    <a:bodyPr/>
+                    <a:lstStyle/>
+                    <a:p>
+                      <a:pPr algn="ctr"/>
+                      <a:r>
+                        <a:rPr lang="ru-RU" sz="2400" b="1" dirty="0">
+                          <a:solidFill>
+                            <a:schemeClr val="bg1"/>
+                          </a:solidFill>
+                        </a:rPr>
+                        <a:t>Финансы</a:t>
+                      </a:r>
+                      <a:endParaRPr lang="ru-RU" sz="2400" b="1" i="1" dirty="0">
+                        <a:solidFill>
+                          <a:schemeClr val="bg1"/>
+                        </a:solidFill>
+                        <a:latin typeface="Monseratt"/>
+                      </a:endParaRPr>
+                    </a:p>
+                  </a:txBody>
+                  <a:tcPr>
+                    <a:solidFill>
+                      <a:schemeClr val="tx1"/>
+                    </a:solidFill>
+                  </a:tcPr>
+                </a:tc>
+                <a:tc>
+                  <a:txBody>
+                    <a:bodyPr/>
+                    <a:lstStyle/>
+                    <a:p>
+                      <a:pPr algn="ctr"/>
+                      <a:r>
+                        <a:rPr lang="ru-RU" sz="2400" b="1" dirty="0">
+                          <a:solidFill>
+                            <a:schemeClr val="bg1"/>
+                          </a:solidFill>
+                        </a:rPr>
+                        <a:t>-</a:t>
+                      </a:r>
+                      <a:endParaRPr lang="ru-RU" sz="2400" b="1" dirty="0">
+                        <a:solidFill>
+                          <a:schemeClr val="bg1"/>
+                        </a:solidFill>
+                        <a:latin typeface="Monseratt"/>
+                      </a:endParaRPr>
+                    </a:p>
+                  </a:txBody>
+                  <a:tcPr>
+                    <a:solidFill>
+                      <a:schemeClr val="tx1"/>
+                    </a:solidFill>
+                  </a:tcPr>
+                </a:tc>
+                <a:tc>
+                  <a:txBody>
+                    <a:bodyPr/>
+                    <a:lstStyle/>
+                    <a:p>
+                      <a:pPr algn="ctr"/>
+                      <a:r>
+                        <a:rPr lang="ru-RU" sz="2400" b="1" dirty="0">
+                          <a:solidFill>
+                            <a:schemeClr val="bg1"/>
+                          </a:solidFill>
+                        </a:rPr>
+                        <a:t>-</a:t>
+                      </a:r>
+                      <a:endParaRPr lang="ru-RU" sz="2400" b="1" dirty="0">
+                        <a:solidFill>
+                          <a:schemeClr val="bg1"/>
+                        </a:solidFill>
+                        <a:latin typeface="Monseratt"/>
+                      </a:endParaRPr>
+                    </a:p>
+                  </a:txBody>
+                  <a:tcPr>
+                    <a:solidFill>
+                      <a:schemeClr val="tx1"/>
+                    </a:solidFill>
+                  </a:tcPr>
+                </a:tc>
+                <a:tc>
+                  <a:txBody>
+                    <a:bodyPr/>
+                    <a:lstStyle/>
+                    <a:p>
+                      <a:pPr algn="ctr"/>
+                      <a:r>
+                        <a:rPr lang="ru-RU" sz="2400" b="1" dirty="0">
+                          <a:solidFill>
+                            <a:schemeClr val="bg1"/>
+                          </a:solidFill>
+                        </a:rPr>
+                        <a:t>-</a:t>
+                      </a:r>
+                      <a:endParaRPr lang="ru-RU" sz="2400" b="1" dirty="0">
+                        <a:solidFill>
+                          <a:schemeClr val="bg1"/>
+                        </a:solidFill>
+                        <a:latin typeface="Monseratt"/>
+                      </a:endParaRPr>
+                    </a:p>
+                  </a:txBody>
+                  <a:tcPr>
+                    <a:solidFill>
+                      <a:schemeClr val="tx1"/>
+                    </a:solidFill>
+                  </a:tcPr>
+                </a:tc>
+                <a:extLst>
+                  <a:ext uri="{0D108BD9-81ED-4DB2-BD59-A6C34878D82A}">
+                    <a16:rowId xmlns:a16="http://schemas.microsoft.com/office/drawing/2014/main" val="3780963501"/>
+                  </a:ext>
+                </a:extLst>
+              </a:tr>
+              <a:tr h="1206144">
+                <a:tc>
+                  <a:txBody>
+                    <a:bodyPr/>
+                    <a:lstStyle/>
+                    <a:p>
+                      <a:pPr algn="ctr"/>
+                      <a:r>
+                        <a:rPr lang="ru-RU" sz="2400" b="1" dirty="0">
+                          <a:solidFill>
+                            <a:schemeClr val="bg1"/>
+                          </a:solidFill>
+                        </a:rPr>
+                        <a:t>Дзен-мани</a:t>
+                      </a:r>
+                      <a:endParaRPr lang="ru-RU" sz="2400" b="1" i="1" dirty="0">
+                        <a:solidFill>
+                          <a:schemeClr val="bg1"/>
+                        </a:solidFill>
+                        <a:latin typeface="Monseratt"/>
+                      </a:endParaRPr>
+                    </a:p>
+                  </a:txBody>
+                  <a:tcPr>
+                    <a:solidFill>
+                      <a:schemeClr val="tx1"/>
+                    </a:solidFill>
+                  </a:tcPr>
+                </a:tc>
+                <a:tc>
+                  <a:txBody>
+                    <a:bodyPr/>
+                    <a:lstStyle/>
+                    <a:p>
+                      <a:pPr marL="0" marR="0" lvl="0" indent="0" algn="ctr" defTabSz="914400" rtl="0" eaLnBrk="1" fontAlgn="auto" latinLnBrk="0" hangingPunct="1">
+                        <a:lnSpc>
+                          <a:spcPct val="100000"/>
+                        </a:lnSpc>
+                        <a:spcBef>
+                          <a:spcPts val="0"/>
+                        </a:spcBef>
+                        <a:spcAft>
+                          <a:spcPts val="0"/>
+                        </a:spcAft>
+                        <a:buClrTx/>
+                        <a:buSzTx/>
+                        <a:buFontTx/>
+                        <a:buNone/>
+                        <a:tabLst/>
+                        <a:defRPr/>
+                      </a:pPr>
+                      <a:r>
+                        <a:rPr lang="ru-RU" sz="2400" b="1" dirty="0">
+                          <a:solidFill>
+                            <a:schemeClr val="bg1"/>
+                          </a:solidFill>
+                        </a:rPr>
+                        <a:t>Только по подписке</a:t>
+                      </a:r>
+                      <a:endParaRPr lang="ru-RU" sz="2400" b="1" dirty="0">
+                        <a:solidFill>
+                          <a:schemeClr val="bg1"/>
+                        </a:solidFill>
+                        <a:latin typeface="Monseratt"/>
+                      </a:endParaRPr>
+                    </a:p>
+                  </a:txBody>
+                  <a:tcPr>
+                    <a:solidFill>
+                      <a:schemeClr val="tx1"/>
+                    </a:solidFill>
+                  </a:tcPr>
+                </a:tc>
+                <a:tc>
+                  <a:txBody>
+                    <a:bodyPr/>
+                    <a:lstStyle/>
+                    <a:p>
+                      <a:pPr algn="ctr"/>
+                      <a:r>
+                        <a:rPr lang="ru-RU" sz="2400" b="1" dirty="0">
+                          <a:solidFill>
+                            <a:schemeClr val="bg1"/>
+                          </a:solidFill>
+                        </a:rPr>
+                        <a:t>-</a:t>
+                      </a:r>
+                      <a:endParaRPr lang="ru-RU" sz="2400" b="1" dirty="0">
+                        <a:solidFill>
+                          <a:schemeClr val="bg1"/>
+                        </a:solidFill>
+                        <a:latin typeface="Monseratt"/>
+                      </a:endParaRPr>
+                    </a:p>
+                  </a:txBody>
+                  <a:tcPr>
+                    <a:solidFill>
+                      <a:schemeClr val="tx1"/>
+                    </a:solidFill>
+                  </a:tcPr>
+                </a:tc>
+                <a:tc>
+                  <a:txBody>
+                    <a:bodyPr/>
+                    <a:lstStyle/>
+                    <a:p>
+                      <a:pPr marL="0" marR="0" lvl="0" indent="0" algn="ctr" defTabSz="914400" rtl="0" eaLnBrk="1" fontAlgn="auto" latinLnBrk="0" hangingPunct="1">
+                        <a:lnSpc>
+                          <a:spcPct val="100000"/>
+                        </a:lnSpc>
+                        <a:spcBef>
+                          <a:spcPts val="0"/>
+                        </a:spcBef>
+                        <a:spcAft>
+                          <a:spcPts val="0"/>
+                        </a:spcAft>
+                        <a:buClrTx/>
+                        <a:buSzTx/>
+                        <a:buFontTx/>
+                        <a:buNone/>
+                        <a:tabLst/>
+                        <a:defRPr/>
+                      </a:pPr>
+                      <a:r>
+                        <a:rPr lang="ru-RU" sz="2400" b="1" dirty="0">
+                          <a:solidFill>
+                            <a:schemeClr val="bg1"/>
+                          </a:solidFill>
+                        </a:rPr>
+                        <a:t>Только по подписке</a:t>
+                      </a:r>
+                      <a:endParaRPr lang="ru-RU" sz="2400" b="1" dirty="0">
+                        <a:solidFill>
+                          <a:schemeClr val="bg1"/>
+                        </a:solidFill>
+                        <a:latin typeface="Monseratt"/>
+                      </a:endParaRPr>
+                    </a:p>
+                  </a:txBody>
+                  <a:tcPr>
+                    <a:solidFill>
+                      <a:schemeClr val="tx1"/>
+                    </a:solidFill>
+                  </a:tcPr>
+                </a:tc>
+                <a:extLst>
+                  <a:ext uri="{0D108BD9-81ED-4DB2-BD59-A6C34878D82A}">
+                    <a16:rowId xmlns:a16="http://schemas.microsoft.com/office/drawing/2014/main" val="3926444260"/>
+                  </a:ext>
+                </a:extLst>
+              </a:tr>
+            </a:tbl>
+          </a:graphicData>
+        </a:graphic>
+      </p:graphicFrame>
+      <p:sp>
+        <p:nvSpPr>
+          <p:cNvPr id="4" name="Полилиния 19">
+            <a:extLst>
+              <a:ext uri="{FF2B5EF4-FFF2-40B4-BE49-F238E27FC236}">
+                <a16:creationId xmlns:a16="http://schemas.microsoft.com/office/drawing/2014/main" id="{6BCD96C5-9C5F-CEBD-3C7D-31DDBE5F53B3}"/>
+              </a:ext>
+              <a:ext uri="{C183D7F6-B498-43B3-948B-1728B52AA6E4}">
+                <adec:decorative xmlns:adec="http://schemas.microsoft.com/office/drawing/2017/decorative" val="1"/>
+              </a:ext>
+            </a:extLst>
+          </p:cNvPr>
+          <p:cNvSpPr/>
+          <p:nvPr/>
+        </p:nvSpPr>
+        <p:spPr>
+          <a:xfrm rot="2700000">
+            <a:off x="11788943" y="6333474"/>
+            <a:ext cx="527486" cy="603188"/>
+          </a:xfrm>
+          <a:custGeom>
+            <a:avLst/>
+            <a:gdLst>
+              <a:gd name="connsiteX0" fmla="*/ 110516 w 889463"/>
+              <a:gd name="connsiteY0" fmla="*/ 95275 h 1017114"/>
+              <a:gd name="connsiteX1" fmla="*/ 230452 w 889463"/>
+              <a:gd name="connsiteY1" fmla="*/ 14411 h 1017114"/>
+              <a:gd name="connsiteX2" fmla="*/ 276877 w 889463"/>
+              <a:gd name="connsiteY2" fmla="*/ 0 h 1017114"/>
+              <a:gd name="connsiteX3" fmla="*/ 889463 w 889463"/>
+              <a:gd name="connsiteY3" fmla="*/ 612585 h 1017114"/>
+              <a:gd name="connsiteX4" fmla="*/ 484934 w 889463"/>
+              <a:gd name="connsiteY4" fmla="*/ 1017114 h 1017114"/>
+              <a:gd name="connsiteX5" fmla="*/ 377324 w 889463"/>
+              <a:gd name="connsiteY5" fmla="*/ 1017114 h 1017114"/>
+              <a:gd name="connsiteX6" fmla="*/ 0 w 889463"/>
+              <a:gd name="connsiteY6" fmla="*/ 639790 h 1017114"/>
+              <a:gd name="connsiteX7" fmla="*/ 0 w 889463"/>
+              <a:gd name="connsiteY7" fmla="*/ 362083 h 1017114"/>
+              <a:gd name="connsiteX8" fmla="*/ 110516 w 889463"/>
+              <a:gd name="connsiteY8" fmla="*/ 95275 h 1017114"/>
+            </a:gdLst>
+            <a:ahLst/>
+            <a:cxnLst>
+              <a:cxn ang="0">
+                <a:pos x="connsiteX0" y="connsiteY0"/>
+              </a:cxn>
+              <a:cxn ang="0">
+                <a:pos x="connsiteX1" y="connsiteY1"/>
+              </a:cxn>
+              <a:cxn ang="0">
+                <a:pos x="connsiteX2" y="connsiteY2"/>
+              </a:cxn>
+              <a:cxn ang="0">
+                <a:pos x="connsiteX3" y="connsiteY3"/>
+              </a:cxn>
+              <a:cxn ang="0">
+                <a:pos x="connsiteX4" y="connsiteY4"/>
+              </a:cxn>
+              <a:cxn ang="0">
+                <a:pos x="connsiteX5" y="connsiteY5"/>
+              </a:cxn>
+              <a:cxn ang="0">
+                <a:pos x="connsiteX6" y="connsiteY6"/>
+              </a:cxn>
+              <a:cxn ang="0">
+                <a:pos x="connsiteX7" y="connsiteY7"/>
+              </a:cxn>
+              <a:cxn ang="0">
+                <a:pos x="connsiteX8" y="connsiteY8"/>
+              </a:cxn>
+            </a:cxnLst>
+            <a:rect l="l" t="t" r="r" b="b"/>
+            <a:pathLst>
+              <a:path w="889463" h="1017114">
+                <a:moveTo>
+                  <a:pt x="110516" y="95275"/>
+                </a:moveTo>
+                <a:cubicBezTo>
+                  <a:pt x="144657" y="61133"/>
+                  <a:pt x="185310" y="33504"/>
+                  <a:pt x="230452" y="14411"/>
+                </a:cubicBezTo>
+                <a:lnTo>
+                  <a:pt x="276877" y="0"/>
+                </a:lnTo>
+                <a:lnTo>
+                  <a:pt x="889463" y="612585"/>
+                </a:lnTo>
+                <a:lnTo>
+                  <a:pt x="484934" y="1017114"/>
+                </a:lnTo>
+                <a:lnTo>
+                  <a:pt x="377324" y="1017114"/>
+                </a:lnTo>
+                <a:cubicBezTo>
+                  <a:pt x="168934" y="1017114"/>
+                  <a:pt x="0" y="848180"/>
+                  <a:pt x="0" y="639790"/>
+                </a:cubicBezTo>
+                <a:lnTo>
+                  <a:pt x="0" y="362083"/>
+                </a:lnTo>
+                <a:cubicBezTo>
+                  <a:pt x="0" y="257888"/>
+                  <a:pt x="42234" y="163556"/>
+                  <a:pt x="110516" y="95275"/>
+                </a:cubicBezTo>
+                <a:close/>
+              </a:path>
+            </a:pathLst>
+          </a:custGeom>
+          <a:solidFill>
+            <a:schemeClr val="bg1"/>
+          </a:solidFill>
+          <a:ln>
+            <a:noFill/>
+          </a:ln>
+        </p:spPr>
+        <p:style>
+          <a:lnRef idx="2">
+            <a:schemeClr val="accent1">
+              <a:shade val="50000"/>
+            </a:schemeClr>
+          </a:lnRef>
+          <a:fillRef idx="1">
+            <a:schemeClr val="accent1"/>
+          </a:fillRef>
+          <a:effectRef idx="0">
+            <a:schemeClr val="accent1"/>
+          </a:effectRef>
+          <a:fontRef idx="minor">
+            <a:schemeClr val="lt1"/>
+          </a:fontRef>
+        </p:style>
+        <p:txBody>
+          <a:bodyPr wrap="square" rtlCol="0" anchor="ctr">
+            <a:noAutofit/>
+          </a:bodyPr>
+          <a:lstStyle/>
+          <a:p>
+            <a:pPr algn="ctr" rtl="0"/>
+            <a:endParaRPr lang="ru-RU" dirty="0">
+              <a:solidFill>
+                <a:srgbClr val="98A3AD"/>
+              </a:solidFill>
+            </a:endParaRPr>
+          </a:p>
+        </p:txBody>
+      </p:sp>
+      <p:sp>
+        <p:nvSpPr>
+          <p:cNvPr id="5" name="Надпись 20">
+            <a:extLst>
+              <a:ext uri="{FF2B5EF4-FFF2-40B4-BE49-F238E27FC236}">
+                <a16:creationId xmlns:a16="http://schemas.microsoft.com/office/drawing/2014/main" id="{556AFD0E-EB7A-2AFA-97D3-00D0BE6A9FE6}"/>
+              </a:ext>
+            </a:extLst>
+          </p:cNvPr>
+          <p:cNvSpPr txBox="1"/>
+          <p:nvPr/>
+        </p:nvSpPr>
+        <p:spPr>
+          <a:xfrm>
+            <a:off x="11901843" y="6450402"/>
+            <a:ext cx="301686" cy="369332"/>
+          </a:xfrm>
+          <a:prstGeom prst="rect">
+            <a:avLst/>
+          </a:prstGeom>
+          <a:noFill/>
+        </p:spPr>
+        <p:txBody>
+          <a:bodyPr wrap="none" rtlCol="0">
+            <a:spAutoFit/>
+          </a:bodyPr>
+          <a:lstStyle/>
+          <a:p>
+            <a:pPr rtl="0"/>
+            <a:r>
+              <a:rPr lang="ru-RU" b="1" dirty="0">
+                <a:latin typeface="Monseratt"/>
+              </a:rPr>
+              <a:t>6</a:t>
             </a:r>
             <a:endParaRPr lang="en-US" sz="2400" b="1" dirty="0">
               <a:latin typeface="Monseratt"/>
@@ -11416,7 +12942,7 @@
 </p:sld>
 </file>
 
-<file path=ppt/slides/slide6.xml><?xml version="1.0" encoding="utf-8"?>
+<file path=ppt/slides/slide7.xml><?xml version="1.0" encoding="utf-8"?>
 <p:sld xmlns:a="http://schemas.openxmlformats.org/drawingml/2006/main" xmlns:r="http://schemas.openxmlformats.org/officeDocument/2006/relationships" xmlns:p="http://schemas.openxmlformats.org/presentationml/2006/main">
   <p:cSld>
     <p:bg>
@@ -12104,10 +13630,10 @@
           <a:p>
             <a:pPr rtl="0"/>
             <a:r>
-              <a:rPr lang="en-US" b="1" dirty="0">
+              <a:rPr lang="ru-RU" b="1" dirty="0">
                 <a:latin typeface="Monseratt"/>
               </a:rPr>
-              <a:t>6</a:t>
+              <a:t>7</a:t>
             </a:r>
             <a:endParaRPr lang="en-US" sz="2400" b="1" dirty="0">
               <a:latin typeface="Monseratt"/>
@@ -12128,7 +13654,7 @@
 </p:sld>
 </file>
 
-<file path=ppt/slides/slide7.xml><?xml version="1.0" encoding="utf-8"?>
+<file path=ppt/slides/slide8.xml><?xml version="1.0" encoding="utf-8"?>
 <p:sld xmlns:a="http://schemas.openxmlformats.org/drawingml/2006/main" xmlns:r="http://schemas.openxmlformats.org/officeDocument/2006/relationships" xmlns:p="http://schemas.openxmlformats.org/presentationml/2006/main">
   <p:cSld>
     <p:bg>
@@ -12553,10 +14079,10 @@
           <a:p>
             <a:pPr rtl="0"/>
             <a:r>
-              <a:rPr lang="en-US" b="1" dirty="0">
+              <a:rPr lang="ru-RU" b="1" dirty="0">
                 <a:latin typeface="Monseratt"/>
               </a:rPr>
-              <a:t>7</a:t>
+              <a:t>8</a:t>
             </a:r>
             <a:endParaRPr lang="en-US" sz="2400" b="1" dirty="0">
               <a:latin typeface="Monseratt"/>
@@ -12577,7 +14103,7 @@
 </p:sld>
 </file>
 
-<file path=ppt/slides/slide8.xml><?xml version="1.0" encoding="utf-8"?>
+<file path=ppt/slides/slide9.xml><?xml version="1.0" encoding="utf-8"?>
 <p:sld xmlns:a="http://schemas.openxmlformats.org/drawingml/2006/main" xmlns:r="http://schemas.openxmlformats.org/officeDocument/2006/relationships" xmlns:p="http://schemas.openxmlformats.org/presentationml/2006/main">
   <p:cSld>
     <p:bg>
@@ -13002,7 +14528,7 @@
         <p:spPr>
           <a:xfrm>
             <a:off x="11901843" y="6450402"/>
-            <a:ext cx="301686" cy="369332"/>
+            <a:ext cx="418704" cy="369332"/>
           </a:xfrm>
           <a:prstGeom prst="rect">
             <a:avLst/>
@@ -13017,10 +14543,10 @@
           <a:p>
             <a:pPr rtl="0"/>
             <a:r>
-              <a:rPr lang="en-US" b="1" dirty="0">
+              <a:rPr lang="ru-RU" b="1" dirty="0">
                 <a:latin typeface="Monseratt"/>
               </a:rPr>
-              <a:t>8</a:t>
+              <a:t>10</a:t>
             </a:r>
             <a:endParaRPr lang="en-US" sz="2400" b="1" dirty="0">
               <a:latin typeface="Monseratt"/>
@@ -13032,500 +14558,6 @@
     <p:extLst>
       <p:ext uri="{BB962C8B-B14F-4D97-AF65-F5344CB8AC3E}">
         <p14:creationId xmlns:p14="http://schemas.microsoft.com/office/powerpoint/2010/main" val="940780592"/>
-      </p:ext>
-    </p:extLst>
-  </p:cSld>
-  <p:clrMapOvr>
-    <a:masterClrMapping/>
-  </p:clrMapOvr>
-</p:sld>
-</file>
-
-<file path=ppt/slides/slide9.xml><?xml version="1.0" encoding="utf-8"?>
-<p:sld xmlns:a="http://schemas.openxmlformats.org/drawingml/2006/main" xmlns:r="http://schemas.openxmlformats.org/officeDocument/2006/relationships" xmlns:p="http://schemas.openxmlformats.org/presentationml/2006/main">
-  <p:cSld>
-    <p:bg>
-      <p:bgPr>
-        <a:solidFill>
-          <a:schemeClr val="tx1"/>
-        </a:solidFill>
-        <a:effectLst/>
-      </p:bgPr>
-    </p:bg>
-    <p:spTree>
-      <p:nvGrpSpPr>
-        <p:cNvPr id="1" name=""/>
-        <p:cNvGrpSpPr/>
-        <p:nvPr/>
-      </p:nvGrpSpPr>
-      <p:grpSpPr>
-        <a:xfrm>
-          <a:off x="0" y="0"/>
-          <a:ext cx="0" cy="0"/>
-          <a:chOff x="0" y="0"/>
-          <a:chExt cx="0" cy="0"/>
-        </a:xfrm>
-      </p:grpSpPr>
-      <p:sp>
-        <p:nvSpPr>
-          <p:cNvPr id="44" name="Надпись 43"/>
-          <p:cNvSpPr txBox="1"/>
-          <p:nvPr/>
-        </p:nvSpPr>
-        <p:spPr>
-          <a:xfrm>
-            <a:off x="11907454" y="6481180"/>
-            <a:ext cx="277640" cy="307777"/>
-          </a:xfrm>
-          <a:prstGeom prst="rect">
-            <a:avLst/>
-          </a:prstGeom>
-          <a:noFill/>
-        </p:spPr>
-        <p:txBody>
-          <a:bodyPr wrap="none" rtlCol="0">
-            <a:spAutoFit/>
-          </a:bodyPr>
-          <a:lstStyle/>
-          <a:p>
-            <a:pPr rtl="0"/>
-            <a:r>
-              <a:rPr lang="ru-RU" sz="1400" b="1" dirty="0"/>
-              <a:t>9</a:t>
-            </a:r>
-          </a:p>
-        </p:txBody>
-      </p:sp>
-      <p:sp>
-        <p:nvSpPr>
-          <p:cNvPr id="62" name="Надпись 61">
-            <a:extLst>
-              <a:ext uri="{FF2B5EF4-FFF2-40B4-BE49-F238E27FC236}">
-                <a16:creationId xmlns:a16="http://schemas.microsoft.com/office/drawing/2014/main" id="{5313BB7D-C5A8-4D5C-B6B7-D0CB9B8FB44E}"/>
-              </a:ext>
-            </a:extLst>
-          </p:cNvPr>
-          <p:cNvSpPr txBox="1"/>
-          <p:nvPr/>
-        </p:nvSpPr>
-        <p:spPr>
-          <a:xfrm>
-            <a:off x="2286251" y="165381"/>
-            <a:ext cx="7619522" cy="738664"/>
-          </a:xfrm>
-          <a:prstGeom prst="rect">
-            <a:avLst/>
-          </a:prstGeom>
-          <a:noFill/>
-        </p:spPr>
-        <p:txBody>
-          <a:bodyPr wrap="none" lIns="0" tIns="0" rIns="0" bIns="0" rtlCol="0">
-            <a:spAutoFit/>
-          </a:bodyPr>
-          <a:lstStyle/>
-          <a:p>
-            <a:pPr algn="ctr" rtl="0">
-              <a:tabLst>
-                <a:tab pos="347663" algn="l"/>
-              </a:tabLst>
-            </a:pPr>
-            <a:r>
-              <a:rPr lang="ru-RU" sz="4800" b="1" dirty="0">
-                <a:solidFill>
-                  <a:schemeClr val="bg1"/>
-                </a:solidFill>
-                <a:latin typeface="Monseratt"/>
-              </a:rPr>
-              <a:t>Пользовательские сценарии</a:t>
-            </a:r>
-          </a:p>
-        </p:txBody>
-      </p:sp>
-      <p:sp>
-        <p:nvSpPr>
-          <p:cNvPr id="2" name="Заголовок 1" hidden="1">
-            <a:extLst>
-              <a:ext uri="{FF2B5EF4-FFF2-40B4-BE49-F238E27FC236}">
-                <a16:creationId xmlns:a16="http://schemas.microsoft.com/office/drawing/2014/main" id="{622A5C56-DFFD-4557-A19C-A250AFFB1D6C}"/>
-              </a:ext>
-            </a:extLst>
-          </p:cNvPr>
-          <p:cNvSpPr>
-            <a:spLocks noGrp="1"/>
-          </p:cNvSpPr>
-          <p:nvPr>
-            <p:ph type="title"/>
-          </p:nvPr>
-        </p:nvSpPr>
-        <p:spPr/>
-        <p:txBody>
-          <a:bodyPr rtlCol="0"/>
-          <a:lstStyle/>
-          <a:p>
-            <a:pPr rtl="0"/>
-            <a:r>
-              <a:rPr lang="ru" dirty="0"/>
-              <a:t>Слайд 6</a:t>
-            </a:r>
-          </a:p>
-        </p:txBody>
-      </p:sp>
-      <p:sp>
-        <p:nvSpPr>
-          <p:cNvPr id="16" name="TextBox 15">
-            <a:extLst>
-              <a:ext uri="{FF2B5EF4-FFF2-40B4-BE49-F238E27FC236}">
-                <a16:creationId xmlns:a16="http://schemas.microsoft.com/office/drawing/2014/main" id="{A814046B-0353-4799-B124-EB6C9FB20CCA}"/>
-              </a:ext>
-            </a:extLst>
-          </p:cNvPr>
-          <p:cNvSpPr txBox="1"/>
-          <p:nvPr/>
-        </p:nvSpPr>
-        <p:spPr>
-          <a:xfrm>
-            <a:off x="476251" y="1528375"/>
-            <a:ext cx="5753100" cy="2308324"/>
-          </a:xfrm>
-          <a:prstGeom prst="rect">
-            <a:avLst/>
-          </a:prstGeom>
-          <a:noFill/>
-        </p:spPr>
-        <p:txBody>
-          <a:bodyPr wrap="square" rtlCol="0">
-            <a:spAutoFit/>
-          </a:bodyPr>
-          <a:lstStyle/>
-          <a:p>
-            <a:pPr marL="285750" indent="-285750">
-              <a:buFont typeface="Arial" panose="020B0604020202020204" pitchFamily="34" charset="0"/>
-              <a:buChar char="•"/>
-            </a:pPr>
-            <a:r>
-              <a:rPr lang="ru-RU" sz="3600" dirty="0">
-                <a:solidFill>
-                  <a:schemeClr val="bg1"/>
-                </a:solidFill>
-                <a:latin typeface="Monseratt"/>
-              </a:rPr>
-              <a:t>Просмотр списка счетов</a:t>
-            </a:r>
-          </a:p>
-          <a:p>
-            <a:pPr marL="285750" indent="-285750">
-              <a:buFont typeface="Arial" panose="020B0604020202020204" pitchFamily="34" charset="0"/>
-              <a:buChar char="•"/>
-            </a:pPr>
-            <a:r>
-              <a:rPr lang="ru-RU" sz="3600" dirty="0">
-                <a:solidFill>
-                  <a:schemeClr val="bg1"/>
-                </a:solidFill>
-                <a:latin typeface="Monseratt"/>
-              </a:rPr>
-              <a:t>Создание счета</a:t>
-            </a:r>
-          </a:p>
-          <a:p>
-            <a:pPr marL="285750" indent="-285750">
-              <a:buFont typeface="Arial" panose="020B0604020202020204" pitchFamily="34" charset="0"/>
-              <a:buChar char="•"/>
-            </a:pPr>
-            <a:r>
-              <a:rPr lang="ru-RU" sz="3600" dirty="0">
-                <a:solidFill>
-                  <a:schemeClr val="bg1"/>
-                </a:solidFill>
-                <a:latin typeface="Monseratt"/>
-              </a:rPr>
-              <a:t>Редактирование счета</a:t>
-            </a:r>
-          </a:p>
-          <a:p>
-            <a:pPr marL="285750" indent="-285750">
-              <a:buFont typeface="Arial" panose="020B0604020202020204" pitchFamily="34" charset="0"/>
-              <a:buChar char="•"/>
-            </a:pPr>
-            <a:r>
-              <a:rPr lang="ru-RU" sz="3600" dirty="0">
-                <a:solidFill>
-                  <a:schemeClr val="bg1"/>
-                </a:solidFill>
-                <a:latin typeface="Monseratt"/>
-              </a:rPr>
-              <a:t>Удаление счета</a:t>
-            </a:r>
-          </a:p>
-        </p:txBody>
-      </p:sp>
-      <p:pic>
-        <p:nvPicPr>
-          <p:cNvPr id="4" name="Рисунок 3">
-            <a:extLst>
-              <a:ext uri="{FF2B5EF4-FFF2-40B4-BE49-F238E27FC236}">
-                <a16:creationId xmlns:a16="http://schemas.microsoft.com/office/drawing/2014/main" id="{70FBC729-666D-4400-BAD6-009049058249}"/>
-              </a:ext>
-            </a:extLst>
-          </p:cNvPr>
-          <p:cNvPicPr>
-            <a:picLocks noChangeAspect="1"/>
-          </p:cNvPicPr>
-          <p:nvPr/>
-        </p:nvPicPr>
-        <p:blipFill>
-          <a:blip r:embed="rId3">
-            <a:extLst>
-              <a:ext uri="{28A0092B-C50C-407E-A947-70E740481C1C}">
-                <a14:useLocalDpi xmlns:a14="http://schemas.microsoft.com/office/drawing/2010/main" val="0"/>
-              </a:ext>
-            </a:extLst>
-          </a:blip>
-          <a:stretch>
-            <a:fillRect/>
-          </a:stretch>
-        </p:blipFill>
-        <p:spPr>
-          <a:xfrm>
-            <a:off x="6605789" y="1294839"/>
-            <a:ext cx="2133602" cy="4741337"/>
-          </a:xfrm>
-          <a:prstGeom prst="rect">
-            <a:avLst/>
-          </a:prstGeom>
-        </p:spPr>
-      </p:pic>
-      <p:pic>
-        <p:nvPicPr>
-          <p:cNvPr id="8" name="Рисунок 7">
-            <a:extLst>
-              <a:ext uri="{FF2B5EF4-FFF2-40B4-BE49-F238E27FC236}">
-                <a16:creationId xmlns:a16="http://schemas.microsoft.com/office/drawing/2014/main" id="{75B2D3C5-30B0-4A61-B0D1-C2D2BE7F6160}"/>
-              </a:ext>
-            </a:extLst>
-          </p:cNvPr>
-          <p:cNvPicPr>
-            <a:picLocks noChangeAspect="1"/>
-          </p:cNvPicPr>
-          <p:nvPr/>
-        </p:nvPicPr>
-        <p:blipFill>
-          <a:blip r:embed="rId4">
-            <a:extLst>
-              <a:ext uri="{28A0092B-C50C-407E-A947-70E740481C1C}">
-                <a14:useLocalDpi xmlns:a14="http://schemas.microsoft.com/office/drawing/2010/main" val="0"/>
-              </a:ext>
-            </a:extLst>
-          </a:blip>
-          <a:stretch>
-            <a:fillRect/>
-          </a:stretch>
-        </p:blipFill>
-        <p:spPr>
-          <a:xfrm>
-            <a:off x="8953500" y="1294838"/>
-            <a:ext cx="2133602" cy="4741338"/>
-          </a:xfrm>
-          <a:prstGeom prst="rect">
-            <a:avLst/>
-          </a:prstGeom>
-        </p:spPr>
-      </p:pic>
-      <p:sp>
-        <p:nvSpPr>
-          <p:cNvPr id="3" name="Полилиния 19">
-            <a:extLst>
-              <a:ext uri="{FF2B5EF4-FFF2-40B4-BE49-F238E27FC236}">
-                <a16:creationId xmlns:a16="http://schemas.microsoft.com/office/drawing/2014/main" id="{C0581638-4BA0-44EA-9C0F-DBAA4F58589F}"/>
-              </a:ext>
-              <a:ext uri="{C183D7F6-B498-43B3-948B-1728B52AA6E4}">
-                <adec:decorative xmlns:adec="http://schemas.microsoft.com/office/drawing/2017/decorative" val="1"/>
-              </a:ext>
-            </a:extLst>
-          </p:cNvPr>
-          <p:cNvSpPr/>
-          <p:nvPr/>
-        </p:nvSpPr>
-        <p:spPr>
-          <a:xfrm rot="2700000">
-            <a:off x="11788943" y="6333474"/>
-            <a:ext cx="527486" cy="603188"/>
-          </a:xfrm>
-          <a:custGeom>
-            <a:avLst/>
-            <a:gdLst>
-              <a:gd name="connsiteX0" fmla="*/ 110516 w 889463"/>
-              <a:gd name="connsiteY0" fmla="*/ 95275 h 1017114"/>
-              <a:gd name="connsiteX1" fmla="*/ 230452 w 889463"/>
-              <a:gd name="connsiteY1" fmla="*/ 14411 h 1017114"/>
-              <a:gd name="connsiteX2" fmla="*/ 276877 w 889463"/>
-              <a:gd name="connsiteY2" fmla="*/ 0 h 1017114"/>
-              <a:gd name="connsiteX3" fmla="*/ 889463 w 889463"/>
-              <a:gd name="connsiteY3" fmla="*/ 612585 h 1017114"/>
-              <a:gd name="connsiteX4" fmla="*/ 484934 w 889463"/>
-              <a:gd name="connsiteY4" fmla="*/ 1017114 h 1017114"/>
-              <a:gd name="connsiteX5" fmla="*/ 377324 w 889463"/>
-              <a:gd name="connsiteY5" fmla="*/ 1017114 h 1017114"/>
-              <a:gd name="connsiteX6" fmla="*/ 0 w 889463"/>
-              <a:gd name="connsiteY6" fmla="*/ 639790 h 1017114"/>
-              <a:gd name="connsiteX7" fmla="*/ 0 w 889463"/>
-              <a:gd name="connsiteY7" fmla="*/ 362083 h 1017114"/>
-              <a:gd name="connsiteX8" fmla="*/ 110516 w 889463"/>
-              <a:gd name="connsiteY8" fmla="*/ 95275 h 1017114"/>
-            </a:gdLst>
-            <a:ahLst/>
-            <a:cxnLst>
-              <a:cxn ang="0">
-                <a:pos x="connsiteX0" y="connsiteY0"/>
-              </a:cxn>
-              <a:cxn ang="0">
-                <a:pos x="connsiteX1" y="connsiteY1"/>
-              </a:cxn>
-              <a:cxn ang="0">
-                <a:pos x="connsiteX2" y="connsiteY2"/>
-              </a:cxn>
-              <a:cxn ang="0">
-                <a:pos x="connsiteX3" y="connsiteY3"/>
-              </a:cxn>
-              <a:cxn ang="0">
-                <a:pos x="connsiteX4" y="connsiteY4"/>
-              </a:cxn>
-              <a:cxn ang="0">
-                <a:pos x="connsiteX5" y="connsiteY5"/>
-              </a:cxn>
-              <a:cxn ang="0">
-                <a:pos x="connsiteX6" y="connsiteY6"/>
-              </a:cxn>
-              <a:cxn ang="0">
-                <a:pos x="connsiteX7" y="connsiteY7"/>
-              </a:cxn>
-              <a:cxn ang="0">
-                <a:pos x="connsiteX8" y="connsiteY8"/>
-              </a:cxn>
-            </a:cxnLst>
-            <a:rect l="l" t="t" r="r" b="b"/>
-            <a:pathLst>
-              <a:path w="889463" h="1017114">
-                <a:moveTo>
-                  <a:pt x="110516" y="95275"/>
-                </a:moveTo>
-                <a:cubicBezTo>
-                  <a:pt x="144657" y="61133"/>
-                  <a:pt x="185310" y="33504"/>
-                  <a:pt x="230452" y="14411"/>
-                </a:cubicBezTo>
-                <a:lnTo>
-                  <a:pt x="276877" y="0"/>
-                </a:lnTo>
-                <a:lnTo>
-                  <a:pt x="889463" y="612585"/>
-                </a:lnTo>
-                <a:lnTo>
-                  <a:pt x="484934" y="1017114"/>
-                </a:lnTo>
-                <a:lnTo>
-                  <a:pt x="377324" y="1017114"/>
-                </a:lnTo>
-                <a:cubicBezTo>
-                  <a:pt x="168934" y="1017114"/>
-                  <a:pt x="0" y="848180"/>
-                  <a:pt x="0" y="639790"/>
-                </a:cubicBezTo>
-                <a:lnTo>
-                  <a:pt x="0" y="362083"/>
-                </a:lnTo>
-                <a:cubicBezTo>
-                  <a:pt x="0" y="257888"/>
-                  <a:pt x="42234" y="163556"/>
-                  <a:pt x="110516" y="95275"/>
-                </a:cubicBezTo>
-                <a:close/>
-              </a:path>
-            </a:pathLst>
-          </a:custGeom>
-          <a:solidFill>
-            <a:schemeClr val="bg1"/>
-          </a:solidFill>
-          <a:ln>
-            <a:noFill/>
-          </a:ln>
-        </p:spPr>
-        <p:style>
-          <a:lnRef idx="2">
-            <a:schemeClr val="accent1">
-              <a:shade val="50000"/>
-            </a:schemeClr>
-          </a:lnRef>
-          <a:fillRef idx="1">
-            <a:schemeClr val="accent1"/>
-          </a:fillRef>
-          <a:effectRef idx="0">
-            <a:schemeClr val="accent1"/>
-          </a:effectRef>
-          <a:fontRef idx="minor">
-            <a:schemeClr val="lt1"/>
-          </a:fontRef>
-        </p:style>
-        <p:txBody>
-          <a:bodyPr wrap="square" rtlCol="0" anchor="ctr">
-            <a:noAutofit/>
-          </a:bodyPr>
-          <a:lstStyle/>
-          <a:p>
-            <a:pPr algn="ctr" rtl="0"/>
-            <a:endParaRPr lang="ru-RU" dirty="0">
-              <a:solidFill>
-                <a:srgbClr val="98A3AD"/>
-              </a:solidFill>
-            </a:endParaRPr>
-          </a:p>
-        </p:txBody>
-      </p:sp>
-      <p:sp>
-        <p:nvSpPr>
-          <p:cNvPr id="5" name="Надпись 20">
-            <a:extLst>
-              <a:ext uri="{FF2B5EF4-FFF2-40B4-BE49-F238E27FC236}">
-                <a16:creationId xmlns:a16="http://schemas.microsoft.com/office/drawing/2014/main" id="{A9306AAE-2B20-2820-F475-EB8FD7F44CA4}"/>
-              </a:ext>
-            </a:extLst>
-          </p:cNvPr>
-          <p:cNvSpPr txBox="1"/>
-          <p:nvPr/>
-        </p:nvSpPr>
-        <p:spPr>
-          <a:xfrm>
-            <a:off x="11901843" y="6450402"/>
-            <a:ext cx="301686" cy="369332"/>
-          </a:xfrm>
-          <a:prstGeom prst="rect">
-            <a:avLst/>
-          </a:prstGeom>
-          <a:noFill/>
-        </p:spPr>
-        <p:txBody>
-          <a:bodyPr wrap="none" rtlCol="0">
-            <a:spAutoFit/>
-          </a:bodyPr>
-          <a:lstStyle/>
-          <a:p>
-            <a:pPr rtl="0"/>
-            <a:r>
-              <a:rPr lang="en-US" b="1" dirty="0">
-                <a:latin typeface="Monseratt"/>
-              </a:rPr>
-              <a:t>9</a:t>
-            </a:r>
-            <a:endParaRPr lang="en-US" sz="2400" b="1" dirty="0">
-              <a:latin typeface="Monseratt"/>
-            </a:endParaRPr>
-          </a:p>
-        </p:txBody>
-      </p:sp>
-    </p:spTree>
-    <p:extLst>
-      <p:ext uri="{BB962C8B-B14F-4D97-AF65-F5344CB8AC3E}">
-        <p14:creationId xmlns:p14="http://schemas.microsoft.com/office/powerpoint/2010/main" val="995934464"/>
       </p:ext>
     </p:extLst>
   </p:cSld>

--- a/docs/TP-monseratt.pptx
+++ b/docs/TP-monseratt.pptx
@@ -5,10 +5,10 @@
     <p:sldMasterId id="2147483672" r:id="rId1"/>
   </p:sldMasterIdLst>
   <p:notesMasterIdLst>
-    <p:notesMasterId r:id="rId19"/>
+    <p:notesMasterId r:id="rId20"/>
   </p:notesMasterIdLst>
   <p:handoutMasterIdLst>
-    <p:handoutMasterId r:id="rId20"/>
+    <p:handoutMasterId r:id="rId21"/>
   </p:handoutMasterIdLst>
   <p:sldIdLst>
     <p:sldId id="257" r:id="rId2"/>
@@ -18,16 +18,17 @@
     <p:sldId id="259" r:id="rId6"/>
     <p:sldId id="260" r:id="rId7"/>
     <p:sldId id="262" r:id="rId8"/>
-    <p:sldId id="272" r:id="rId9"/>
-    <p:sldId id="273" r:id="rId10"/>
-    <p:sldId id="275" r:id="rId11"/>
-    <p:sldId id="276" r:id="rId12"/>
-    <p:sldId id="277" r:id="rId13"/>
-    <p:sldId id="278" r:id="rId14"/>
-    <p:sldId id="280" r:id="rId15"/>
-    <p:sldId id="282" r:id="rId16"/>
-    <p:sldId id="285" r:id="rId17"/>
-    <p:sldId id="284" r:id="rId18"/>
+    <p:sldId id="287" r:id="rId9"/>
+    <p:sldId id="272" r:id="rId10"/>
+    <p:sldId id="273" r:id="rId11"/>
+    <p:sldId id="275" r:id="rId12"/>
+    <p:sldId id="276" r:id="rId13"/>
+    <p:sldId id="277" r:id="rId14"/>
+    <p:sldId id="278" r:id="rId15"/>
+    <p:sldId id="280" r:id="rId16"/>
+    <p:sldId id="282" r:id="rId17"/>
+    <p:sldId id="285" r:id="rId18"/>
+    <p:sldId id="284" r:id="rId19"/>
   </p:sldIdLst>
   <p:sldSz cx="12192000" cy="6858000"/>
   <p:notesSz cx="6858000" cy="9144000"/>
@@ -302,7 +303,7 @@
             <a:pPr rtl="0"/>
             <a:fld id="{B4E3835E-24B0-496B-96EE-067346D27389}" type="datetime1">
               <a:rPr lang="ru-RU" smtClean="0"/>
-              <a:t>11.06.2023</a:t>
+              <a:t>12.06.2023</a:t>
             </a:fld>
             <a:endParaRPr lang="ru-RU" dirty="0"/>
           </a:p>
@@ -472,7 +473,7 @@
             <a:fld id="{FF2ED697-B44C-4067-9866-37A6A4B979E8}" type="datetime1">
               <a:rPr lang="ru-RU" smtClean="0"/>
               <a:pPr/>
-              <a:t>11.06.2023</a:t>
+              <a:t>12.06.2023</a:t>
             </a:fld>
             <a:endParaRPr lang="ru-RU" dirty="0"/>
           </a:p>
@@ -905,7 +906,7 @@
     </p:spTree>
     <p:extLst>
       <p:ext uri="{BB962C8B-B14F-4D97-AF65-F5344CB8AC3E}">
-        <p14:creationId xmlns:p14="http://schemas.microsoft.com/office/powerpoint/2010/main" val="3501723940"/>
+        <p14:creationId xmlns:p14="http://schemas.microsoft.com/office/powerpoint/2010/main" val="4262253204"/>
       </p:ext>
     </p:extLst>
   </p:cSld>
@@ -991,7 +992,7 @@
     </p:spTree>
     <p:extLst>
       <p:ext uri="{BB962C8B-B14F-4D97-AF65-F5344CB8AC3E}">
-        <p14:creationId xmlns:p14="http://schemas.microsoft.com/office/powerpoint/2010/main" val="2566802909"/>
+        <p14:creationId xmlns:p14="http://schemas.microsoft.com/office/powerpoint/2010/main" val="3501723940"/>
       </p:ext>
     </p:extLst>
   </p:cSld>
@@ -1077,7 +1078,7 @@
     </p:spTree>
     <p:extLst>
       <p:ext uri="{BB962C8B-B14F-4D97-AF65-F5344CB8AC3E}">
-        <p14:creationId xmlns:p14="http://schemas.microsoft.com/office/powerpoint/2010/main" val="498682783"/>
+        <p14:creationId xmlns:p14="http://schemas.microsoft.com/office/powerpoint/2010/main" val="2566802909"/>
       </p:ext>
     </p:extLst>
   </p:cSld>
@@ -1163,7 +1164,7 @@
     </p:spTree>
     <p:extLst>
       <p:ext uri="{BB962C8B-B14F-4D97-AF65-F5344CB8AC3E}">
-        <p14:creationId xmlns:p14="http://schemas.microsoft.com/office/powerpoint/2010/main" val="4200615144"/>
+        <p14:creationId xmlns:p14="http://schemas.microsoft.com/office/powerpoint/2010/main" val="498682783"/>
       </p:ext>
     </p:extLst>
   </p:cSld>
@@ -1249,7 +1250,7 @@
     </p:spTree>
     <p:extLst>
       <p:ext uri="{BB962C8B-B14F-4D97-AF65-F5344CB8AC3E}">
-        <p14:creationId xmlns:p14="http://schemas.microsoft.com/office/powerpoint/2010/main" val="2839477811"/>
+        <p14:creationId xmlns:p14="http://schemas.microsoft.com/office/powerpoint/2010/main" val="4200615144"/>
       </p:ext>
     </p:extLst>
   </p:cSld>
@@ -1335,7 +1336,7 @@
     </p:spTree>
     <p:extLst>
       <p:ext uri="{BB962C8B-B14F-4D97-AF65-F5344CB8AC3E}">
-        <p14:creationId xmlns:p14="http://schemas.microsoft.com/office/powerpoint/2010/main" val="2009997357"/>
+        <p14:creationId xmlns:p14="http://schemas.microsoft.com/office/powerpoint/2010/main" val="2839477811"/>
       </p:ext>
     </p:extLst>
   </p:cSld>
@@ -1421,7 +1422,7 @@
     </p:spTree>
     <p:extLst>
       <p:ext uri="{BB962C8B-B14F-4D97-AF65-F5344CB8AC3E}">
-        <p14:creationId xmlns:p14="http://schemas.microsoft.com/office/powerpoint/2010/main" val="1993350908"/>
+        <p14:creationId xmlns:p14="http://schemas.microsoft.com/office/powerpoint/2010/main" val="2009997357"/>
       </p:ext>
     </p:extLst>
   </p:cSld>
@@ -1499,6 +1500,92 @@
             <a:fld id="{5FD34AC2-3728-4A8B-B58F-6888FAEC3D20}" type="slidenum">
               <a:rPr lang="ru-RU" smtClean="0"/>
               <a:t>17</a:t>
+            </a:fld>
+            <a:endParaRPr lang="ru-RU" dirty="0"/>
+          </a:p>
+        </p:txBody>
+      </p:sp>
+    </p:spTree>
+    <p:extLst>
+      <p:ext uri="{BB962C8B-B14F-4D97-AF65-F5344CB8AC3E}">
+        <p14:creationId xmlns:p14="http://schemas.microsoft.com/office/powerpoint/2010/main" val="1993350908"/>
+      </p:ext>
+    </p:extLst>
+  </p:cSld>
+  <p:clrMapOvr>
+    <a:masterClrMapping/>
+  </p:clrMapOvr>
+</p:notes>
+</file>
+
+<file path=ppt/notesSlides/notesSlide18.xml><?xml version="1.0" encoding="utf-8"?>
+<p:notes xmlns:a="http://schemas.openxmlformats.org/drawingml/2006/main" xmlns:r="http://schemas.openxmlformats.org/officeDocument/2006/relationships" xmlns:p="http://schemas.openxmlformats.org/presentationml/2006/main">
+  <p:cSld>
+    <p:spTree>
+      <p:nvGrpSpPr>
+        <p:cNvPr id="1" name=""/>
+        <p:cNvGrpSpPr/>
+        <p:nvPr/>
+      </p:nvGrpSpPr>
+      <p:grpSpPr>
+        <a:xfrm>
+          <a:off x="0" y="0"/>
+          <a:ext cx="0" cy="0"/>
+          <a:chOff x="0" y="0"/>
+          <a:chExt cx="0" cy="0"/>
+        </a:xfrm>
+      </p:grpSpPr>
+      <p:sp>
+        <p:nvSpPr>
+          <p:cNvPr id="2" name="Образ слайда 1"/>
+          <p:cNvSpPr>
+            <a:spLocks noGrp="1" noRot="1" noChangeAspect="1"/>
+          </p:cNvSpPr>
+          <p:nvPr>
+            <p:ph type="sldImg"/>
+          </p:nvPr>
+        </p:nvSpPr>
+        <p:spPr/>
+      </p:sp>
+      <p:sp>
+        <p:nvSpPr>
+          <p:cNvPr id="3" name="Заметки 2"/>
+          <p:cNvSpPr>
+            <a:spLocks noGrp="1"/>
+          </p:cNvSpPr>
+          <p:nvPr>
+            <p:ph type="body" idx="1"/>
+          </p:nvPr>
+        </p:nvSpPr>
+        <p:spPr/>
+        <p:txBody>
+          <a:bodyPr rtlCol="0"/>
+          <a:lstStyle/>
+          <a:p>
+            <a:pPr rtl="0"/>
+            <a:endParaRPr lang="ru-RU" dirty="0"/>
+          </a:p>
+        </p:txBody>
+      </p:sp>
+      <p:sp>
+        <p:nvSpPr>
+          <p:cNvPr id="4" name="Номер слайда 3"/>
+          <p:cNvSpPr>
+            <a:spLocks noGrp="1"/>
+          </p:cNvSpPr>
+          <p:nvPr>
+            <p:ph type="sldNum" sz="quarter" idx="10"/>
+          </p:nvPr>
+        </p:nvSpPr>
+        <p:spPr/>
+        <p:txBody>
+          <a:bodyPr rtlCol="0"/>
+          <a:lstStyle/>
+          <a:p>
+            <a:pPr rtl="0"/>
+            <a:fld id="{5FD34AC2-3728-4A8B-B58F-6888FAEC3D20}" type="slidenum">
+              <a:rPr lang="ru-RU" smtClean="0"/>
+              <a:t>18</a:t>
             </a:fld>
             <a:endParaRPr lang="ru-RU" dirty="0"/>
           </a:p>
@@ -2109,7 +2196,7 @@
     </p:spTree>
     <p:extLst>
       <p:ext uri="{BB962C8B-B14F-4D97-AF65-F5344CB8AC3E}">
-        <p14:creationId xmlns:p14="http://schemas.microsoft.com/office/powerpoint/2010/main" val="1986062377"/>
+        <p14:creationId xmlns:p14="http://schemas.microsoft.com/office/powerpoint/2010/main" val="4162168719"/>
       </p:ext>
     </p:extLst>
   </p:cSld>
@@ -2195,7 +2282,7 @@
     </p:spTree>
     <p:extLst>
       <p:ext uri="{BB962C8B-B14F-4D97-AF65-F5344CB8AC3E}">
-        <p14:creationId xmlns:p14="http://schemas.microsoft.com/office/powerpoint/2010/main" val="4262253204"/>
+        <p14:creationId xmlns:p14="http://schemas.microsoft.com/office/powerpoint/2010/main" val="1986062377"/>
       </p:ext>
     </p:extLst>
   </p:cSld>
@@ -2339,7 +2426,7 @@
             <a:pPr rtl="0"/>
             <a:fld id="{F3ED926C-3983-4EBD-9E2A-A8FC299BBE10}" type="datetime1">
               <a:rPr lang="ru-RU" noProof="0" smtClean="0"/>
-              <a:t>11.06.2023</a:t>
+              <a:t>12.06.2023</a:t>
             </a:fld>
             <a:endParaRPr lang="ru-RU" noProof="0" dirty="0"/>
           </a:p>
@@ -2601,7 +2688,7 @@
             <a:pPr rtl="0"/>
             <a:fld id="{BF8A22AC-47C1-4F47-A76D-35CEC9F519B5}" type="datetime1">
               <a:rPr lang="ru-RU" noProof="0" smtClean="0"/>
-              <a:t>11.06.2023</a:t>
+              <a:t>12.06.2023</a:t>
             </a:fld>
             <a:endParaRPr lang="ru-RU" noProof="0" dirty="0"/>
           </a:p>
@@ -2775,7 +2862,7 @@
             <a:pPr rtl="0"/>
             <a:fld id="{9E6A2E8C-46FA-428B-B468-12C757CC4BC2}" type="datetime1">
               <a:rPr lang="ru-RU" noProof="0" smtClean="0"/>
-              <a:t>11.06.2023</a:t>
+              <a:t>12.06.2023</a:t>
             </a:fld>
             <a:endParaRPr lang="ru-RU" noProof="0" dirty="0"/>
           </a:p>
@@ -2959,7 +3046,7 @@
             <a:pPr rtl="0"/>
             <a:fld id="{7178081D-AB76-4C60-897F-0ABDDC97887D}" type="datetime1">
               <a:rPr lang="ru-RU" noProof="0" smtClean="0"/>
-              <a:t>11.06.2023</a:t>
+              <a:t>12.06.2023</a:t>
             </a:fld>
             <a:endParaRPr lang="ru-RU" noProof="0" dirty="0"/>
           </a:p>
@@ -3133,7 +3220,7 @@
             <a:pPr rtl="0"/>
             <a:fld id="{85FE5434-280B-4785-86F9-86B76E5982C1}" type="datetime1">
               <a:rPr lang="ru-RU" noProof="0" smtClean="0"/>
-              <a:t>11.06.2023</a:t>
+              <a:t>12.06.2023</a:t>
             </a:fld>
             <a:endParaRPr lang="ru-RU" noProof="0" dirty="0"/>
           </a:p>
@@ -3383,7 +3470,7 @@
             <a:pPr rtl="0"/>
             <a:fld id="{4B88D45C-BCD0-43BA-83C2-F6F0B37895D4}" type="datetime1">
               <a:rPr lang="ru-RU" noProof="0" smtClean="0"/>
-              <a:t>11.06.2023</a:t>
+              <a:t>12.06.2023</a:t>
             </a:fld>
             <a:endParaRPr lang="ru-RU" noProof="0" dirty="0"/>
           </a:p>
@@ -3619,7 +3706,7 @@
             <a:pPr rtl="0"/>
             <a:fld id="{F33C1669-8B1C-4123-9784-A18D8F22C4F8}" type="datetime1">
               <a:rPr lang="ru-RU" noProof="0" smtClean="0"/>
-              <a:t>11.06.2023</a:t>
+              <a:t>12.06.2023</a:t>
             </a:fld>
             <a:endParaRPr lang="ru-RU" noProof="0" dirty="0"/>
           </a:p>
@@ -3990,7 +4077,7 @@
             <a:pPr rtl="0"/>
             <a:fld id="{0121868B-CDD2-44FA-B5CE-067C1F7F78A1}" type="datetime1">
               <a:rPr lang="ru-RU" noProof="0" smtClean="0"/>
-              <a:t>11.06.2023</a:t>
+              <a:t>12.06.2023</a:t>
             </a:fld>
             <a:endParaRPr lang="ru-RU" noProof="0" dirty="0"/>
           </a:p>
@@ -4112,7 +4199,7 @@
             <a:pPr rtl="0"/>
             <a:fld id="{7A2175D3-4479-4D47-AB09-1DBF425FA495}" type="datetime1">
               <a:rPr lang="ru-RU" noProof="0" smtClean="0"/>
-              <a:t>11.06.2023</a:t>
+              <a:t>12.06.2023</a:t>
             </a:fld>
             <a:endParaRPr lang="ru-RU" noProof="0" dirty="0"/>
           </a:p>
@@ -4210,7 +4297,7 @@
             <a:pPr rtl="0"/>
             <a:fld id="{6AD94B3A-2B16-4BF1-B78B-9A711C7495E6}" type="datetime1">
               <a:rPr lang="ru-RU" noProof="0" smtClean="0"/>
-              <a:t>11.06.2023</a:t>
+              <a:t>12.06.2023</a:t>
             </a:fld>
             <a:endParaRPr lang="ru-RU" noProof="0" dirty="0"/>
           </a:p>
@@ -4517,7 +4604,7 @@
             <a:pPr rtl="0"/>
             <a:fld id="{17CD2F7B-8103-43CB-9E63-BC1602139BC6}" type="datetime1">
               <a:rPr lang="ru-RU" noProof="0" smtClean="0"/>
-              <a:t>11.06.2023</a:t>
+              <a:t>12.06.2023</a:t>
             </a:fld>
             <a:endParaRPr lang="ru-RU" noProof="0" dirty="0"/>
           </a:p>
@@ -5216,7 +5303,7 @@
             <a:pPr rtl="0"/>
             <a:fld id="{7283BC01-A590-45B6-A644-D820576B2725}" type="datetime1">
               <a:rPr lang="ru-RU" noProof="0" smtClean="0"/>
-              <a:t>11.06.2023</a:t>
+              <a:t>12.06.2023</a:t>
             </a:fld>
             <a:endParaRPr lang="ru-RU" noProof="0" dirty="0"/>
           </a:p>
@@ -5431,7 +5518,7 @@
             <a:pPr rtl="0"/>
             <a:fld id="{6E7D9D7F-03B9-42BC-8A2D-FF7FF951CD6B}" type="datetime1">
               <a:rPr lang="ru-RU" noProof="0" smtClean="0"/>
-              <a:t>11.06.2023</a:t>
+              <a:t>12.06.2023</a:t>
             </a:fld>
             <a:endParaRPr lang="ru-RU" noProof="0" dirty="0"/>
           </a:p>
@@ -6169,6 +6256,470 @@
             <a:pPr rtl="0"/>
             <a:r>
               <a:rPr lang="ru-RU" sz="1400" b="1" dirty="0"/>
+              <a:t>8</a:t>
+            </a:r>
+          </a:p>
+        </p:txBody>
+      </p:sp>
+      <p:sp>
+        <p:nvSpPr>
+          <p:cNvPr id="62" name="Надпись 61">
+            <a:extLst>
+              <a:ext uri="{FF2B5EF4-FFF2-40B4-BE49-F238E27FC236}">
+                <a16:creationId xmlns:a16="http://schemas.microsoft.com/office/drawing/2014/main" id="{5313BB7D-C5A8-4D5C-B6B7-D0CB9B8FB44E}"/>
+              </a:ext>
+            </a:extLst>
+          </p:cNvPr>
+          <p:cNvSpPr txBox="1"/>
+          <p:nvPr/>
+        </p:nvSpPr>
+        <p:spPr>
+          <a:xfrm>
+            <a:off x="2286251" y="165381"/>
+            <a:ext cx="7619522" cy="738664"/>
+          </a:xfrm>
+          <a:prstGeom prst="rect">
+            <a:avLst/>
+          </a:prstGeom>
+          <a:noFill/>
+        </p:spPr>
+        <p:txBody>
+          <a:bodyPr wrap="none" lIns="0" tIns="0" rIns="0" bIns="0" rtlCol="0">
+            <a:spAutoFit/>
+          </a:bodyPr>
+          <a:lstStyle/>
+          <a:p>
+            <a:pPr algn="ctr" rtl="0">
+              <a:tabLst>
+                <a:tab pos="347663" algn="l"/>
+              </a:tabLst>
+            </a:pPr>
+            <a:r>
+              <a:rPr lang="ru-RU" sz="4800" b="1" dirty="0">
+                <a:solidFill>
+                  <a:schemeClr val="bg1"/>
+                </a:solidFill>
+                <a:latin typeface="Monseratt"/>
+              </a:rPr>
+              <a:t>Пользовательские сценарии</a:t>
+            </a:r>
+          </a:p>
+        </p:txBody>
+      </p:sp>
+      <p:sp>
+        <p:nvSpPr>
+          <p:cNvPr id="2" name="Заголовок 1" hidden="1">
+            <a:extLst>
+              <a:ext uri="{FF2B5EF4-FFF2-40B4-BE49-F238E27FC236}">
+                <a16:creationId xmlns:a16="http://schemas.microsoft.com/office/drawing/2014/main" id="{622A5C56-DFFD-4557-A19C-A250AFFB1D6C}"/>
+              </a:ext>
+            </a:extLst>
+          </p:cNvPr>
+          <p:cNvSpPr>
+            <a:spLocks noGrp="1"/>
+          </p:cNvSpPr>
+          <p:nvPr>
+            <p:ph type="title"/>
+          </p:nvPr>
+        </p:nvSpPr>
+        <p:spPr/>
+        <p:txBody>
+          <a:bodyPr rtlCol="0"/>
+          <a:lstStyle/>
+          <a:p>
+            <a:pPr rtl="0"/>
+            <a:r>
+              <a:rPr lang="ru" dirty="0"/>
+              <a:t>Слайд 6</a:t>
+            </a:r>
+          </a:p>
+        </p:txBody>
+      </p:sp>
+      <p:pic>
+        <p:nvPicPr>
+          <p:cNvPr id="13" name="Рисунок 12">
+            <a:extLst>
+              <a:ext uri="{FF2B5EF4-FFF2-40B4-BE49-F238E27FC236}">
+                <a16:creationId xmlns:a16="http://schemas.microsoft.com/office/drawing/2014/main" id="{43D09F29-4DC4-4B84-93EA-52B5E2736C68}"/>
+              </a:ext>
+            </a:extLst>
+          </p:cNvPr>
+          <p:cNvPicPr>
+            <a:picLocks noChangeAspect="1"/>
+          </p:cNvPicPr>
+          <p:nvPr/>
+        </p:nvPicPr>
+        <p:blipFill>
+          <a:blip r:embed="rId3">
+            <a:extLst>
+              <a:ext uri="{28A0092B-C50C-407E-A947-70E740481C1C}">
+                <a14:useLocalDpi xmlns:a14="http://schemas.microsoft.com/office/drawing/2010/main" val="0"/>
+              </a:ext>
+            </a:extLst>
+          </a:blip>
+          <a:stretch>
+            <a:fillRect/>
+          </a:stretch>
+        </p:blipFill>
+        <p:spPr>
+          <a:xfrm>
+            <a:off x="6608139" y="1294839"/>
+            <a:ext cx="2133603" cy="4741339"/>
+          </a:xfrm>
+          <a:prstGeom prst="rect">
+            <a:avLst/>
+          </a:prstGeom>
+        </p:spPr>
+      </p:pic>
+      <p:pic>
+        <p:nvPicPr>
+          <p:cNvPr id="15" name="Рисунок 14">
+            <a:extLst>
+              <a:ext uri="{FF2B5EF4-FFF2-40B4-BE49-F238E27FC236}">
+                <a16:creationId xmlns:a16="http://schemas.microsoft.com/office/drawing/2014/main" id="{555849F0-9CC8-4952-84DB-7A62CB28B888}"/>
+              </a:ext>
+            </a:extLst>
+          </p:cNvPr>
+          <p:cNvPicPr>
+            <a:picLocks noChangeAspect="1"/>
+          </p:cNvPicPr>
+          <p:nvPr/>
+        </p:nvPicPr>
+        <p:blipFill>
+          <a:blip r:embed="rId4">
+            <a:extLst>
+              <a:ext uri="{28A0092B-C50C-407E-A947-70E740481C1C}">
+                <a14:useLocalDpi xmlns:a14="http://schemas.microsoft.com/office/drawing/2010/main" val="0"/>
+              </a:ext>
+            </a:extLst>
+          </a:blip>
+          <a:stretch>
+            <a:fillRect/>
+          </a:stretch>
+        </p:blipFill>
+        <p:spPr>
+          <a:xfrm>
+            <a:off x="8952464" y="1294839"/>
+            <a:ext cx="2133602" cy="4741340"/>
+          </a:xfrm>
+          <a:prstGeom prst="rect">
+            <a:avLst/>
+          </a:prstGeom>
+        </p:spPr>
+      </p:pic>
+      <p:sp>
+        <p:nvSpPr>
+          <p:cNvPr id="16" name="TextBox 15">
+            <a:extLst>
+              <a:ext uri="{FF2B5EF4-FFF2-40B4-BE49-F238E27FC236}">
+                <a16:creationId xmlns:a16="http://schemas.microsoft.com/office/drawing/2014/main" id="{A814046B-0353-4799-B124-EB6C9FB20CCA}"/>
+              </a:ext>
+            </a:extLst>
+          </p:cNvPr>
+          <p:cNvSpPr txBox="1"/>
+          <p:nvPr/>
+        </p:nvSpPr>
+        <p:spPr>
+          <a:xfrm>
+            <a:off x="476251" y="1528375"/>
+            <a:ext cx="5753100" cy="1569660"/>
+          </a:xfrm>
+          <a:prstGeom prst="rect">
+            <a:avLst/>
+          </a:prstGeom>
+          <a:noFill/>
+        </p:spPr>
+        <p:txBody>
+          <a:bodyPr wrap="square" rtlCol="0">
+            <a:spAutoFit/>
+          </a:bodyPr>
+          <a:lstStyle/>
+          <a:p>
+            <a:pPr marL="285750" indent="-285750">
+              <a:buFont typeface="Arial" panose="020B0604020202020204" pitchFamily="34" charset="0"/>
+              <a:buChar char="•"/>
+            </a:pPr>
+            <a:r>
+              <a:rPr lang="ru-RU" sz="3200" dirty="0">
+                <a:solidFill>
+                  <a:schemeClr val="bg1"/>
+                </a:solidFill>
+                <a:latin typeface="Monseratt"/>
+              </a:rPr>
+              <a:t>Расчет кредита</a:t>
+            </a:r>
+          </a:p>
+          <a:p>
+            <a:pPr marL="285750" indent="-285750">
+              <a:buFont typeface="Arial" panose="020B0604020202020204" pitchFamily="34" charset="0"/>
+              <a:buChar char="•"/>
+            </a:pPr>
+            <a:r>
+              <a:rPr lang="ru-RU" sz="3200" dirty="0">
+                <a:solidFill>
+                  <a:schemeClr val="bg1"/>
+                </a:solidFill>
+                <a:latin typeface="Monseratt"/>
+              </a:rPr>
+              <a:t>Просмотр результата вычисления кредита</a:t>
+            </a:r>
+          </a:p>
+        </p:txBody>
+      </p:sp>
+      <p:sp>
+        <p:nvSpPr>
+          <p:cNvPr id="3" name="Полилиния 19">
+            <a:extLst>
+              <a:ext uri="{FF2B5EF4-FFF2-40B4-BE49-F238E27FC236}">
+                <a16:creationId xmlns:a16="http://schemas.microsoft.com/office/drawing/2014/main" id="{95595E49-8189-E123-A25B-7DAD9E8A7660}"/>
+              </a:ext>
+              <a:ext uri="{C183D7F6-B498-43B3-948B-1728B52AA6E4}">
+                <adec:decorative xmlns:adec="http://schemas.microsoft.com/office/drawing/2017/decorative" val="1"/>
+              </a:ext>
+            </a:extLst>
+          </p:cNvPr>
+          <p:cNvSpPr/>
+          <p:nvPr/>
+        </p:nvSpPr>
+        <p:spPr>
+          <a:xfrm rot="2700000">
+            <a:off x="11788943" y="6333474"/>
+            <a:ext cx="527486" cy="603188"/>
+          </a:xfrm>
+          <a:custGeom>
+            <a:avLst/>
+            <a:gdLst>
+              <a:gd name="connsiteX0" fmla="*/ 110516 w 889463"/>
+              <a:gd name="connsiteY0" fmla="*/ 95275 h 1017114"/>
+              <a:gd name="connsiteX1" fmla="*/ 230452 w 889463"/>
+              <a:gd name="connsiteY1" fmla="*/ 14411 h 1017114"/>
+              <a:gd name="connsiteX2" fmla="*/ 276877 w 889463"/>
+              <a:gd name="connsiteY2" fmla="*/ 0 h 1017114"/>
+              <a:gd name="connsiteX3" fmla="*/ 889463 w 889463"/>
+              <a:gd name="connsiteY3" fmla="*/ 612585 h 1017114"/>
+              <a:gd name="connsiteX4" fmla="*/ 484934 w 889463"/>
+              <a:gd name="connsiteY4" fmla="*/ 1017114 h 1017114"/>
+              <a:gd name="connsiteX5" fmla="*/ 377324 w 889463"/>
+              <a:gd name="connsiteY5" fmla="*/ 1017114 h 1017114"/>
+              <a:gd name="connsiteX6" fmla="*/ 0 w 889463"/>
+              <a:gd name="connsiteY6" fmla="*/ 639790 h 1017114"/>
+              <a:gd name="connsiteX7" fmla="*/ 0 w 889463"/>
+              <a:gd name="connsiteY7" fmla="*/ 362083 h 1017114"/>
+              <a:gd name="connsiteX8" fmla="*/ 110516 w 889463"/>
+              <a:gd name="connsiteY8" fmla="*/ 95275 h 1017114"/>
+            </a:gdLst>
+            <a:ahLst/>
+            <a:cxnLst>
+              <a:cxn ang="0">
+                <a:pos x="connsiteX0" y="connsiteY0"/>
+              </a:cxn>
+              <a:cxn ang="0">
+                <a:pos x="connsiteX1" y="connsiteY1"/>
+              </a:cxn>
+              <a:cxn ang="0">
+                <a:pos x="connsiteX2" y="connsiteY2"/>
+              </a:cxn>
+              <a:cxn ang="0">
+                <a:pos x="connsiteX3" y="connsiteY3"/>
+              </a:cxn>
+              <a:cxn ang="0">
+                <a:pos x="connsiteX4" y="connsiteY4"/>
+              </a:cxn>
+              <a:cxn ang="0">
+                <a:pos x="connsiteX5" y="connsiteY5"/>
+              </a:cxn>
+              <a:cxn ang="0">
+                <a:pos x="connsiteX6" y="connsiteY6"/>
+              </a:cxn>
+              <a:cxn ang="0">
+                <a:pos x="connsiteX7" y="connsiteY7"/>
+              </a:cxn>
+              <a:cxn ang="0">
+                <a:pos x="connsiteX8" y="connsiteY8"/>
+              </a:cxn>
+            </a:cxnLst>
+            <a:rect l="l" t="t" r="r" b="b"/>
+            <a:pathLst>
+              <a:path w="889463" h="1017114">
+                <a:moveTo>
+                  <a:pt x="110516" y="95275"/>
+                </a:moveTo>
+                <a:cubicBezTo>
+                  <a:pt x="144657" y="61133"/>
+                  <a:pt x="185310" y="33504"/>
+                  <a:pt x="230452" y="14411"/>
+                </a:cubicBezTo>
+                <a:lnTo>
+                  <a:pt x="276877" y="0"/>
+                </a:lnTo>
+                <a:lnTo>
+                  <a:pt x="889463" y="612585"/>
+                </a:lnTo>
+                <a:lnTo>
+                  <a:pt x="484934" y="1017114"/>
+                </a:lnTo>
+                <a:lnTo>
+                  <a:pt x="377324" y="1017114"/>
+                </a:lnTo>
+                <a:cubicBezTo>
+                  <a:pt x="168934" y="1017114"/>
+                  <a:pt x="0" y="848180"/>
+                  <a:pt x="0" y="639790"/>
+                </a:cubicBezTo>
+                <a:lnTo>
+                  <a:pt x="0" y="362083"/>
+                </a:lnTo>
+                <a:cubicBezTo>
+                  <a:pt x="0" y="257888"/>
+                  <a:pt x="42234" y="163556"/>
+                  <a:pt x="110516" y="95275"/>
+                </a:cubicBezTo>
+                <a:close/>
+              </a:path>
+            </a:pathLst>
+          </a:custGeom>
+          <a:solidFill>
+            <a:schemeClr val="bg1"/>
+          </a:solidFill>
+          <a:ln>
+            <a:noFill/>
+          </a:ln>
+        </p:spPr>
+        <p:style>
+          <a:lnRef idx="2">
+            <a:schemeClr val="accent1">
+              <a:shade val="50000"/>
+            </a:schemeClr>
+          </a:lnRef>
+          <a:fillRef idx="1">
+            <a:schemeClr val="accent1"/>
+          </a:fillRef>
+          <a:effectRef idx="0">
+            <a:schemeClr val="accent1"/>
+          </a:effectRef>
+          <a:fontRef idx="minor">
+            <a:schemeClr val="lt1"/>
+          </a:fontRef>
+        </p:style>
+        <p:txBody>
+          <a:bodyPr wrap="square" rtlCol="0" anchor="ctr">
+            <a:noAutofit/>
+          </a:bodyPr>
+          <a:lstStyle/>
+          <a:p>
+            <a:pPr algn="ctr" rtl="0"/>
+            <a:endParaRPr lang="ru-RU" dirty="0">
+              <a:solidFill>
+                <a:srgbClr val="98A3AD"/>
+              </a:solidFill>
+            </a:endParaRPr>
+          </a:p>
+        </p:txBody>
+      </p:sp>
+      <p:sp>
+        <p:nvSpPr>
+          <p:cNvPr id="4" name="Надпись 20">
+            <a:extLst>
+              <a:ext uri="{FF2B5EF4-FFF2-40B4-BE49-F238E27FC236}">
+                <a16:creationId xmlns:a16="http://schemas.microsoft.com/office/drawing/2014/main" id="{63E1931E-55BE-CE0B-1C0C-1D99F1944B7D}"/>
+              </a:ext>
+            </a:extLst>
+          </p:cNvPr>
+          <p:cNvSpPr txBox="1"/>
+          <p:nvPr/>
+        </p:nvSpPr>
+        <p:spPr>
+          <a:xfrm>
+            <a:off x="11843334" y="6450402"/>
+            <a:ext cx="418704" cy="369332"/>
+          </a:xfrm>
+          <a:prstGeom prst="rect">
+            <a:avLst/>
+          </a:prstGeom>
+          <a:noFill/>
+        </p:spPr>
+        <p:txBody>
+          <a:bodyPr wrap="none" rtlCol="0">
+            <a:spAutoFit/>
+          </a:bodyPr>
+          <a:lstStyle/>
+          <a:p>
+            <a:pPr rtl="0"/>
+            <a:r>
+              <a:rPr lang="ru-RU" b="1" dirty="0">
+                <a:latin typeface="Monseratt"/>
+              </a:rPr>
+              <a:t>10</a:t>
+            </a:r>
+            <a:endParaRPr lang="en-US" sz="2400" b="1" dirty="0">
+              <a:latin typeface="Monseratt"/>
+            </a:endParaRPr>
+          </a:p>
+        </p:txBody>
+      </p:sp>
+    </p:spTree>
+    <p:extLst>
+      <p:ext uri="{BB962C8B-B14F-4D97-AF65-F5344CB8AC3E}">
+        <p14:creationId xmlns:p14="http://schemas.microsoft.com/office/powerpoint/2010/main" val="940780592"/>
+      </p:ext>
+    </p:extLst>
+  </p:cSld>
+  <p:clrMapOvr>
+    <a:masterClrMapping/>
+  </p:clrMapOvr>
+</p:sld>
+</file>
+
+<file path=ppt/slides/slide11.xml><?xml version="1.0" encoding="utf-8"?>
+<p:sld xmlns:a="http://schemas.openxmlformats.org/drawingml/2006/main" xmlns:r="http://schemas.openxmlformats.org/officeDocument/2006/relationships" xmlns:p="http://schemas.openxmlformats.org/presentationml/2006/main">
+  <p:cSld>
+    <p:bg>
+      <p:bgPr>
+        <a:solidFill>
+          <a:schemeClr val="tx1"/>
+        </a:solidFill>
+        <a:effectLst/>
+      </p:bgPr>
+    </p:bg>
+    <p:spTree>
+      <p:nvGrpSpPr>
+        <p:cNvPr id="1" name=""/>
+        <p:cNvGrpSpPr/>
+        <p:nvPr/>
+      </p:nvGrpSpPr>
+      <p:grpSpPr>
+        <a:xfrm>
+          <a:off x="0" y="0"/>
+          <a:ext cx="0" cy="0"/>
+          <a:chOff x="0" y="0"/>
+          <a:chExt cx="0" cy="0"/>
+        </a:xfrm>
+      </p:grpSpPr>
+      <p:sp>
+        <p:nvSpPr>
+          <p:cNvPr id="44" name="Надпись 43"/>
+          <p:cNvSpPr txBox="1"/>
+          <p:nvPr/>
+        </p:nvSpPr>
+        <p:spPr>
+          <a:xfrm>
+            <a:off x="11907454" y="6481180"/>
+            <a:ext cx="277640" cy="307777"/>
+          </a:xfrm>
+          <a:prstGeom prst="rect">
+            <a:avLst/>
+          </a:prstGeom>
+          <a:noFill/>
+        </p:spPr>
+        <p:txBody>
+          <a:bodyPr wrap="none" rtlCol="0">
+            <a:spAutoFit/>
+          </a:bodyPr>
+          <a:lstStyle/>
+          <a:p>
+            <a:pPr rtl="0"/>
+            <a:r>
+              <a:rPr lang="ru-RU" sz="1400" b="1" dirty="0"/>
               <a:t>9</a:t>
             </a:r>
           </a:p>
@@ -6573,8 +7124,8 @@
         </p:nvSpPr>
         <p:spPr>
           <a:xfrm>
-            <a:off x="11901843" y="6450402"/>
-            <a:ext cx="301686" cy="369332"/>
+            <a:off x="11836922" y="6450402"/>
+            <a:ext cx="418704" cy="369332"/>
           </a:xfrm>
           <a:prstGeom prst="rect">
             <a:avLst/>
@@ -6592,7 +7143,7 @@
               <a:rPr lang="en-US" b="1" dirty="0">
                 <a:latin typeface="Monseratt"/>
               </a:rPr>
-              <a:t>9</a:t>
+              <a:t>11</a:t>
             </a:r>
             <a:endParaRPr lang="en-US" sz="2400" b="1" dirty="0">
               <a:latin typeface="Monseratt"/>
@@ -6613,7 +7164,7 @@
 </p:sld>
 </file>
 
-<file path=ppt/slides/slide11.xml><?xml version="1.0" encoding="utf-8"?>
+<file path=ppt/slides/slide12.xml><?xml version="1.0" encoding="utf-8"?>
 <p:sld xmlns:a="http://schemas.openxmlformats.org/drawingml/2006/main" xmlns:r="http://schemas.openxmlformats.org/officeDocument/2006/relationships" xmlns:p="http://schemas.openxmlformats.org/presentationml/2006/main">
   <p:cSld>
     <p:bg>
@@ -7071,7 +7622,7 @@
               <a:rPr lang="en-US" b="1" dirty="0">
                 <a:latin typeface="Monseratt"/>
               </a:rPr>
-              <a:t>10</a:t>
+              <a:t>12</a:t>
             </a:r>
             <a:endParaRPr lang="en-US" sz="2400" b="1" dirty="0">
               <a:latin typeface="Monseratt"/>
@@ -7092,7 +7643,7 @@
 </p:sld>
 </file>
 
-<file path=ppt/slides/slide12.xml><?xml version="1.0" encoding="utf-8"?>
+<file path=ppt/slides/slide13.xml><?xml version="1.0" encoding="utf-8"?>
 <p:sld xmlns:a="http://schemas.openxmlformats.org/drawingml/2006/main" xmlns:r="http://schemas.openxmlformats.org/officeDocument/2006/relationships" xmlns:p="http://schemas.openxmlformats.org/presentationml/2006/main">
   <p:cSld>
     <p:bg>
@@ -7550,7 +8101,7 @@
               <a:rPr lang="en-US" b="1" dirty="0">
                 <a:latin typeface="Monseratt"/>
               </a:rPr>
-              <a:t>11</a:t>
+              <a:t>13</a:t>
             </a:r>
             <a:endParaRPr lang="en-US" sz="2400" b="1" dirty="0">
               <a:latin typeface="Monseratt"/>
@@ -7571,7 +8122,7 @@
 </p:sld>
 </file>
 
-<file path=ppt/slides/slide13.xml><?xml version="1.0" encoding="utf-8"?>
+<file path=ppt/slides/slide14.xml><?xml version="1.0" encoding="utf-8"?>
 <p:sld xmlns:a="http://schemas.openxmlformats.org/drawingml/2006/main" xmlns:r="http://schemas.openxmlformats.org/officeDocument/2006/relationships" xmlns:p="http://schemas.openxmlformats.org/presentationml/2006/main">
   <p:cSld>
     <p:bg>
@@ -7963,7 +8514,7 @@
               <a:rPr lang="en-US" b="1" dirty="0">
                 <a:latin typeface="Monseratt"/>
               </a:rPr>
-              <a:t>12</a:t>
+              <a:t>14</a:t>
             </a:r>
             <a:endParaRPr lang="en-US" sz="2400" b="1" dirty="0">
               <a:latin typeface="Monseratt"/>
@@ -7984,7 +8535,7 @@
 </p:sld>
 </file>
 
-<file path=ppt/slides/slide14.xml><?xml version="1.0" encoding="utf-8"?>
+<file path=ppt/slides/slide15.xml><?xml version="1.0" encoding="utf-8"?>
 <p:sld xmlns:a="http://schemas.openxmlformats.org/drawingml/2006/main" xmlns:r="http://schemas.openxmlformats.org/officeDocument/2006/relationships" xmlns:p="http://schemas.openxmlformats.org/presentationml/2006/main">
   <p:cSld>
     <p:bg>
@@ -8493,7 +9044,7 @@
               <a:rPr lang="en-US" b="1" dirty="0">
                 <a:latin typeface="Monseratt"/>
               </a:rPr>
-              <a:t>13</a:t>
+              <a:t>15</a:t>
             </a:r>
             <a:endParaRPr lang="en-US" sz="2400" b="1" dirty="0">
               <a:latin typeface="Monseratt"/>
@@ -8514,7 +9065,7 @@
 </p:sld>
 </file>
 
-<file path=ppt/slides/slide15.xml><?xml version="1.0" encoding="utf-8"?>
+<file path=ppt/slides/slide16.xml><?xml version="1.0" encoding="utf-8"?>
 <p:sld xmlns:a="http://schemas.openxmlformats.org/drawingml/2006/main" xmlns:r="http://schemas.openxmlformats.org/officeDocument/2006/relationships" xmlns:p="http://schemas.openxmlformats.org/presentationml/2006/main">
   <p:cSld>
     <p:bg>
@@ -9037,7 +9588,7 @@
               <a:rPr lang="en-US" b="1" dirty="0">
                 <a:latin typeface="Monseratt"/>
               </a:rPr>
-              <a:t>14</a:t>
+              <a:t>16</a:t>
             </a:r>
             <a:endParaRPr lang="en-US" sz="2400" b="1" dirty="0">
               <a:latin typeface="Monseratt"/>
@@ -9058,7 +9609,7 @@
 </p:sld>
 </file>
 
-<file path=ppt/slides/slide16.xml><?xml version="1.0" encoding="utf-8"?>
+<file path=ppt/slides/slide17.xml><?xml version="1.0" encoding="utf-8"?>
 <p:sld xmlns:a="http://schemas.openxmlformats.org/drawingml/2006/main" xmlns:r="http://schemas.openxmlformats.org/officeDocument/2006/relationships" xmlns:p="http://schemas.openxmlformats.org/presentationml/2006/main">
   <p:cSld>
     <p:bg>
@@ -9514,7 +10065,7 @@
               <a:rPr lang="en-US" b="1" dirty="0">
                 <a:latin typeface="Monseratt"/>
               </a:rPr>
-              <a:t>15</a:t>
+              <a:t>17</a:t>
             </a:r>
             <a:endParaRPr lang="en-US" sz="2400" b="1" dirty="0">
               <a:latin typeface="Monseratt"/>
@@ -9535,7 +10086,7 @@
 </p:sld>
 </file>
 
-<file path=ppt/slides/slide17.xml><?xml version="1.0" encoding="utf-8"?>
+<file path=ppt/slides/slide18.xml><?xml version="1.0" encoding="utf-8"?>
 <p:sld xmlns:a="http://schemas.openxmlformats.org/drawingml/2006/main" xmlns:r="http://schemas.openxmlformats.org/officeDocument/2006/relationships" xmlns:p="http://schemas.openxmlformats.org/presentationml/2006/main">
   <p:cSld>
     <p:bg>
@@ -10073,7 +10624,7 @@
               <a:rPr lang="en-US" b="1" dirty="0">
                 <a:latin typeface="Monseratt"/>
               </a:rPr>
-              <a:t>16</a:t>
+              <a:t>18</a:t>
             </a:r>
             <a:endParaRPr lang="en-US" sz="2400" b="1" dirty="0">
               <a:latin typeface="Monseratt"/>
@@ -13688,6 +14239,557 @@
         <p:spPr>
           <a:xfrm>
             <a:off x="11907454" y="6481180"/>
+            <a:ext cx="277640" cy="307777"/>
+          </a:xfrm>
+          <a:prstGeom prst="rect">
+            <a:avLst/>
+          </a:prstGeom>
+          <a:noFill/>
+        </p:spPr>
+        <p:txBody>
+          <a:bodyPr wrap="none" rtlCol="0">
+            <a:spAutoFit/>
+          </a:bodyPr>
+          <a:lstStyle/>
+          <a:p>
+            <a:pPr rtl="0"/>
+            <a:r>
+              <a:rPr lang="ru-RU" sz="1400" b="1" dirty="0"/>
+              <a:t>6</a:t>
+            </a:r>
+          </a:p>
+        </p:txBody>
+      </p:sp>
+      <p:sp>
+        <p:nvSpPr>
+          <p:cNvPr id="62" name="Надпись 61">
+            <a:extLst>
+              <a:ext uri="{FF2B5EF4-FFF2-40B4-BE49-F238E27FC236}">
+                <a16:creationId xmlns:a16="http://schemas.microsoft.com/office/drawing/2014/main" id="{5313BB7D-C5A8-4D5C-B6B7-D0CB9B8FB44E}"/>
+              </a:ext>
+            </a:extLst>
+          </p:cNvPr>
+          <p:cNvSpPr txBox="1"/>
+          <p:nvPr/>
+        </p:nvSpPr>
+        <p:spPr>
+          <a:xfrm>
+            <a:off x="3216216" y="165381"/>
+            <a:ext cx="5759590" cy="738664"/>
+          </a:xfrm>
+          <a:prstGeom prst="rect">
+            <a:avLst/>
+          </a:prstGeom>
+          <a:noFill/>
+        </p:spPr>
+        <p:txBody>
+          <a:bodyPr wrap="none" lIns="0" tIns="0" rIns="0" bIns="0" rtlCol="0">
+            <a:spAutoFit/>
+          </a:bodyPr>
+          <a:lstStyle/>
+          <a:p>
+            <a:pPr algn="ctr" rtl="0">
+              <a:tabLst>
+                <a:tab pos="347663" algn="l"/>
+              </a:tabLst>
+            </a:pPr>
+            <a:r>
+              <a:rPr lang="ru-RU" sz="4800" b="1" dirty="0">
+                <a:solidFill>
+                  <a:schemeClr val="bg1"/>
+                </a:solidFill>
+                <a:latin typeface="Monseratt"/>
+              </a:rPr>
+              <a:t>Шифрование</a:t>
+            </a:r>
+            <a:r>
+              <a:rPr lang="en-US" sz="4800" b="1" dirty="0">
+                <a:solidFill>
+                  <a:schemeClr val="bg1"/>
+                </a:solidFill>
+                <a:latin typeface="Monseratt"/>
+              </a:rPr>
+              <a:t> </a:t>
+            </a:r>
+            <a:r>
+              <a:rPr lang="ru-RU" sz="4800" b="1" dirty="0">
+                <a:solidFill>
+                  <a:schemeClr val="bg1"/>
+                </a:solidFill>
+                <a:latin typeface="Monseratt"/>
+              </a:rPr>
+              <a:t>данных</a:t>
+            </a:r>
+          </a:p>
+        </p:txBody>
+      </p:sp>
+      <p:sp>
+        <p:nvSpPr>
+          <p:cNvPr id="2" name="Заголовок 1" hidden="1">
+            <a:extLst>
+              <a:ext uri="{FF2B5EF4-FFF2-40B4-BE49-F238E27FC236}">
+                <a16:creationId xmlns:a16="http://schemas.microsoft.com/office/drawing/2014/main" id="{622A5C56-DFFD-4557-A19C-A250AFFB1D6C}"/>
+              </a:ext>
+            </a:extLst>
+          </p:cNvPr>
+          <p:cNvSpPr>
+            <a:spLocks noGrp="1"/>
+          </p:cNvSpPr>
+          <p:nvPr>
+            <p:ph type="title"/>
+          </p:nvPr>
+        </p:nvSpPr>
+        <p:spPr/>
+        <p:txBody>
+          <a:bodyPr rtlCol="0"/>
+          <a:lstStyle/>
+          <a:p>
+            <a:pPr rtl="0"/>
+            <a:r>
+              <a:rPr lang="ru" dirty="0"/>
+              <a:t>Слайд 6</a:t>
+            </a:r>
+          </a:p>
+        </p:txBody>
+      </p:sp>
+      <p:sp>
+        <p:nvSpPr>
+          <p:cNvPr id="4" name="Полилиния 19">
+            <a:extLst>
+              <a:ext uri="{FF2B5EF4-FFF2-40B4-BE49-F238E27FC236}">
+                <a16:creationId xmlns:a16="http://schemas.microsoft.com/office/drawing/2014/main" id="{7F8E5DF8-0C6D-F960-955F-58DAD8B5B8BF}"/>
+              </a:ext>
+              <a:ext uri="{C183D7F6-B498-43B3-948B-1728B52AA6E4}">
+                <adec:decorative xmlns:adec="http://schemas.microsoft.com/office/drawing/2017/decorative" val="1"/>
+              </a:ext>
+            </a:extLst>
+          </p:cNvPr>
+          <p:cNvSpPr/>
+          <p:nvPr/>
+        </p:nvSpPr>
+        <p:spPr>
+          <a:xfrm rot="2700000">
+            <a:off x="11788943" y="6333474"/>
+            <a:ext cx="527486" cy="603188"/>
+          </a:xfrm>
+          <a:custGeom>
+            <a:avLst/>
+            <a:gdLst>
+              <a:gd name="connsiteX0" fmla="*/ 110516 w 889463"/>
+              <a:gd name="connsiteY0" fmla="*/ 95275 h 1017114"/>
+              <a:gd name="connsiteX1" fmla="*/ 230452 w 889463"/>
+              <a:gd name="connsiteY1" fmla="*/ 14411 h 1017114"/>
+              <a:gd name="connsiteX2" fmla="*/ 276877 w 889463"/>
+              <a:gd name="connsiteY2" fmla="*/ 0 h 1017114"/>
+              <a:gd name="connsiteX3" fmla="*/ 889463 w 889463"/>
+              <a:gd name="connsiteY3" fmla="*/ 612585 h 1017114"/>
+              <a:gd name="connsiteX4" fmla="*/ 484934 w 889463"/>
+              <a:gd name="connsiteY4" fmla="*/ 1017114 h 1017114"/>
+              <a:gd name="connsiteX5" fmla="*/ 377324 w 889463"/>
+              <a:gd name="connsiteY5" fmla="*/ 1017114 h 1017114"/>
+              <a:gd name="connsiteX6" fmla="*/ 0 w 889463"/>
+              <a:gd name="connsiteY6" fmla="*/ 639790 h 1017114"/>
+              <a:gd name="connsiteX7" fmla="*/ 0 w 889463"/>
+              <a:gd name="connsiteY7" fmla="*/ 362083 h 1017114"/>
+              <a:gd name="connsiteX8" fmla="*/ 110516 w 889463"/>
+              <a:gd name="connsiteY8" fmla="*/ 95275 h 1017114"/>
+            </a:gdLst>
+            <a:ahLst/>
+            <a:cxnLst>
+              <a:cxn ang="0">
+                <a:pos x="connsiteX0" y="connsiteY0"/>
+              </a:cxn>
+              <a:cxn ang="0">
+                <a:pos x="connsiteX1" y="connsiteY1"/>
+              </a:cxn>
+              <a:cxn ang="0">
+                <a:pos x="connsiteX2" y="connsiteY2"/>
+              </a:cxn>
+              <a:cxn ang="0">
+                <a:pos x="connsiteX3" y="connsiteY3"/>
+              </a:cxn>
+              <a:cxn ang="0">
+                <a:pos x="connsiteX4" y="connsiteY4"/>
+              </a:cxn>
+              <a:cxn ang="0">
+                <a:pos x="connsiteX5" y="connsiteY5"/>
+              </a:cxn>
+              <a:cxn ang="0">
+                <a:pos x="connsiteX6" y="connsiteY6"/>
+              </a:cxn>
+              <a:cxn ang="0">
+                <a:pos x="connsiteX7" y="connsiteY7"/>
+              </a:cxn>
+              <a:cxn ang="0">
+                <a:pos x="connsiteX8" y="connsiteY8"/>
+              </a:cxn>
+            </a:cxnLst>
+            <a:rect l="l" t="t" r="r" b="b"/>
+            <a:pathLst>
+              <a:path w="889463" h="1017114">
+                <a:moveTo>
+                  <a:pt x="110516" y="95275"/>
+                </a:moveTo>
+                <a:cubicBezTo>
+                  <a:pt x="144657" y="61133"/>
+                  <a:pt x="185310" y="33504"/>
+                  <a:pt x="230452" y="14411"/>
+                </a:cubicBezTo>
+                <a:lnTo>
+                  <a:pt x="276877" y="0"/>
+                </a:lnTo>
+                <a:lnTo>
+                  <a:pt x="889463" y="612585"/>
+                </a:lnTo>
+                <a:lnTo>
+                  <a:pt x="484934" y="1017114"/>
+                </a:lnTo>
+                <a:lnTo>
+                  <a:pt x="377324" y="1017114"/>
+                </a:lnTo>
+                <a:cubicBezTo>
+                  <a:pt x="168934" y="1017114"/>
+                  <a:pt x="0" y="848180"/>
+                  <a:pt x="0" y="639790"/>
+                </a:cubicBezTo>
+                <a:lnTo>
+                  <a:pt x="0" y="362083"/>
+                </a:lnTo>
+                <a:cubicBezTo>
+                  <a:pt x="0" y="257888"/>
+                  <a:pt x="42234" y="163556"/>
+                  <a:pt x="110516" y="95275"/>
+                </a:cubicBezTo>
+                <a:close/>
+              </a:path>
+            </a:pathLst>
+          </a:custGeom>
+          <a:solidFill>
+            <a:schemeClr val="bg1"/>
+          </a:solidFill>
+          <a:ln>
+            <a:noFill/>
+          </a:ln>
+        </p:spPr>
+        <p:style>
+          <a:lnRef idx="2">
+            <a:schemeClr val="accent1">
+              <a:shade val="50000"/>
+            </a:schemeClr>
+          </a:lnRef>
+          <a:fillRef idx="1">
+            <a:schemeClr val="accent1"/>
+          </a:fillRef>
+          <a:effectRef idx="0">
+            <a:schemeClr val="accent1"/>
+          </a:effectRef>
+          <a:fontRef idx="minor">
+            <a:schemeClr val="lt1"/>
+          </a:fontRef>
+        </p:style>
+        <p:txBody>
+          <a:bodyPr wrap="square" rtlCol="0" anchor="ctr">
+            <a:noAutofit/>
+          </a:bodyPr>
+          <a:lstStyle/>
+          <a:p>
+            <a:pPr algn="ctr" rtl="0"/>
+            <a:endParaRPr lang="ru-RU" dirty="0">
+              <a:solidFill>
+                <a:srgbClr val="98A3AD"/>
+              </a:solidFill>
+            </a:endParaRPr>
+          </a:p>
+        </p:txBody>
+      </p:sp>
+      <p:pic>
+        <p:nvPicPr>
+          <p:cNvPr id="13" name="Рисунок 12">
+            <a:extLst>
+              <a:ext uri="{FF2B5EF4-FFF2-40B4-BE49-F238E27FC236}">
+                <a16:creationId xmlns:a16="http://schemas.microsoft.com/office/drawing/2014/main" id="{FDB2EF66-2D6C-78B6-C909-7E17C9489780}"/>
+              </a:ext>
+            </a:extLst>
+          </p:cNvPr>
+          <p:cNvPicPr>
+            <a:picLocks noChangeAspect="1"/>
+          </p:cNvPicPr>
+          <p:nvPr/>
+        </p:nvPicPr>
+        <p:blipFill>
+          <a:blip r:embed="rId3" cstate="print">
+            <a:extLst>
+              <a:ext uri="{28A0092B-C50C-407E-A947-70E740481C1C}">
+                <a14:useLocalDpi xmlns:a14="http://schemas.microsoft.com/office/drawing/2010/main" val="0"/>
+              </a:ext>
+            </a:extLst>
+          </a:blip>
+          <a:stretch>
+            <a:fillRect/>
+          </a:stretch>
+        </p:blipFill>
+        <p:spPr>
+          <a:xfrm>
+            <a:off x="7216733" y="2006599"/>
+            <a:ext cx="3318933" cy="3318933"/>
+          </a:xfrm>
+          <a:prstGeom prst="rect">
+            <a:avLst/>
+          </a:prstGeom>
+        </p:spPr>
+      </p:pic>
+      <p:pic>
+        <p:nvPicPr>
+          <p:cNvPr id="15" name="Рисунок 14">
+            <a:extLst>
+              <a:ext uri="{FF2B5EF4-FFF2-40B4-BE49-F238E27FC236}">
+                <a16:creationId xmlns:a16="http://schemas.microsoft.com/office/drawing/2014/main" id="{666CE96F-C526-4B6D-EC8C-E5EA128D3A8A}"/>
+              </a:ext>
+            </a:extLst>
+          </p:cNvPr>
+          <p:cNvPicPr>
+            <a:picLocks noChangeAspect="1"/>
+          </p:cNvPicPr>
+          <p:nvPr/>
+        </p:nvPicPr>
+        <p:blipFill>
+          <a:blip r:embed="rId4" cstate="print">
+            <a:extLst>
+              <a:ext uri="{28A0092B-C50C-407E-A947-70E740481C1C}">
+                <a14:useLocalDpi xmlns:a14="http://schemas.microsoft.com/office/drawing/2010/main" val="0"/>
+              </a:ext>
+            </a:extLst>
+          </a:blip>
+          <a:stretch>
+            <a:fillRect/>
+          </a:stretch>
+        </p:blipFill>
+        <p:spPr>
+          <a:xfrm>
+            <a:off x="1656334" y="2006598"/>
+            <a:ext cx="3318933" cy="3318933"/>
+          </a:xfrm>
+          <a:prstGeom prst="rect">
+            <a:avLst/>
+          </a:prstGeom>
+        </p:spPr>
+      </p:pic>
+      <p:sp>
+        <p:nvSpPr>
+          <p:cNvPr id="16" name="TextBox 15">
+            <a:extLst>
+              <a:ext uri="{FF2B5EF4-FFF2-40B4-BE49-F238E27FC236}">
+                <a16:creationId xmlns:a16="http://schemas.microsoft.com/office/drawing/2014/main" id="{DCFDAF53-0DBF-62E9-1D41-2880D31187FB}"/>
+              </a:ext>
+            </a:extLst>
+          </p:cNvPr>
+          <p:cNvSpPr txBox="1"/>
+          <p:nvPr/>
+        </p:nvSpPr>
+        <p:spPr>
+          <a:xfrm>
+            <a:off x="2245867" y="5033143"/>
+            <a:ext cx="1069933" cy="584775"/>
+          </a:xfrm>
+          <a:prstGeom prst="rect">
+            <a:avLst/>
+          </a:prstGeom>
+          <a:noFill/>
+        </p:spPr>
+        <p:txBody>
+          <a:bodyPr wrap="square" rtlCol="0">
+            <a:spAutoFit/>
+          </a:bodyPr>
+          <a:lstStyle/>
+          <a:p>
+            <a:r>
+              <a:rPr lang="en-US" sz="3200" b="1" dirty="0">
+                <a:solidFill>
+                  <a:schemeClr val="bg1"/>
+                </a:solidFill>
+                <a:latin typeface="Monseratt"/>
+              </a:rPr>
+              <a:t>HTTP</a:t>
+            </a:r>
+            <a:endParaRPr lang="ru-RU" sz="3200" b="1" dirty="0">
+              <a:solidFill>
+                <a:schemeClr val="bg1"/>
+              </a:solidFill>
+              <a:latin typeface="Monseratt"/>
+            </a:endParaRPr>
+          </a:p>
+        </p:txBody>
+      </p:sp>
+      <p:sp>
+        <p:nvSpPr>
+          <p:cNvPr id="17" name="TextBox 16">
+            <a:extLst>
+              <a:ext uri="{FF2B5EF4-FFF2-40B4-BE49-F238E27FC236}">
+                <a16:creationId xmlns:a16="http://schemas.microsoft.com/office/drawing/2014/main" id="{B4613657-6426-F005-E878-24B4ADED3864}"/>
+              </a:ext>
+            </a:extLst>
+          </p:cNvPr>
+          <p:cNvSpPr txBox="1"/>
+          <p:nvPr/>
+        </p:nvSpPr>
+        <p:spPr>
+          <a:xfrm>
+            <a:off x="8216581" y="5033142"/>
+            <a:ext cx="1319235" cy="584775"/>
+          </a:xfrm>
+          <a:prstGeom prst="rect">
+            <a:avLst/>
+          </a:prstGeom>
+          <a:noFill/>
+        </p:spPr>
+        <p:txBody>
+          <a:bodyPr wrap="square" rtlCol="0">
+            <a:spAutoFit/>
+          </a:bodyPr>
+          <a:lstStyle/>
+          <a:p>
+            <a:r>
+              <a:rPr lang="en-US" sz="3200" b="1" dirty="0">
+                <a:solidFill>
+                  <a:schemeClr val="bg1"/>
+                </a:solidFill>
+                <a:latin typeface="Monseratt"/>
+              </a:rPr>
+              <a:t>HTTPS</a:t>
+            </a:r>
+            <a:endParaRPr lang="ru-RU" sz="3200" b="1" dirty="0">
+              <a:solidFill>
+                <a:schemeClr val="bg1"/>
+              </a:solidFill>
+              <a:latin typeface="Monseratt"/>
+            </a:endParaRPr>
+          </a:p>
+        </p:txBody>
+      </p:sp>
+      <p:pic>
+        <p:nvPicPr>
+          <p:cNvPr id="21" name="Рисунок 20">
+            <a:extLst>
+              <a:ext uri="{FF2B5EF4-FFF2-40B4-BE49-F238E27FC236}">
+                <a16:creationId xmlns:a16="http://schemas.microsoft.com/office/drawing/2014/main" id="{AA022EDA-820C-DEAC-68DD-6A022AB150CA}"/>
+              </a:ext>
+            </a:extLst>
+          </p:cNvPr>
+          <p:cNvPicPr>
+            <a:picLocks noChangeAspect="1"/>
+          </p:cNvPicPr>
+          <p:nvPr/>
+        </p:nvPicPr>
+        <p:blipFill>
+          <a:blip r:embed="rId5">
+            <a:extLst>
+              <a:ext uri="{28A0092B-C50C-407E-A947-70E740481C1C}">
+                <a14:useLocalDpi xmlns:a14="http://schemas.microsoft.com/office/drawing/2010/main" val="0"/>
+              </a:ext>
+            </a:extLst>
+          </a:blip>
+          <a:stretch>
+            <a:fillRect/>
+          </a:stretch>
+        </p:blipFill>
+        <p:spPr>
+          <a:xfrm>
+            <a:off x="4934938" y="2711018"/>
+            <a:ext cx="2322124" cy="2322124"/>
+          </a:xfrm>
+          <a:prstGeom prst="rect">
+            <a:avLst/>
+          </a:prstGeom>
+        </p:spPr>
+      </p:pic>
+      <p:sp>
+        <p:nvSpPr>
+          <p:cNvPr id="22" name="Надпись 20">
+            <a:extLst>
+              <a:ext uri="{FF2B5EF4-FFF2-40B4-BE49-F238E27FC236}">
+                <a16:creationId xmlns:a16="http://schemas.microsoft.com/office/drawing/2014/main" id="{6905D1DC-0829-71CE-D5CE-3ADBB5C44DCB}"/>
+              </a:ext>
+            </a:extLst>
+          </p:cNvPr>
+          <p:cNvSpPr txBox="1"/>
+          <p:nvPr/>
+        </p:nvSpPr>
+        <p:spPr>
+          <a:xfrm>
+            <a:off x="11901843" y="6450402"/>
+            <a:ext cx="301686" cy="369332"/>
+          </a:xfrm>
+          <a:prstGeom prst="rect">
+            <a:avLst/>
+          </a:prstGeom>
+          <a:noFill/>
+        </p:spPr>
+        <p:txBody>
+          <a:bodyPr wrap="none" rtlCol="0">
+            <a:spAutoFit/>
+          </a:bodyPr>
+          <a:lstStyle/>
+          <a:p>
+            <a:pPr rtl="0"/>
+            <a:r>
+              <a:rPr lang="en-US" b="1" dirty="0">
+                <a:latin typeface="Monseratt"/>
+              </a:rPr>
+              <a:t>8</a:t>
+            </a:r>
+            <a:endParaRPr lang="en-US" sz="2400" b="1" dirty="0">
+              <a:latin typeface="Monseratt"/>
+            </a:endParaRPr>
+          </a:p>
+        </p:txBody>
+      </p:sp>
+    </p:spTree>
+    <p:extLst>
+      <p:ext uri="{BB962C8B-B14F-4D97-AF65-F5344CB8AC3E}">
+        <p14:creationId xmlns:p14="http://schemas.microsoft.com/office/powerpoint/2010/main" val="2866431544"/>
+      </p:ext>
+    </p:extLst>
+  </p:cSld>
+  <p:clrMapOvr>
+    <a:masterClrMapping/>
+  </p:clrMapOvr>
+</p:sld>
+</file>
+
+<file path=ppt/slides/slide9.xml><?xml version="1.0" encoding="utf-8"?>
+<p:sld xmlns:a="http://schemas.openxmlformats.org/drawingml/2006/main" xmlns:r="http://schemas.openxmlformats.org/officeDocument/2006/relationships" xmlns:p="http://schemas.openxmlformats.org/presentationml/2006/main">
+  <p:cSld>
+    <p:bg>
+      <p:bgPr>
+        <a:solidFill>
+          <a:schemeClr val="tx1"/>
+        </a:solidFill>
+        <a:effectLst/>
+      </p:bgPr>
+    </p:bg>
+    <p:spTree>
+      <p:nvGrpSpPr>
+        <p:cNvPr id="1" name=""/>
+        <p:cNvGrpSpPr/>
+        <p:nvPr/>
+      </p:nvGrpSpPr>
+      <p:grpSpPr>
+        <a:xfrm>
+          <a:off x="0" y="0"/>
+          <a:ext cx="0" cy="0"/>
+          <a:chOff x="0" y="0"/>
+          <a:chExt cx="0" cy="0"/>
+        </a:xfrm>
+      </p:grpSpPr>
+      <p:sp>
+        <p:nvSpPr>
+          <p:cNvPr id="44" name="Надпись 43"/>
+          <p:cNvSpPr txBox="1"/>
+          <p:nvPr/>
+        </p:nvSpPr>
+        <p:spPr>
+          <a:xfrm>
+            <a:off x="11907454" y="6481180"/>
             <a:ext cx="274434" cy="307777"/>
           </a:xfrm>
           <a:prstGeom prst="rect">
@@ -14079,10 +15181,10 @@
           <a:p>
             <a:pPr rtl="0"/>
             <a:r>
-              <a:rPr lang="ru-RU" b="1" dirty="0">
+              <a:rPr lang="en-US" b="1" dirty="0">
                 <a:latin typeface="Monseratt"/>
               </a:rPr>
-              <a:t>8</a:t>
+              <a:t>9</a:t>
             </a:r>
             <a:endParaRPr lang="en-US" sz="2400" b="1" dirty="0">
               <a:latin typeface="Monseratt"/>
@@ -14094,470 +15196,6 @@
     <p:extLst>
       <p:ext uri="{BB962C8B-B14F-4D97-AF65-F5344CB8AC3E}">
         <p14:creationId xmlns:p14="http://schemas.microsoft.com/office/powerpoint/2010/main" val="4190794076"/>
-      </p:ext>
-    </p:extLst>
-  </p:cSld>
-  <p:clrMapOvr>
-    <a:masterClrMapping/>
-  </p:clrMapOvr>
-</p:sld>
-</file>
-
-<file path=ppt/slides/slide9.xml><?xml version="1.0" encoding="utf-8"?>
-<p:sld xmlns:a="http://schemas.openxmlformats.org/drawingml/2006/main" xmlns:r="http://schemas.openxmlformats.org/officeDocument/2006/relationships" xmlns:p="http://schemas.openxmlformats.org/presentationml/2006/main">
-  <p:cSld>
-    <p:bg>
-      <p:bgPr>
-        <a:solidFill>
-          <a:schemeClr val="tx1"/>
-        </a:solidFill>
-        <a:effectLst/>
-      </p:bgPr>
-    </p:bg>
-    <p:spTree>
-      <p:nvGrpSpPr>
-        <p:cNvPr id="1" name=""/>
-        <p:cNvGrpSpPr/>
-        <p:nvPr/>
-      </p:nvGrpSpPr>
-      <p:grpSpPr>
-        <a:xfrm>
-          <a:off x="0" y="0"/>
-          <a:ext cx="0" cy="0"/>
-          <a:chOff x="0" y="0"/>
-          <a:chExt cx="0" cy="0"/>
-        </a:xfrm>
-      </p:grpSpPr>
-      <p:sp>
-        <p:nvSpPr>
-          <p:cNvPr id="44" name="Надпись 43"/>
-          <p:cNvSpPr txBox="1"/>
-          <p:nvPr/>
-        </p:nvSpPr>
-        <p:spPr>
-          <a:xfrm>
-            <a:off x="11907454" y="6481180"/>
-            <a:ext cx="277640" cy="307777"/>
-          </a:xfrm>
-          <a:prstGeom prst="rect">
-            <a:avLst/>
-          </a:prstGeom>
-          <a:noFill/>
-        </p:spPr>
-        <p:txBody>
-          <a:bodyPr wrap="none" rtlCol="0">
-            <a:spAutoFit/>
-          </a:bodyPr>
-          <a:lstStyle/>
-          <a:p>
-            <a:pPr rtl="0"/>
-            <a:r>
-              <a:rPr lang="ru-RU" sz="1400" b="1" dirty="0"/>
-              <a:t>8</a:t>
-            </a:r>
-          </a:p>
-        </p:txBody>
-      </p:sp>
-      <p:sp>
-        <p:nvSpPr>
-          <p:cNvPr id="62" name="Надпись 61">
-            <a:extLst>
-              <a:ext uri="{FF2B5EF4-FFF2-40B4-BE49-F238E27FC236}">
-                <a16:creationId xmlns:a16="http://schemas.microsoft.com/office/drawing/2014/main" id="{5313BB7D-C5A8-4D5C-B6B7-D0CB9B8FB44E}"/>
-              </a:ext>
-            </a:extLst>
-          </p:cNvPr>
-          <p:cNvSpPr txBox="1"/>
-          <p:nvPr/>
-        </p:nvSpPr>
-        <p:spPr>
-          <a:xfrm>
-            <a:off x="2286251" y="165381"/>
-            <a:ext cx="7619522" cy="738664"/>
-          </a:xfrm>
-          <a:prstGeom prst="rect">
-            <a:avLst/>
-          </a:prstGeom>
-          <a:noFill/>
-        </p:spPr>
-        <p:txBody>
-          <a:bodyPr wrap="none" lIns="0" tIns="0" rIns="0" bIns="0" rtlCol="0">
-            <a:spAutoFit/>
-          </a:bodyPr>
-          <a:lstStyle/>
-          <a:p>
-            <a:pPr algn="ctr" rtl="0">
-              <a:tabLst>
-                <a:tab pos="347663" algn="l"/>
-              </a:tabLst>
-            </a:pPr>
-            <a:r>
-              <a:rPr lang="ru-RU" sz="4800" b="1" dirty="0">
-                <a:solidFill>
-                  <a:schemeClr val="bg1"/>
-                </a:solidFill>
-                <a:latin typeface="Monseratt"/>
-              </a:rPr>
-              <a:t>Пользовательские сценарии</a:t>
-            </a:r>
-          </a:p>
-        </p:txBody>
-      </p:sp>
-      <p:sp>
-        <p:nvSpPr>
-          <p:cNvPr id="2" name="Заголовок 1" hidden="1">
-            <a:extLst>
-              <a:ext uri="{FF2B5EF4-FFF2-40B4-BE49-F238E27FC236}">
-                <a16:creationId xmlns:a16="http://schemas.microsoft.com/office/drawing/2014/main" id="{622A5C56-DFFD-4557-A19C-A250AFFB1D6C}"/>
-              </a:ext>
-            </a:extLst>
-          </p:cNvPr>
-          <p:cNvSpPr>
-            <a:spLocks noGrp="1"/>
-          </p:cNvSpPr>
-          <p:nvPr>
-            <p:ph type="title"/>
-          </p:nvPr>
-        </p:nvSpPr>
-        <p:spPr/>
-        <p:txBody>
-          <a:bodyPr rtlCol="0"/>
-          <a:lstStyle/>
-          <a:p>
-            <a:pPr rtl="0"/>
-            <a:r>
-              <a:rPr lang="ru" dirty="0"/>
-              <a:t>Слайд 6</a:t>
-            </a:r>
-          </a:p>
-        </p:txBody>
-      </p:sp>
-      <p:pic>
-        <p:nvPicPr>
-          <p:cNvPr id="13" name="Рисунок 12">
-            <a:extLst>
-              <a:ext uri="{FF2B5EF4-FFF2-40B4-BE49-F238E27FC236}">
-                <a16:creationId xmlns:a16="http://schemas.microsoft.com/office/drawing/2014/main" id="{43D09F29-4DC4-4B84-93EA-52B5E2736C68}"/>
-              </a:ext>
-            </a:extLst>
-          </p:cNvPr>
-          <p:cNvPicPr>
-            <a:picLocks noChangeAspect="1"/>
-          </p:cNvPicPr>
-          <p:nvPr/>
-        </p:nvPicPr>
-        <p:blipFill>
-          <a:blip r:embed="rId3">
-            <a:extLst>
-              <a:ext uri="{28A0092B-C50C-407E-A947-70E740481C1C}">
-                <a14:useLocalDpi xmlns:a14="http://schemas.microsoft.com/office/drawing/2010/main" val="0"/>
-              </a:ext>
-            </a:extLst>
-          </a:blip>
-          <a:stretch>
-            <a:fillRect/>
-          </a:stretch>
-        </p:blipFill>
-        <p:spPr>
-          <a:xfrm>
-            <a:off x="6608139" y="1294839"/>
-            <a:ext cx="2133603" cy="4741339"/>
-          </a:xfrm>
-          <a:prstGeom prst="rect">
-            <a:avLst/>
-          </a:prstGeom>
-        </p:spPr>
-      </p:pic>
-      <p:pic>
-        <p:nvPicPr>
-          <p:cNvPr id="15" name="Рисунок 14">
-            <a:extLst>
-              <a:ext uri="{FF2B5EF4-FFF2-40B4-BE49-F238E27FC236}">
-                <a16:creationId xmlns:a16="http://schemas.microsoft.com/office/drawing/2014/main" id="{555849F0-9CC8-4952-84DB-7A62CB28B888}"/>
-              </a:ext>
-            </a:extLst>
-          </p:cNvPr>
-          <p:cNvPicPr>
-            <a:picLocks noChangeAspect="1"/>
-          </p:cNvPicPr>
-          <p:nvPr/>
-        </p:nvPicPr>
-        <p:blipFill>
-          <a:blip r:embed="rId4">
-            <a:extLst>
-              <a:ext uri="{28A0092B-C50C-407E-A947-70E740481C1C}">
-                <a14:useLocalDpi xmlns:a14="http://schemas.microsoft.com/office/drawing/2010/main" val="0"/>
-              </a:ext>
-            </a:extLst>
-          </a:blip>
-          <a:stretch>
-            <a:fillRect/>
-          </a:stretch>
-        </p:blipFill>
-        <p:spPr>
-          <a:xfrm>
-            <a:off x="8952464" y="1294839"/>
-            <a:ext cx="2133602" cy="4741340"/>
-          </a:xfrm>
-          <a:prstGeom prst="rect">
-            <a:avLst/>
-          </a:prstGeom>
-        </p:spPr>
-      </p:pic>
-      <p:sp>
-        <p:nvSpPr>
-          <p:cNvPr id="16" name="TextBox 15">
-            <a:extLst>
-              <a:ext uri="{FF2B5EF4-FFF2-40B4-BE49-F238E27FC236}">
-                <a16:creationId xmlns:a16="http://schemas.microsoft.com/office/drawing/2014/main" id="{A814046B-0353-4799-B124-EB6C9FB20CCA}"/>
-              </a:ext>
-            </a:extLst>
-          </p:cNvPr>
-          <p:cNvSpPr txBox="1"/>
-          <p:nvPr/>
-        </p:nvSpPr>
-        <p:spPr>
-          <a:xfrm>
-            <a:off x="476251" y="1528375"/>
-            <a:ext cx="5753100" cy="1569660"/>
-          </a:xfrm>
-          <a:prstGeom prst="rect">
-            <a:avLst/>
-          </a:prstGeom>
-          <a:noFill/>
-        </p:spPr>
-        <p:txBody>
-          <a:bodyPr wrap="square" rtlCol="0">
-            <a:spAutoFit/>
-          </a:bodyPr>
-          <a:lstStyle/>
-          <a:p>
-            <a:pPr marL="285750" indent="-285750">
-              <a:buFont typeface="Arial" panose="020B0604020202020204" pitchFamily="34" charset="0"/>
-              <a:buChar char="•"/>
-            </a:pPr>
-            <a:r>
-              <a:rPr lang="ru-RU" sz="3200" dirty="0">
-                <a:solidFill>
-                  <a:schemeClr val="bg1"/>
-                </a:solidFill>
-                <a:latin typeface="Monseratt"/>
-              </a:rPr>
-              <a:t>Расчет кредита</a:t>
-            </a:r>
-          </a:p>
-          <a:p>
-            <a:pPr marL="285750" indent="-285750">
-              <a:buFont typeface="Arial" panose="020B0604020202020204" pitchFamily="34" charset="0"/>
-              <a:buChar char="•"/>
-            </a:pPr>
-            <a:r>
-              <a:rPr lang="ru-RU" sz="3200" dirty="0">
-                <a:solidFill>
-                  <a:schemeClr val="bg1"/>
-                </a:solidFill>
-                <a:latin typeface="Monseratt"/>
-              </a:rPr>
-              <a:t>Просмотр результата вычисления кредита</a:t>
-            </a:r>
-          </a:p>
-        </p:txBody>
-      </p:sp>
-      <p:sp>
-        <p:nvSpPr>
-          <p:cNvPr id="3" name="Полилиния 19">
-            <a:extLst>
-              <a:ext uri="{FF2B5EF4-FFF2-40B4-BE49-F238E27FC236}">
-                <a16:creationId xmlns:a16="http://schemas.microsoft.com/office/drawing/2014/main" id="{95595E49-8189-E123-A25B-7DAD9E8A7660}"/>
-              </a:ext>
-              <a:ext uri="{C183D7F6-B498-43B3-948B-1728B52AA6E4}">
-                <adec:decorative xmlns:adec="http://schemas.microsoft.com/office/drawing/2017/decorative" val="1"/>
-              </a:ext>
-            </a:extLst>
-          </p:cNvPr>
-          <p:cNvSpPr/>
-          <p:nvPr/>
-        </p:nvSpPr>
-        <p:spPr>
-          <a:xfrm rot="2700000">
-            <a:off x="11788943" y="6333474"/>
-            <a:ext cx="527486" cy="603188"/>
-          </a:xfrm>
-          <a:custGeom>
-            <a:avLst/>
-            <a:gdLst>
-              <a:gd name="connsiteX0" fmla="*/ 110516 w 889463"/>
-              <a:gd name="connsiteY0" fmla="*/ 95275 h 1017114"/>
-              <a:gd name="connsiteX1" fmla="*/ 230452 w 889463"/>
-              <a:gd name="connsiteY1" fmla="*/ 14411 h 1017114"/>
-              <a:gd name="connsiteX2" fmla="*/ 276877 w 889463"/>
-              <a:gd name="connsiteY2" fmla="*/ 0 h 1017114"/>
-              <a:gd name="connsiteX3" fmla="*/ 889463 w 889463"/>
-              <a:gd name="connsiteY3" fmla="*/ 612585 h 1017114"/>
-              <a:gd name="connsiteX4" fmla="*/ 484934 w 889463"/>
-              <a:gd name="connsiteY4" fmla="*/ 1017114 h 1017114"/>
-              <a:gd name="connsiteX5" fmla="*/ 377324 w 889463"/>
-              <a:gd name="connsiteY5" fmla="*/ 1017114 h 1017114"/>
-              <a:gd name="connsiteX6" fmla="*/ 0 w 889463"/>
-              <a:gd name="connsiteY6" fmla="*/ 639790 h 1017114"/>
-              <a:gd name="connsiteX7" fmla="*/ 0 w 889463"/>
-              <a:gd name="connsiteY7" fmla="*/ 362083 h 1017114"/>
-              <a:gd name="connsiteX8" fmla="*/ 110516 w 889463"/>
-              <a:gd name="connsiteY8" fmla="*/ 95275 h 1017114"/>
-            </a:gdLst>
-            <a:ahLst/>
-            <a:cxnLst>
-              <a:cxn ang="0">
-                <a:pos x="connsiteX0" y="connsiteY0"/>
-              </a:cxn>
-              <a:cxn ang="0">
-                <a:pos x="connsiteX1" y="connsiteY1"/>
-              </a:cxn>
-              <a:cxn ang="0">
-                <a:pos x="connsiteX2" y="connsiteY2"/>
-              </a:cxn>
-              <a:cxn ang="0">
-                <a:pos x="connsiteX3" y="connsiteY3"/>
-              </a:cxn>
-              <a:cxn ang="0">
-                <a:pos x="connsiteX4" y="connsiteY4"/>
-              </a:cxn>
-              <a:cxn ang="0">
-                <a:pos x="connsiteX5" y="connsiteY5"/>
-              </a:cxn>
-              <a:cxn ang="0">
-                <a:pos x="connsiteX6" y="connsiteY6"/>
-              </a:cxn>
-              <a:cxn ang="0">
-                <a:pos x="connsiteX7" y="connsiteY7"/>
-              </a:cxn>
-              <a:cxn ang="0">
-                <a:pos x="connsiteX8" y="connsiteY8"/>
-              </a:cxn>
-            </a:cxnLst>
-            <a:rect l="l" t="t" r="r" b="b"/>
-            <a:pathLst>
-              <a:path w="889463" h="1017114">
-                <a:moveTo>
-                  <a:pt x="110516" y="95275"/>
-                </a:moveTo>
-                <a:cubicBezTo>
-                  <a:pt x="144657" y="61133"/>
-                  <a:pt x="185310" y="33504"/>
-                  <a:pt x="230452" y="14411"/>
-                </a:cubicBezTo>
-                <a:lnTo>
-                  <a:pt x="276877" y="0"/>
-                </a:lnTo>
-                <a:lnTo>
-                  <a:pt x="889463" y="612585"/>
-                </a:lnTo>
-                <a:lnTo>
-                  <a:pt x="484934" y="1017114"/>
-                </a:lnTo>
-                <a:lnTo>
-                  <a:pt x="377324" y="1017114"/>
-                </a:lnTo>
-                <a:cubicBezTo>
-                  <a:pt x="168934" y="1017114"/>
-                  <a:pt x="0" y="848180"/>
-                  <a:pt x="0" y="639790"/>
-                </a:cubicBezTo>
-                <a:lnTo>
-                  <a:pt x="0" y="362083"/>
-                </a:lnTo>
-                <a:cubicBezTo>
-                  <a:pt x="0" y="257888"/>
-                  <a:pt x="42234" y="163556"/>
-                  <a:pt x="110516" y="95275"/>
-                </a:cubicBezTo>
-                <a:close/>
-              </a:path>
-            </a:pathLst>
-          </a:custGeom>
-          <a:solidFill>
-            <a:schemeClr val="bg1"/>
-          </a:solidFill>
-          <a:ln>
-            <a:noFill/>
-          </a:ln>
-        </p:spPr>
-        <p:style>
-          <a:lnRef idx="2">
-            <a:schemeClr val="accent1">
-              <a:shade val="50000"/>
-            </a:schemeClr>
-          </a:lnRef>
-          <a:fillRef idx="1">
-            <a:schemeClr val="accent1"/>
-          </a:fillRef>
-          <a:effectRef idx="0">
-            <a:schemeClr val="accent1"/>
-          </a:effectRef>
-          <a:fontRef idx="minor">
-            <a:schemeClr val="lt1"/>
-          </a:fontRef>
-        </p:style>
-        <p:txBody>
-          <a:bodyPr wrap="square" rtlCol="0" anchor="ctr">
-            <a:noAutofit/>
-          </a:bodyPr>
-          <a:lstStyle/>
-          <a:p>
-            <a:pPr algn="ctr" rtl="0"/>
-            <a:endParaRPr lang="ru-RU" dirty="0">
-              <a:solidFill>
-                <a:srgbClr val="98A3AD"/>
-              </a:solidFill>
-            </a:endParaRPr>
-          </a:p>
-        </p:txBody>
-      </p:sp>
-      <p:sp>
-        <p:nvSpPr>
-          <p:cNvPr id="4" name="Надпись 20">
-            <a:extLst>
-              <a:ext uri="{FF2B5EF4-FFF2-40B4-BE49-F238E27FC236}">
-                <a16:creationId xmlns:a16="http://schemas.microsoft.com/office/drawing/2014/main" id="{63E1931E-55BE-CE0B-1C0C-1D99F1944B7D}"/>
-              </a:ext>
-            </a:extLst>
-          </p:cNvPr>
-          <p:cNvSpPr txBox="1"/>
-          <p:nvPr/>
-        </p:nvSpPr>
-        <p:spPr>
-          <a:xfrm>
-            <a:off x="11901843" y="6450402"/>
-            <a:ext cx="418704" cy="369332"/>
-          </a:xfrm>
-          <a:prstGeom prst="rect">
-            <a:avLst/>
-          </a:prstGeom>
-          <a:noFill/>
-        </p:spPr>
-        <p:txBody>
-          <a:bodyPr wrap="none" rtlCol="0">
-            <a:spAutoFit/>
-          </a:bodyPr>
-          <a:lstStyle/>
-          <a:p>
-            <a:pPr rtl="0"/>
-            <a:r>
-              <a:rPr lang="ru-RU" b="1" dirty="0">
-                <a:latin typeface="Monseratt"/>
-              </a:rPr>
-              <a:t>10</a:t>
-            </a:r>
-            <a:endParaRPr lang="en-US" sz="2400" b="1" dirty="0">
-              <a:latin typeface="Monseratt"/>
-            </a:endParaRPr>
-          </a:p>
-        </p:txBody>
-      </p:sp>
-    </p:spTree>
-    <p:extLst>
-      <p:ext uri="{BB962C8B-B14F-4D97-AF65-F5344CB8AC3E}">
-        <p14:creationId xmlns:p14="http://schemas.microsoft.com/office/powerpoint/2010/main" val="940780592"/>
       </p:ext>
     </p:extLst>
   </p:cSld>
